--- a/eece2160/sp16/lectures/eece.2160sp16_lec5_scanf.pptx
+++ b/eece2160/sp16/lectures/eece.2160sp16_lec5_scanf.pptx
@@ -5,27 +5,28 @@
     <p:sldMasterId id="2147483792" r:id="rId1"/>
   </p:sldMasterIdLst>
   <p:notesMasterIdLst>
-    <p:notesMasterId r:id="rId17"/>
+    <p:notesMasterId r:id="rId18"/>
   </p:notesMasterIdLst>
   <p:handoutMasterIdLst>
-    <p:handoutMasterId r:id="rId18"/>
+    <p:handoutMasterId r:id="rId19"/>
   </p:handoutMasterIdLst>
   <p:sldIdLst>
     <p:sldId id="256" r:id="rId2"/>
     <p:sldId id="422" r:id="rId3"/>
     <p:sldId id="468" r:id="rId4"/>
     <p:sldId id="469" r:id="rId5"/>
-    <p:sldId id="490" r:id="rId6"/>
-    <p:sldId id="491" r:id="rId7"/>
-    <p:sldId id="492" r:id="rId8"/>
-    <p:sldId id="493" r:id="rId9"/>
-    <p:sldId id="494" r:id="rId10"/>
-    <p:sldId id="479" r:id="rId11"/>
-    <p:sldId id="464" r:id="rId12"/>
-    <p:sldId id="465" r:id="rId13"/>
-    <p:sldId id="466" r:id="rId14"/>
-    <p:sldId id="467" r:id="rId15"/>
-    <p:sldId id="447" r:id="rId16"/>
+    <p:sldId id="495" r:id="rId6"/>
+    <p:sldId id="490" r:id="rId7"/>
+    <p:sldId id="491" r:id="rId8"/>
+    <p:sldId id="492" r:id="rId9"/>
+    <p:sldId id="493" r:id="rId10"/>
+    <p:sldId id="494" r:id="rId11"/>
+    <p:sldId id="479" r:id="rId12"/>
+    <p:sldId id="464" r:id="rId13"/>
+    <p:sldId id="465" r:id="rId14"/>
+    <p:sldId id="466" r:id="rId15"/>
+    <p:sldId id="467" r:id="rId16"/>
+    <p:sldId id="447" r:id="rId17"/>
   </p:sldIdLst>
   <p:sldSz cx="9144000" cy="6858000" type="screen4x3"/>
   <p:notesSz cx="9144000" cy="6858000"/>
@@ -1753,7 +1754,7 @@
             <a:fld id="{3C7F0510-03D2-E84B-B8B9-9B5F384C256E}" type="slidenum">
               <a:rPr lang="en-US"/>
               <a:pPr/>
-              <a:t>5</a:t>
+              <a:t>6</a:t>
             </a:fld>
             <a:endParaRPr lang="en-US"/>
           </a:p>
@@ -2474,7 +2475,7 @@
             <a:fld id="{6FDB4451-365B-D040-B069-5B46BD62CC51}" type="slidenum">
               <a:rPr lang="en-US"/>
               <a:pPr/>
-              <a:t>7</a:t>
+              <a:t>8</a:t>
             </a:fld>
             <a:endParaRPr lang="en-US"/>
           </a:p>
@@ -3195,7 +3196,7 @@
             <a:fld id="{817AB688-747E-7244-B8B8-BE60EB8C4EFB}" type="slidenum">
               <a:rPr lang="en-US"/>
               <a:pPr/>
-              <a:t>8</a:t>
+              <a:t>9</a:t>
             </a:fld>
             <a:endParaRPr lang="en-US"/>
           </a:p>
@@ -3916,7 +3917,7 @@
             <a:fld id="{2D58D13F-16BD-EB41-B41B-65AEC3ADEAEE}" type="slidenum">
               <a:rPr lang="en-US"/>
               <a:pPr/>
-              <a:t>13</a:t>
+              <a:t>14</a:t>
             </a:fld>
             <a:endParaRPr lang="en-US"/>
           </a:p>
@@ -4637,7 +4638,7 @@
             <a:fld id="{0798AA0A-B09C-A54A-829D-DA325C22FA3F}" type="slidenum">
               <a:rPr lang="en-US"/>
               <a:pPr/>
-              <a:t>14</a:t>
+              <a:t>15</a:t>
             </a:fld>
             <a:endParaRPr lang="en-US"/>
           </a:p>
@@ -4934,7 +4935,7 @@
             <a:fld id="{0286BCE1-CF2F-7C47-98AD-1AE972DE744F}" type="datetime1">
               <a:rPr lang="en-US"/>
               <a:pPr/>
-              <a:t>1/27/16</a:t>
+              <a:t>1/29/16</a:t>
             </a:fld>
             <a:endParaRPr lang="en-US"/>
           </a:p>
@@ -5131,7 +5132,7 @@
             <a:fld id="{2C73196F-3AC1-F640-8CC6-C2EB0450FCB4}" type="datetime1">
               <a:rPr lang="en-US"/>
               <a:pPr/>
-              <a:t>1/27/16</a:t>
+              <a:t>1/29/16</a:t>
             </a:fld>
             <a:endParaRPr lang="en-US"/>
           </a:p>
@@ -5337,7 +5338,7 @@
             <a:fld id="{F3FBFDB0-CF03-C34C-B2A7-3DCC745A9909}" type="datetime1">
               <a:rPr lang="en-US"/>
               <a:pPr/>
-              <a:t>1/27/16</a:t>
+              <a:t>1/29/16</a:t>
             </a:fld>
             <a:endParaRPr lang="en-US"/>
           </a:p>
@@ -5600,7 +5601,7 @@
             <a:fld id="{407D88BF-45EC-6D4A-9D88-5CCCFF21C46C}" type="datetime1">
               <a:rPr lang="en-US"/>
               <a:pPr/>
-              <a:t>1/27/16</a:t>
+              <a:t>1/29/16</a:t>
             </a:fld>
             <a:endParaRPr lang="en-US"/>
           </a:p>
@@ -5863,7 +5864,7 @@
             <a:fld id="{1A48BAEB-F184-8445-9D0F-BC1D22FE79AE}" type="datetime1">
               <a:rPr lang="en-US"/>
               <a:pPr/>
-              <a:t>1/27/16</a:t>
+              <a:t>1/29/16</a:t>
             </a:fld>
             <a:endParaRPr lang="en-US"/>
           </a:p>
@@ -6059,7 +6060,7 @@
             <a:fld id="{186952C0-F7EF-5F47-B8BC-A5216A13FBDF}" type="datetime1">
               <a:rPr lang="en-US"/>
               <a:pPr/>
-              <a:t>1/27/16</a:t>
+              <a:t>1/29/16</a:t>
             </a:fld>
             <a:endParaRPr lang="en-US"/>
           </a:p>
@@ -6277,7 +6278,7 @@
             <a:fld id="{3BE7A2C5-667A-034B-8DA5-BBCF55C9AE63}" type="datetime1">
               <a:rPr lang="en-US"/>
               <a:pPr/>
-              <a:t>1/27/16</a:t>
+              <a:t>1/29/16</a:t>
             </a:fld>
             <a:endParaRPr lang="en-US"/>
           </a:p>
@@ -6591,7 +6592,7 @@
             <a:fld id="{05F188A5-3486-0E43-8AC4-3A21A01773B0}" type="datetime1">
               <a:rPr lang="en-US"/>
               <a:pPr/>
-              <a:t>1/27/16</a:t>
+              <a:t>1/29/16</a:t>
             </a:fld>
             <a:endParaRPr lang="en-US"/>
           </a:p>
@@ -7044,7 +7045,7 @@
             <a:fld id="{552DFD61-CC4A-F94D-8094-D85DC38A588F}" type="datetime1">
               <a:rPr lang="en-US"/>
               <a:pPr/>
-              <a:t>1/27/16</a:t>
+              <a:t>1/29/16</a:t>
             </a:fld>
             <a:endParaRPr lang="en-US"/>
           </a:p>
@@ -7188,7 +7189,7 @@
             <a:fld id="{0A743F45-BDB2-A24E-B17D-215972E0F9BF}" type="datetime1">
               <a:rPr lang="en-US"/>
               <a:pPr/>
-              <a:t>1/27/16</a:t>
+              <a:t>1/29/16</a:t>
             </a:fld>
             <a:endParaRPr lang="en-US"/>
           </a:p>
@@ -7309,7 +7310,7 @@
             <a:fld id="{6FCA8DAF-0C3B-F84A-A53C-AFA1C5CFE23C}" type="datetime1">
               <a:rPr lang="en-US"/>
               <a:pPr/>
-              <a:t>1/27/16</a:t>
+              <a:t>1/29/16</a:t>
             </a:fld>
             <a:endParaRPr lang="en-US"/>
           </a:p>
@@ -7612,7 +7613,7 @@
             <a:fld id="{4B922A6C-66B6-344D-9DF2-29BC9445889E}" type="datetime1">
               <a:rPr lang="en-US"/>
               <a:pPr/>
-              <a:t>1/27/16</a:t>
+              <a:t>1/29/16</a:t>
             </a:fld>
             <a:endParaRPr lang="en-US"/>
           </a:p>
@@ -7892,7 +7893,7 @@
             <a:fld id="{DD84AB36-1421-9E4C-A3B0-8F3C2DA2B7E8}" type="datetime1">
               <a:rPr lang="en-US"/>
               <a:pPr/>
-              <a:t>1/27/16</a:t>
+              <a:t>1/29/16</a:t>
             </a:fld>
             <a:endParaRPr lang="en-US"/>
           </a:p>
@@ -8191,7 +8192,7 @@
             <a:fld id="{5DEE4BB1-4C8F-AA4C-B9A0-1D9B2B13FFB2}" type="datetime1">
               <a:rPr lang="en-US"/>
               <a:pPr/>
-              <a:t>1/27/16</a:t>
+              <a:t>1/29/16</a:t>
             </a:fld>
             <a:endParaRPr lang="en-US"/>
           </a:p>
@@ -9006,13 +9007,7 @@
               <a:rPr lang="en-US" dirty="0" smtClean="0">
                 <a:latin typeface="Arial" charset="0"/>
               </a:rPr>
-              <a:t> </a:t>
-            </a:r>
-            <a:r>
-              <a:rPr lang="en-US" dirty="0" smtClean="0">
-                <a:latin typeface="Arial" charset="0"/>
-              </a:rPr>
-              <a:t>Li</a:t>
+              <a:t> Li</a:t>
             </a:r>
           </a:p>
           <a:p>
@@ -9132,7 +9127,7 @@
       </p:grpSpPr>
       <p:sp>
         <p:nvSpPr>
-          <p:cNvPr id="22530" name="Title 1"/>
+          <p:cNvPr id="21506" name="Title 1"/>
           <p:cNvSpPr>
             <a:spLocks noGrp="1"/>
           </p:cNvSpPr>
@@ -9149,7 +9144,7 @@
               <a:rPr lang="en-US">
                 <a:latin typeface="Garamond" charset="0"/>
               </a:rPr>
-              <a:t>scanf() return value</a:t>
+              <a:t>scanf() format strings</a:t>
             </a:r>
           </a:p>
         </p:txBody>
@@ -9167,616 +9162,353 @@
         <p:spPr/>
         <p:txBody>
           <a:bodyPr>
-            <a:normAutofit lnSpcReduction="10000"/>
+            <a:normAutofit/>
           </a:bodyPr>
           <a:lstStyle/>
           <a:p>
             <a:pPr>
-              <a:buFont typeface="Wingdings" pitchFamily="2" charset="2"/>
-              <a:buChar char="n"/>
-              <a:defRPr/>
+              <a:lnSpc>
+                <a:spcPct val="80000"/>
+              </a:lnSpc>
             </a:pPr>
             <a:r>
-              <a:rPr lang="en-US" dirty="0" err="1" smtClean="0">
-                <a:latin typeface="Courier New" pitchFamily="49" charset="0"/>
-                <a:ea typeface="+mn-ea"/>
-                <a:cs typeface="Courier New" pitchFamily="49" charset="0"/>
-              </a:rPr>
-              <a:t>scanf</a:t>
-            </a:r>
-            <a:r>
-              <a:rPr lang="en-US" dirty="0">
-                <a:latin typeface="Courier New" pitchFamily="49" charset="0"/>
-                <a:ea typeface="+mn-ea"/>
-                <a:cs typeface="Courier New" pitchFamily="49" charset="0"/>
-              </a:rPr>
-              <a:t>()</a:t>
-            </a:r>
-            <a:r>
-              <a:rPr lang="en-US" dirty="0">
-                <a:ea typeface="+mn-ea"/>
-              </a:rPr>
-              <a:t> returns # of </a:t>
-            </a:r>
-            <a:r>
-              <a:rPr lang="en-US" dirty="0" smtClean="0">
-                <a:ea typeface="+mn-ea"/>
-              </a:rPr>
-              <a:t>successfully read </a:t>
-            </a:r>
-            <a:r>
-              <a:rPr lang="en-US" dirty="0">
-                <a:ea typeface="+mn-ea"/>
-              </a:rPr>
-              <a:t>items</a:t>
+              <a:rPr lang="en-US" sz="2600">
+                <a:latin typeface="Courier New" charset="0"/>
+                <a:cs typeface="Courier New" charset="0"/>
+              </a:rPr>
+              <a:t>scanf()</a:t>
+            </a:r>
+            <a:r>
+              <a:rPr lang="en-US" sz="2600">
+                <a:latin typeface="Arial" charset="0"/>
+              </a:rPr>
+              <a:t> will skip space characters for all types but </a:t>
+            </a:r>
+            <a:r>
+              <a:rPr lang="en-US" sz="2600">
+                <a:latin typeface="Courier New" charset="0"/>
+                <a:cs typeface="Courier New" charset="0"/>
+              </a:rPr>
+              <a:t>%c</a:t>
             </a:r>
           </a:p>
           <a:p>
             <a:pPr lvl="1">
-              <a:buFont typeface="Wingdings" pitchFamily="2" charset="2"/>
-              <a:buChar char="q"/>
-              <a:defRPr/>
+              <a:lnSpc>
+                <a:spcPct val="80000"/>
+              </a:lnSpc>
             </a:pPr>
             <a:r>
-              <a:rPr lang="en-US" dirty="0"/>
-              <a:t>Ex.: given </a:t>
-            </a:r>
-            <a:r>
-              <a:rPr lang="en-US" dirty="0" err="1">
-                <a:latin typeface="Courier New" pitchFamily="49" charset="0"/>
-                <a:cs typeface="Courier New" pitchFamily="49" charset="0"/>
-              </a:rPr>
-              <a:t>scanf</a:t>
-            </a:r>
-            <a:r>
-              <a:rPr lang="en-US" dirty="0" smtClean="0">
-                <a:latin typeface="Courier New" pitchFamily="49" charset="0"/>
-                <a:cs typeface="Courier New" pitchFamily="49" charset="0"/>
-              </a:rPr>
-              <a:t>("%</a:t>
-            </a:r>
-            <a:r>
-              <a:rPr lang="en-US" dirty="0" err="1" smtClean="0">
-                <a:latin typeface="Courier New" pitchFamily="49" charset="0"/>
-                <a:cs typeface="Courier New" pitchFamily="49" charset="0"/>
-              </a:rPr>
-              <a:t>d%d</a:t>
-            </a:r>
-            <a:r>
-              <a:rPr lang="en-US" dirty="0" smtClean="0">
-                <a:latin typeface="Courier New" pitchFamily="49" charset="0"/>
-                <a:cs typeface="Courier New" pitchFamily="49" charset="0"/>
-              </a:rPr>
-              <a:t>", </a:t>
-            </a:r>
-            <a:r>
-              <a:rPr lang="en-US" dirty="0">
-                <a:latin typeface="Courier New" pitchFamily="49" charset="0"/>
-                <a:cs typeface="Courier New" pitchFamily="49" charset="0"/>
-              </a:rPr>
-              <a:t>&amp;x, &amp;y</a:t>
-            </a:r>
-            <a:r>
-              <a:rPr lang="en-US" dirty="0" smtClean="0">
-                <a:latin typeface="Courier New" pitchFamily="49" charset="0"/>
-                <a:cs typeface="Courier New" pitchFamily="49" charset="0"/>
-              </a:rPr>
-              <a:t>);</a:t>
-            </a:r>
-            <a:endParaRPr lang="en-US" dirty="0" smtClean="0"/>
+              <a:rPr lang="en-US" sz="2200">
+                <a:latin typeface="Arial" charset="0"/>
+              </a:rPr>
+              <a:t>Read input until it finds something that</a:t>
+            </a:r>
+            <a:r>
+              <a:rPr lang="ja-JP" altLang="en-US" sz="2200">
+                <a:latin typeface="Arial" charset="0"/>
+              </a:rPr>
+              <a:t>’</a:t>
+            </a:r>
+            <a:r>
+              <a:rPr lang="en-US" sz="2200">
+                <a:latin typeface="Arial" charset="0"/>
+              </a:rPr>
+              <a:t>s not a space, then see if it matches the desired type</a:t>
+            </a:r>
           </a:p>
           <a:p>
             <a:pPr lvl="2">
-              <a:buFont typeface="Wingdings" pitchFamily="2" charset="2"/>
-              <a:buChar char="n"/>
-              <a:defRPr/>
+              <a:lnSpc>
+                <a:spcPct val="80000"/>
+              </a:lnSpc>
             </a:pPr>
             <a:r>
-              <a:rPr lang="en-US" dirty="0" smtClean="0"/>
-              <a:t>Input: </a:t>
-            </a:r>
-            <a:r>
-              <a:rPr lang="en-US" dirty="0" smtClean="0">
-                <a:latin typeface="Courier New" pitchFamily="49" charset="0"/>
-                <a:cs typeface="Courier New" pitchFamily="49" charset="0"/>
-              </a:rPr>
-              <a:t>3 7</a:t>
-            </a:r>
-            <a:r>
-              <a:rPr lang="en-US" dirty="0" smtClean="0"/>
+              <a:rPr lang="en-US" sz="1900">
+                <a:latin typeface="Arial" charset="0"/>
+              </a:rPr>
+              <a:t>If type matches, value will be stored in specified variable</a:t>
+            </a:r>
+          </a:p>
+          <a:p>
+            <a:pPr lvl="2">
+              <a:lnSpc>
+                <a:spcPct val="80000"/>
+              </a:lnSpc>
+            </a:pPr>
+            <a:r>
+              <a:rPr lang="en-US" sz="1900">
+                <a:latin typeface="Arial" charset="0"/>
+              </a:rPr>
+              <a:t>If type doesn</a:t>
+            </a:r>
+            <a:r>
+              <a:rPr lang="ja-JP" altLang="en-US" sz="1900">
+                <a:latin typeface="Arial" charset="0"/>
+              </a:rPr>
+              <a:t>’</a:t>
+            </a:r>
+            <a:r>
+              <a:rPr lang="en-US" sz="1900">
+                <a:latin typeface="Arial" charset="0"/>
+              </a:rPr>
+              <a:t>t match, nothing stored; function stops</a:t>
+            </a:r>
+          </a:p>
+          <a:p>
+            <a:pPr lvl="1">
+              <a:lnSpc>
+                <a:spcPct val="80000"/>
+              </a:lnSpc>
+            </a:pPr>
+            <a:r>
+              <a:rPr lang="en-US" sz="2200">
+                <a:latin typeface="Arial" charset="0"/>
+              </a:rPr>
+              <a:t>Space in string only matters if using </a:t>
+            </a:r>
+            <a:r>
+              <a:rPr lang="en-US" sz="2200">
+                <a:latin typeface="Courier New" charset="0"/>
+                <a:cs typeface="Courier New" charset="0"/>
+              </a:rPr>
+              <a:t>%c</a:t>
+            </a:r>
+          </a:p>
+          <a:p>
+            <a:pPr>
+              <a:lnSpc>
+                <a:spcPct val="80000"/>
+              </a:lnSpc>
+            </a:pPr>
+            <a:r>
+              <a:rPr lang="en-US" sz="2600">
+                <a:latin typeface="Courier New" charset="0"/>
+                <a:cs typeface="Courier New" charset="0"/>
+              </a:rPr>
+              <a:t>%c</a:t>
+            </a:r>
+            <a:r>
+              <a:rPr lang="en-US" sz="2600">
+                <a:latin typeface="Arial" charset="0"/>
+              </a:rPr>
+              <a:t> will read </a:t>
+            </a:r>
+            <a:r>
+              <a:rPr lang="en-US" sz="2600" u="sng">
+                <a:latin typeface="Arial" charset="0"/>
+              </a:rPr>
+              <a:t>any</a:t>
+            </a:r>
+            <a:r>
+              <a:rPr lang="en-US" sz="2600">
+                <a:latin typeface="Arial" charset="0"/>
+              </a:rPr>
+              <a:t> character</a:t>
+            </a:r>
+          </a:p>
+          <a:p>
+            <a:pPr lvl="1">
+              <a:lnSpc>
+                <a:spcPct val="80000"/>
+              </a:lnSpc>
+            </a:pPr>
+            <a:r>
+              <a:rPr lang="en-US" sz="2200">
+                <a:latin typeface="Arial" charset="0"/>
+              </a:rPr>
+              <a:t>Includes spaces, newlines, etc.</a:t>
+            </a:r>
+          </a:p>
+          <a:p>
+            <a:pPr lvl="1">
+              <a:lnSpc>
+                <a:spcPct val="80000"/>
+              </a:lnSpc>
+            </a:pPr>
+            <a:r>
+              <a:rPr lang="en-US" sz="2200">
+                <a:latin typeface="Arial" charset="0"/>
+              </a:rPr>
+              <a:t>Example: given </a:t>
+            </a:r>
+            <a:r>
+              <a:rPr lang="en-US" sz="2200">
+                <a:latin typeface="Courier New" charset="0"/>
+                <a:cs typeface="Courier New" charset="0"/>
+              </a:rPr>
+              <a:t>scanf("%d%c", &amp;i, &amp;c);</a:t>
+            </a:r>
+          </a:p>
+          <a:p>
+            <a:pPr lvl="2">
+              <a:lnSpc>
+                <a:spcPct val="80000"/>
+              </a:lnSpc>
+            </a:pPr>
+            <a:r>
+              <a:rPr lang="en-US" sz="1900">
+                <a:latin typeface="Arial" charset="0"/>
+              </a:rPr>
+              <a:t>Input: 	</a:t>
+            </a:r>
+            <a:r>
+              <a:rPr lang="en-US" sz="1900">
+                <a:latin typeface="Courier New" charset="0"/>
+                <a:cs typeface="Courier New" charset="0"/>
+              </a:rPr>
+              <a:t>3a</a:t>
+            </a:r>
+            <a:r>
+              <a:rPr lang="en-US" sz="1900">
+                <a:latin typeface="Arial" charset="0"/>
+              </a:rPr>
               <a:t> 	</a:t>
             </a:r>
             <a:r>
-              <a:rPr lang="en-US" dirty="0" smtClean="0">
-                <a:sym typeface="Wingdings" pitchFamily="2" charset="2"/>
+              <a:rPr lang="en-US" sz="1900">
+                <a:latin typeface="Arial" charset="0"/>
+                <a:sym typeface="Wingdings" charset="0"/>
               </a:rPr>
               <a:t> </a:t>
             </a:r>
             <a:r>
-              <a:rPr lang="en-US" dirty="0" smtClean="0">
-                <a:latin typeface="Courier New" pitchFamily="49" charset="0"/>
-                <a:cs typeface="Courier New" pitchFamily="49" charset="0"/>
-                <a:sym typeface="Wingdings" pitchFamily="2" charset="2"/>
-              </a:rPr>
-              <a:t>x = 3</a:t>
-            </a:r>
-            <a:r>
-              <a:rPr lang="en-US" dirty="0" smtClean="0">
-                <a:sym typeface="Wingdings" pitchFamily="2" charset="2"/>
-              </a:rPr>
-              <a:t>, </a:t>
-            </a:r>
-            <a:r>
-              <a:rPr lang="en-US" dirty="0" smtClean="0">
-                <a:latin typeface="Courier New" pitchFamily="49" charset="0"/>
-                <a:cs typeface="Courier New" pitchFamily="49" charset="0"/>
-                <a:sym typeface="Wingdings" pitchFamily="2" charset="2"/>
-              </a:rPr>
-              <a:t>y = 7</a:t>
-            </a:r>
-            <a:r>
-              <a:rPr lang="en-US" dirty="0" smtClean="0">
-                <a:sym typeface="Wingdings" pitchFamily="2" charset="2"/>
-              </a:rPr>
-              <a:t>, return value = </a:t>
-            </a:r>
-            <a:r>
-              <a:rPr lang="en-US" dirty="0" smtClean="0">
-                <a:latin typeface="Courier New" pitchFamily="49" charset="0"/>
-                <a:cs typeface="Courier New" pitchFamily="49" charset="0"/>
-                <a:sym typeface="Wingdings" pitchFamily="2" charset="2"/>
-              </a:rPr>
-              <a:t>2</a:t>
-            </a:r>
+              <a:rPr lang="en-US" sz="1900">
+                <a:latin typeface="Courier New" charset="0"/>
+                <a:cs typeface="Courier New" charset="0"/>
+                <a:sym typeface="Wingdings" charset="0"/>
+              </a:rPr>
+              <a:t>i = 3, c = 'a'</a:t>
+            </a:r>
+            <a:endParaRPr lang="en-US" sz="1900">
+              <a:latin typeface="Courier New" charset="0"/>
+              <a:cs typeface="Courier New" charset="0"/>
+            </a:endParaRPr>
           </a:p>
           <a:p>
             <a:pPr lvl="2">
-              <a:buFont typeface="Wingdings" pitchFamily="2" charset="2"/>
-              <a:buChar char="n"/>
-              <a:defRPr/>
+              <a:lnSpc>
+                <a:spcPct val="80000"/>
+              </a:lnSpc>
             </a:pPr>
             <a:r>
-              <a:rPr lang="en-US" dirty="0"/>
-              <a:t>Input: </a:t>
-            </a:r>
-            <a:r>
-              <a:rPr lang="en-US" dirty="0">
-                <a:latin typeface="Courier New" pitchFamily="49" charset="0"/>
-                <a:cs typeface="Courier New" pitchFamily="49" charset="0"/>
-              </a:rPr>
-              <a:t>3 </a:t>
-            </a:r>
-            <a:r>
-              <a:rPr lang="en-US" dirty="0" smtClean="0">
-                <a:latin typeface="Courier New" pitchFamily="49" charset="0"/>
-                <a:cs typeface="Courier New" pitchFamily="49" charset="0"/>
-              </a:rPr>
-              <a:t>7.2</a:t>
-            </a:r>
-            <a:r>
-              <a:rPr lang="en-US" dirty="0" smtClean="0"/>
+              <a:rPr lang="en-US" sz="1900">
+                <a:latin typeface="Arial" charset="0"/>
+              </a:rPr>
+              <a:t>Input: 	</a:t>
+            </a:r>
+            <a:r>
+              <a:rPr lang="en-US" sz="1900">
+                <a:latin typeface="Courier New" charset="0"/>
+                <a:cs typeface="Courier New" charset="0"/>
+              </a:rPr>
+              <a:t>3 a</a:t>
+            </a:r>
+            <a:r>
+              <a:rPr lang="en-US" sz="1900">
+                <a:latin typeface="Arial" charset="0"/>
+              </a:rPr>
               <a:t> 	</a:t>
             </a:r>
             <a:r>
-              <a:rPr lang="en-US" dirty="0" smtClean="0">
-                <a:sym typeface="Wingdings" pitchFamily="2" charset="2"/>
+              <a:rPr lang="en-US" sz="1900">
+                <a:latin typeface="Arial" charset="0"/>
+                <a:sym typeface="Wingdings" charset="0"/>
               </a:rPr>
               <a:t> </a:t>
             </a:r>
             <a:r>
-              <a:rPr lang="en-US" dirty="0">
-                <a:latin typeface="Courier New" pitchFamily="49" charset="0"/>
-                <a:cs typeface="Courier New" pitchFamily="49" charset="0"/>
-                <a:sym typeface="Wingdings" pitchFamily="2" charset="2"/>
-              </a:rPr>
-              <a:t>x = 3</a:t>
-            </a:r>
-            <a:r>
-              <a:rPr lang="en-US" dirty="0">
-                <a:sym typeface="Wingdings" pitchFamily="2" charset="2"/>
-              </a:rPr>
-              <a:t>, </a:t>
-            </a:r>
-            <a:r>
-              <a:rPr lang="en-US" dirty="0">
-                <a:latin typeface="Courier New" pitchFamily="49" charset="0"/>
-                <a:cs typeface="Courier New" pitchFamily="49" charset="0"/>
-                <a:sym typeface="Wingdings" pitchFamily="2" charset="2"/>
-              </a:rPr>
-              <a:t>y = 7</a:t>
-            </a:r>
-            <a:r>
-              <a:rPr lang="en-US" dirty="0">
-                <a:sym typeface="Wingdings" pitchFamily="2" charset="2"/>
-              </a:rPr>
-              <a:t>, return value = </a:t>
-            </a:r>
-            <a:r>
-              <a:rPr lang="en-US" dirty="0">
-                <a:latin typeface="Courier New" pitchFamily="49" charset="0"/>
-                <a:cs typeface="Courier New" pitchFamily="49" charset="0"/>
-                <a:sym typeface="Wingdings" pitchFamily="2" charset="2"/>
-              </a:rPr>
-              <a:t>2</a:t>
-            </a:r>
+              <a:rPr lang="en-US" sz="1900">
+                <a:latin typeface="Courier New" charset="0"/>
+                <a:cs typeface="Courier New" charset="0"/>
+                <a:sym typeface="Wingdings" charset="0"/>
+              </a:rPr>
+              <a:t>i = 3, c = ' '</a:t>
+            </a:r>
+            <a:endParaRPr lang="en-US" sz="1900">
+              <a:latin typeface="Courier New" charset="0"/>
+              <a:cs typeface="Courier New" charset="0"/>
+            </a:endParaRPr>
           </a:p>
           <a:p>
             <a:pPr lvl="2">
-              <a:buFont typeface="Wingdings" pitchFamily="2" charset="2"/>
-              <a:buChar char="n"/>
-              <a:defRPr/>
+              <a:lnSpc>
+                <a:spcPct val="80000"/>
+              </a:lnSpc>
             </a:pPr>
             <a:r>
-              <a:rPr lang="en-US" dirty="0"/>
-              <a:t>Input: </a:t>
-            </a:r>
-            <a:r>
-              <a:rPr lang="en-US" dirty="0">
-                <a:latin typeface="Courier New" pitchFamily="49" charset="0"/>
-                <a:cs typeface="Courier New" pitchFamily="49" charset="0"/>
-              </a:rPr>
-              <a:t>3 </a:t>
-            </a:r>
-            <a:r>
-              <a:rPr lang="en-US" dirty="0" smtClean="0">
-                <a:latin typeface="Courier New" pitchFamily="49" charset="0"/>
-                <a:cs typeface="Courier New" pitchFamily="49" charset="0"/>
-              </a:rPr>
-              <a:t>.3</a:t>
-            </a:r>
-            <a:r>
-              <a:rPr lang="en-US" dirty="0" smtClean="0"/>
+              <a:rPr lang="en-US" sz="1900">
+                <a:latin typeface="Arial" charset="0"/>
+              </a:rPr>
+              <a:t>Input:  	</a:t>
+            </a:r>
+            <a:r>
+              <a:rPr lang="en-US" sz="1900">
+                <a:latin typeface="Courier New" charset="0"/>
+                <a:cs typeface="Courier New" charset="0"/>
+              </a:rPr>
+              <a:t>3</a:t>
+            </a:r>
+          </a:p>
+          <a:p>
+            <a:pPr lvl="2">
+              <a:lnSpc>
+                <a:spcPct val="80000"/>
+              </a:lnSpc>
+              <a:buFont typeface="Wingdings" charset="0"/>
+              <a:buNone/>
+            </a:pPr>
+            <a:r>
+              <a:rPr lang="en-US" sz="1900">
+                <a:latin typeface="Courier New" charset="0"/>
+                <a:cs typeface="Courier New" charset="0"/>
+              </a:rPr>
+              <a:t>	      	a</a:t>
+            </a:r>
+            <a:r>
+              <a:rPr lang="en-US" sz="1900">
+                <a:latin typeface="Arial" charset="0"/>
+              </a:rPr>
               <a:t> 	</a:t>
             </a:r>
             <a:r>
-              <a:rPr lang="en-US" dirty="0" smtClean="0">
-                <a:sym typeface="Wingdings" pitchFamily="2" charset="2"/>
+              <a:rPr lang="en-US" sz="1900">
+                <a:latin typeface="Arial" charset="0"/>
+                <a:sym typeface="Wingdings" charset="0"/>
               </a:rPr>
               <a:t> </a:t>
             </a:r>
             <a:r>
-              <a:rPr lang="en-US" dirty="0">
-                <a:latin typeface="Courier New" pitchFamily="49" charset="0"/>
-                <a:cs typeface="Courier New" pitchFamily="49" charset="0"/>
-                <a:sym typeface="Wingdings" pitchFamily="2" charset="2"/>
-              </a:rPr>
-              <a:t>x = 3</a:t>
-            </a:r>
-            <a:r>
-              <a:rPr lang="en-US" dirty="0">
-                <a:sym typeface="Wingdings" pitchFamily="2" charset="2"/>
-              </a:rPr>
-              <a:t>, </a:t>
-            </a:r>
-            <a:r>
-              <a:rPr lang="en-US" dirty="0">
-                <a:latin typeface="Courier New" pitchFamily="49" charset="0"/>
-                <a:cs typeface="Courier New" pitchFamily="49" charset="0"/>
-                <a:sym typeface="Wingdings" pitchFamily="2" charset="2"/>
-              </a:rPr>
-              <a:t>y = </a:t>
-            </a:r>
-            <a:r>
-              <a:rPr lang="en-US" dirty="0" smtClean="0">
-                <a:latin typeface="Courier New" pitchFamily="49" charset="0"/>
-                <a:cs typeface="Courier New" pitchFamily="49" charset="0"/>
-                <a:sym typeface="Wingdings" pitchFamily="2" charset="2"/>
-              </a:rPr>
-              <a:t>?</a:t>
-            </a:r>
-            <a:r>
-              <a:rPr lang="en-US" dirty="0" smtClean="0">
-                <a:sym typeface="Wingdings" pitchFamily="2" charset="2"/>
-              </a:rPr>
-              <a:t>, </a:t>
-            </a:r>
-            <a:r>
-              <a:rPr lang="en-US" dirty="0">
-                <a:sym typeface="Wingdings" pitchFamily="2" charset="2"/>
-              </a:rPr>
-              <a:t>return value = </a:t>
-            </a:r>
-            <a:r>
-              <a:rPr lang="en-US" dirty="0" smtClean="0">
-                <a:latin typeface="Courier New" pitchFamily="49" charset="0"/>
-                <a:cs typeface="Courier New" pitchFamily="49" charset="0"/>
-                <a:sym typeface="Wingdings" pitchFamily="2" charset="2"/>
-              </a:rPr>
-              <a:t>1</a:t>
-            </a:r>
-          </a:p>
-          <a:p>
-            <a:pPr lvl="3">
-              <a:buFont typeface="Wingdings" pitchFamily="2" charset="2"/>
-              <a:buChar char="q"/>
-              <a:defRPr/>
+              <a:rPr lang="en-US" sz="1900">
+                <a:latin typeface="Courier New" charset="0"/>
+                <a:cs typeface="Courier New" charset="0"/>
+                <a:sym typeface="Wingdings" charset="0"/>
+              </a:rPr>
+              <a:t>i = 3, c = '\n' </a:t>
+            </a:r>
+            <a:r>
+              <a:rPr lang="en-US" sz="1900">
+                <a:latin typeface="Arial" charset="0"/>
+                <a:cs typeface="Courier New" charset="0"/>
+                <a:sym typeface="Wingdings" charset="0"/>
+              </a:rPr>
+              <a:t>(assuming newline 						 directly after 3)</a:t>
+            </a:r>
+            <a:endParaRPr lang="en-US" sz="1900">
+              <a:latin typeface="Arial" charset="0"/>
+            </a:endParaRPr>
+          </a:p>
+          <a:p>
+            <a:pPr lvl="1">
+              <a:lnSpc>
+                <a:spcPct val="80000"/>
+              </a:lnSpc>
             </a:pPr>
-            <a:r>
-              <a:rPr lang="en-US" dirty="0" smtClean="0">
-                <a:latin typeface="Courier New" pitchFamily="49" charset="0"/>
-                <a:cs typeface="Courier New" pitchFamily="49" charset="0"/>
-                <a:sym typeface="Wingdings" pitchFamily="2" charset="2"/>
-              </a:rPr>
-              <a:t>y </a:t>
-            </a:r>
-            <a:r>
-              <a:rPr lang="en-US" dirty="0" smtClean="0">
-                <a:cs typeface="Courier New" pitchFamily="49" charset="0"/>
-                <a:sym typeface="Wingdings" pitchFamily="2" charset="2"/>
-              </a:rPr>
-              <a:t>is unchanged</a:t>
-            </a:r>
-            <a:endParaRPr lang="en-US" dirty="0">
-              <a:latin typeface="Courier New" pitchFamily="49" charset="0"/>
-              <a:cs typeface="Courier New" pitchFamily="49" charset="0"/>
-              <a:sym typeface="Wingdings" pitchFamily="2" charset="2"/>
+            <a:endParaRPr lang="en-US" sz="2200">
+              <a:latin typeface="Courier New" charset="0"/>
+              <a:cs typeface="Courier New" charset="0"/>
+              <a:sym typeface="Wingdings" charset="0"/>
             </a:endParaRPr>
-          </a:p>
-          <a:p>
-            <a:pPr lvl="2">
-              <a:buFont typeface="Wingdings" pitchFamily="2" charset="2"/>
-              <a:buChar char="n"/>
-              <a:defRPr/>
-            </a:pPr>
-            <a:r>
-              <a:rPr lang="en-US" dirty="0"/>
-              <a:t>Input: </a:t>
-            </a:r>
-            <a:r>
-              <a:rPr lang="en-US" dirty="0" smtClean="0">
-                <a:latin typeface="Courier New" pitchFamily="49" charset="0"/>
-                <a:cs typeface="Courier New" pitchFamily="49" charset="0"/>
-              </a:rPr>
-              <a:t>x1 7</a:t>
-            </a:r>
-            <a:r>
-              <a:rPr lang="en-US" dirty="0" smtClean="0"/>
-              <a:t> 	</a:t>
-            </a:r>
-            <a:r>
-              <a:rPr lang="en-US" dirty="0" smtClean="0">
-                <a:sym typeface="Wingdings" pitchFamily="2" charset="2"/>
-              </a:rPr>
-              <a:t> </a:t>
-            </a:r>
-            <a:r>
-              <a:rPr lang="en-US" dirty="0">
-                <a:latin typeface="Courier New" pitchFamily="49" charset="0"/>
-                <a:cs typeface="Courier New" pitchFamily="49" charset="0"/>
-                <a:sym typeface="Wingdings" pitchFamily="2" charset="2"/>
-              </a:rPr>
-              <a:t>x = </a:t>
-            </a:r>
-            <a:r>
-              <a:rPr lang="en-US" dirty="0" smtClean="0">
-                <a:latin typeface="Courier New" pitchFamily="49" charset="0"/>
-                <a:cs typeface="Courier New" pitchFamily="49" charset="0"/>
-                <a:sym typeface="Wingdings" pitchFamily="2" charset="2"/>
-              </a:rPr>
-              <a:t>?</a:t>
-            </a:r>
-            <a:r>
-              <a:rPr lang="en-US" dirty="0" smtClean="0">
-                <a:sym typeface="Wingdings" pitchFamily="2" charset="2"/>
-              </a:rPr>
-              <a:t>, </a:t>
-            </a:r>
-            <a:r>
-              <a:rPr lang="en-US" dirty="0">
-                <a:latin typeface="Courier New" pitchFamily="49" charset="0"/>
-                <a:cs typeface="Courier New" pitchFamily="49" charset="0"/>
-                <a:sym typeface="Wingdings" pitchFamily="2" charset="2"/>
-              </a:rPr>
-              <a:t>y = </a:t>
-            </a:r>
-            <a:r>
-              <a:rPr lang="en-US" dirty="0" smtClean="0">
-                <a:latin typeface="Courier New" pitchFamily="49" charset="0"/>
-                <a:cs typeface="Courier New" pitchFamily="49" charset="0"/>
-                <a:sym typeface="Wingdings" pitchFamily="2" charset="2"/>
-              </a:rPr>
-              <a:t>?</a:t>
-            </a:r>
-            <a:r>
-              <a:rPr lang="en-US" dirty="0" smtClean="0">
-                <a:sym typeface="Wingdings" pitchFamily="2" charset="2"/>
-              </a:rPr>
-              <a:t>, </a:t>
-            </a:r>
-            <a:r>
-              <a:rPr lang="en-US" dirty="0">
-                <a:sym typeface="Wingdings" pitchFamily="2" charset="2"/>
-              </a:rPr>
-              <a:t>return value = </a:t>
-            </a:r>
-            <a:r>
-              <a:rPr lang="en-US" dirty="0" smtClean="0">
-                <a:latin typeface="Courier New" pitchFamily="49" charset="0"/>
-                <a:cs typeface="Courier New" pitchFamily="49" charset="0"/>
-                <a:sym typeface="Wingdings" pitchFamily="2" charset="2"/>
-              </a:rPr>
-              <a:t>0</a:t>
-            </a:r>
-          </a:p>
-          <a:p>
-            <a:pPr lvl="3">
-              <a:buFont typeface="Wingdings" pitchFamily="2" charset="2"/>
-              <a:buChar char="q"/>
-              <a:defRPr/>
-            </a:pPr>
-            <a:r>
-              <a:rPr lang="en-US" dirty="0" smtClean="0">
-                <a:latin typeface="Courier New" pitchFamily="49" charset="0"/>
-                <a:cs typeface="Courier New" pitchFamily="49" charset="0"/>
-                <a:sym typeface="Wingdings" pitchFamily="2" charset="2"/>
-              </a:rPr>
-              <a:t>x, y</a:t>
-            </a:r>
-            <a:r>
-              <a:rPr lang="en-US" dirty="0" smtClean="0">
-                <a:cs typeface="Courier New" pitchFamily="49" charset="0"/>
-                <a:sym typeface="Wingdings" pitchFamily="2" charset="2"/>
-              </a:rPr>
-              <a:t> both unchanged</a:t>
-            </a:r>
-            <a:endParaRPr lang="en-US" dirty="0">
-              <a:latin typeface="Courier New" pitchFamily="49" charset="0"/>
-              <a:cs typeface="Courier New" pitchFamily="49" charset="0"/>
-              <a:sym typeface="Wingdings" pitchFamily="2" charset="2"/>
-            </a:endParaRPr>
-          </a:p>
-          <a:p>
-            <a:pPr>
-              <a:buFont typeface="Wingdings" pitchFamily="2" charset="2"/>
-              <a:buChar char="n"/>
-              <a:defRPr/>
-            </a:pPr>
-            <a:r>
-              <a:rPr lang="en-US" dirty="0" smtClean="0">
-                <a:ea typeface="+mn-ea"/>
-                <a:cs typeface="Courier New" pitchFamily="49" charset="0"/>
-                <a:sym typeface="Wingdings" pitchFamily="2" charset="2"/>
-              </a:rPr>
-              <a:t>Can assign return value to variable</a:t>
-            </a:r>
-          </a:p>
-          <a:p>
-            <a:pPr lvl="1">
-              <a:buFont typeface="Wingdings" pitchFamily="2" charset="2"/>
-              <a:buChar char="q"/>
-              <a:defRPr/>
-            </a:pPr>
-            <a:r>
-              <a:rPr lang="en-US" dirty="0" smtClean="0">
-                <a:cs typeface="Courier New" pitchFamily="49" charset="0"/>
-                <a:sym typeface="Wingdings" pitchFamily="2" charset="2"/>
-              </a:rPr>
-              <a:t>Example:</a:t>
-            </a:r>
-          </a:p>
-          <a:p>
-            <a:pPr marL="344487" lvl="1" indent="0">
-              <a:buFont typeface="Wingdings" pitchFamily="2" charset="2"/>
-              <a:buNone/>
-              <a:defRPr/>
-            </a:pPr>
-            <a:r>
-              <a:rPr lang="en-US" b="1" dirty="0" err="1" smtClean="0">
-                <a:solidFill>
-                  <a:srgbClr val="FF0000"/>
-                </a:solidFill>
-                <a:latin typeface="Courier New" pitchFamily="49" charset="0"/>
-                <a:cs typeface="Courier New" pitchFamily="49" charset="0"/>
-                <a:sym typeface="Wingdings" pitchFamily="2" charset="2"/>
-              </a:rPr>
-              <a:t>int</a:t>
-            </a:r>
-            <a:r>
-              <a:rPr lang="en-US" b="1" dirty="0" smtClean="0">
-                <a:solidFill>
-                  <a:srgbClr val="FF0000"/>
-                </a:solidFill>
-                <a:latin typeface="Courier New" pitchFamily="49" charset="0"/>
-                <a:cs typeface="Courier New" pitchFamily="49" charset="0"/>
-                <a:sym typeface="Wingdings" pitchFamily="2" charset="2"/>
-              </a:rPr>
-              <a:t> </a:t>
-            </a:r>
-            <a:r>
-              <a:rPr lang="en-US" b="1" dirty="0" err="1" smtClean="0">
-                <a:solidFill>
-                  <a:srgbClr val="FF0000"/>
-                </a:solidFill>
-                <a:latin typeface="Courier New" pitchFamily="49" charset="0"/>
-                <a:cs typeface="Courier New" pitchFamily="49" charset="0"/>
-                <a:sym typeface="Wingdings" pitchFamily="2" charset="2"/>
-              </a:rPr>
-              <a:t>numRead</a:t>
-            </a:r>
-            <a:r>
-              <a:rPr lang="en-US" b="1" dirty="0" smtClean="0">
-                <a:solidFill>
-                  <a:srgbClr val="FF0000"/>
-                </a:solidFill>
-                <a:latin typeface="Courier New" pitchFamily="49" charset="0"/>
-                <a:cs typeface="Courier New" pitchFamily="49" charset="0"/>
-                <a:sym typeface="Wingdings" pitchFamily="2" charset="2"/>
-              </a:rPr>
-              <a:t>;		// # input values read</a:t>
-            </a:r>
-          </a:p>
-          <a:p>
-            <a:pPr marL="344487" lvl="1" indent="0">
-              <a:buFont typeface="Wingdings" pitchFamily="2" charset="2"/>
-              <a:buNone/>
-              <a:defRPr/>
-            </a:pPr>
-            <a:r>
-              <a:rPr lang="en-US" b="1" dirty="0" err="1" smtClean="0">
-                <a:solidFill>
-                  <a:srgbClr val="FF0000"/>
-                </a:solidFill>
-                <a:latin typeface="Courier New" pitchFamily="49" charset="0"/>
-                <a:cs typeface="Courier New" pitchFamily="49" charset="0"/>
-                <a:sym typeface="Wingdings" pitchFamily="2" charset="2"/>
-              </a:rPr>
-              <a:t>numRead</a:t>
-            </a:r>
-            <a:r>
-              <a:rPr lang="en-US" b="1" dirty="0" smtClean="0">
-                <a:solidFill>
-                  <a:srgbClr val="FF0000"/>
-                </a:solidFill>
-                <a:latin typeface="Courier New" pitchFamily="49" charset="0"/>
-                <a:cs typeface="Courier New" pitchFamily="49" charset="0"/>
-                <a:sym typeface="Wingdings" pitchFamily="2" charset="2"/>
-              </a:rPr>
-              <a:t> = </a:t>
-            </a:r>
-            <a:r>
-              <a:rPr lang="en-US" b="1" dirty="0" err="1" smtClean="0">
-                <a:solidFill>
-                  <a:srgbClr val="FF0000"/>
-                </a:solidFill>
-                <a:latin typeface="Courier New" pitchFamily="49" charset="0"/>
-                <a:cs typeface="Courier New" pitchFamily="49" charset="0"/>
-                <a:sym typeface="Wingdings" pitchFamily="2" charset="2"/>
-              </a:rPr>
-              <a:t>scanf</a:t>
-            </a:r>
-            <a:r>
-              <a:rPr lang="en-US" b="1" dirty="0" smtClean="0">
-                <a:solidFill>
-                  <a:srgbClr val="FF0000"/>
-                </a:solidFill>
-                <a:latin typeface="Courier New" pitchFamily="49" charset="0"/>
-                <a:cs typeface="Courier New" pitchFamily="49" charset="0"/>
-                <a:sym typeface="Wingdings" pitchFamily="2" charset="2"/>
-              </a:rPr>
-              <a:t>("%</a:t>
-            </a:r>
-            <a:r>
-              <a:rPr lang="en-US" b="1" dirty="0" err="1" smtClean="0">
-                <a:solidFill>
-                  <a:srgbClr val="FF0000"/>
-                </a:solidFill>
-                <a:latin typeface="Courier New" pitchFamily="49" charset="0"/>
-                <a:cs typeface="Courier New" pitchFamily="49" charset="0"/>
-                <a:sym typeface="Wingdings" pitchFamily="2" charset="2"/>
-              </a:rPr>
-              <a:t>d%d</a:t>
-            </a:r>
-            <a:r>
-              <a:rPr lang="en-US" b="1" dirty="0" smtClean="0">
-                <a:solidFill>
-                  <a:srgbClr val="FF0000"/>
-                </a:solidFill>
-                <a:latin typeface="Courier New" pitchFamily="49" charset="0"/>
-                <a:cs typeface="Courier New" pitchFamily="49" charset="0"/>
-                <a:sym typeface="Wingdings" pitchFamily="2" charset="2"/>
-              </a:rPr>
-              <a:t>", &amp;x, &amp;y);</a:t>
-            </a:r>
           </a:p>
         </p:txBody>
       </p:sp>
@@ -9911,12 +9643,12 @@
           </a:lstStyle>
           <a:p>
             <a:pPr eaLnBrk="1" hangingPunct="1"/>
-            <a:fld id="{7B6103D8-691E-D94F-859E-50D2D4A02E25}" type="datetime1">
+            <a:fld id="{2DDFC823-4FA7-0B4F-93C6-19C627A1A32C}" type="datetime1">
               <a:rPr lang="en-US">
                 <a:latin typeface="Garamond" charset="0"/>
               </a:rPr>
               <a:pPr eaLnBrk="1" hangingPunct="1"/>
-              <a:t>1/27/16</a:t>
+              <a:t>1/29/16</a:t>
             </a:fld>
             <a:endParaRPr lang="en-US">
               <a:latin typeface="Garamond" charset="0"/>
@@ -10080,7 +9812,7 @@
           </a:lstStyle>
           <a:p>
             <a:pPr eaLnBrk="1" hangingPunct="1"/>
-            <a:fld id="{AFB652EF-08D0-E345-8E46-D893845E412F}" type="slidenum">
+            <a:fld id="{261CE7B6-4980-4F4B-9C95-904F246E2D71}" type="slidenum">
               <a:rPr lang="en-US">
                 <a:latin typeface="Garamond" charset="0"/>
               </a:rPr>
@@ -10127,7 +9859,7 @@
       </p:grpSpPr>
       <p:sp>
         <p:nvSpPr>
-          <p:cNvPr id="23554" name="Title 1"/>
+          <p:cNvPr id="22530" name="Title 1"/>
           <p:cNvSpPr>
             <a:spLocks noGrp="1"/>
           </p:cNvSpPr>
@@ -10144,14 +9876,14 @@
               <a:rPr lang="en-US">
                 <a:latin typeface="Garamond" charset="0"/>
               </a:rPr>
-              <a:t>Example</a:t>
+              <a:t>scanf() return value</a:t>
             </a:r>
           </a:p>
         </p:txBody>
       </p:sp>
       <p:sp>
         <p:nvSpPr>
-          <p:cNvPr id="23555" name="Content Placeholder 2"/>
+          <p:cNvPr id="3" name="Content Placeholder 2"/>
           <p:cNvSpPr>
             <a:spLocks noGrp="1"/>
           </p:cNvSpPr>
@@ -10161,236 +9893,617 @@
         </p:nvSpPr>
         <p:spPr/>
         <p:txBody>
-          <a:bodyPr/>
+          <a:bodyPr>
+            <a:normAutofit lnSpcReduction="10000"/>
+          </a:bodyPr>
           <a:lstStyle/>
           <a:p>
-            <a:r>
-              <a:rPr lang="en-US">
-                <a:latin typeface="Arial" charset="0"/>
-              </a:rPr>
-              <a:t>Variables: </a:t>
-            </a:r>
-            <a:r>
-              <a:rPr lang="en-US">
-                <a:latin typeface="Courier New" charset="0"/>
-                <a:cs typeface="Courier New" charset="0"/>
-              </a:rPr>
-              <a:t>int i; double d; char c;</a:t>
-            </a:r>
-          </a:p>
-          <a:p>
-            <a:r>
-              <a:rPr lang="en-US">
-                <a:latin typeface="Arial" charset="0"/>
-                <a:cs typeface="Courier New" charset="0"/>
-              </a:rPr>
-              <a:t>What values are read for each of the following inputs and </a:t>
-            </a:r>
-            <a:r>
-              <a:rPr lang="en-US">
-                <a:latin typeface="Courier New" charset="0"/>
-                <a:cs typeface="Courier New" charset="0"/>
-              </a:rPr>
-              <a:t>scanf()</a:t>
-            </a:r>
-            <a:r>
-              <a:rPr lang="en-US">
-                <a:latin typeface="Arial" charset="0"/>
-                <a:cs typeface="Courier New" charset="0"/>
-              </a:rPr>
-              <a:t> calls? Assume the input is as follows: </a:t>
-            </a:r>
-            <a:r>
-              <a:rPr lang="en-US">
-                <a:latin typeface="Courier New" charset="0"/>
-                <a:cs typeface="Courier New" charset="0"/>
-              </a:rPr>
-              <a:t>34 5.7</a:t>
-            </a:r>
-          </a:p>
-          <a:p>
-            <a:pPr lvl="1"/>
-            <a:r>
-              <a:rPr lang="en-US">
-                <a:latin typeface="Courier New" charset="0"/>
-                <a:cs typeface="Courier New" charset="0"/>
-              </a:rPr>
-              <a:t>scanf("%d%lf", &amp;i, &amp;d) </a:t>
-            </a:r>
-            <a:endParaRPr lang="en-US">
-              <a:latin typeface="Courier New" charset="0"/>
-              <a:cs typeface="Courier New" charset="0"/>
-              <a:sym typeface="Wingdings" charset="0"/>
+            <a:pPr>
+              <a:buFont typeface="Wingdings" pitchFamily="2" charset="2"/>
+              <a:buChar char="n"/>
+              <a:defRPr/>
+            </a:pPr>
+            <a:r>
+              <a:rPr lang="en-US" dirty="0" err="1" smtClean="0">
+                <a:latin typeface="Courier New" pitchFamily="49" charset="0"/>
+                <a:ea typeface="+mn-ea"/>
+                <a:cs typeface="Courier New" pitchFamily="49" charset="0"/>
+              </a:rPr>
+              <a:t>scanf</a:t>
+            </a:r>
+            <a:r>
+              <a:rPr lang="en-US" dirty="0">
+                <a:latin typeface="Courier New" pitchFamily="49" charset="0"/>
+                <a:ea typeface="+mn-ea"/>
+                <a:cs typeface="Courier New" pitchFamily="49" charset="0"/>
+              </a:rPr>
+              <a:t>()</a:t>
+            </a:r>
+            <a:r>
+              <a:rPr lang="en-US" dirty="0">
+                <a:ea typeface="+mn-ea"/>
+              </a:rPr>
+              <a:t> returns # of </a:t>
+            </a:r>
+            <a:r>
+              <a:rPr lang="en-US" dirty="0" smtClean="0">
+                <a:ea typeface="+mn-ea"/>
+              </a:rPr>
+              <a:t>successfully read </a:t>
+            </a:r>
+            <a:r>
+              <a:rPr lang="en-US" dirty="0">
+                <a:ea typeface="+mn-ea"/>
+              </a:rPr>
+              <a:t>items</a:t>
+            </a:r>
+          </a:p>
+          <a:p>
+            <a:pPr lvl="1">
+              <a:buFont typeface="Wingdings" pitchFamily="2" charset="2"/>
+              <a:buChar char="q"/>
+              <a:defRPr/>
+            </a:pPr>
+            <a:r>
+              <a:rPr lang="en-US" dirty="0"/>
+              <a:t>Ex.: given </a:t>
+            </a:r>
+            <a:r>
+              <a:rPr lang="en-US" dirty="0" err="1">
+                <a:latin typeface="Courier New" pitchFamily="49" charset="0"/>
+                <a:cs typeface="Courier New" pitchFamily="49" charset="0"/>
+              </a:rPr>
+              <a:t>scanf</a:t>
+            </a:r>
+            <a:r>
+              <a:rPr lang="en-US" dirty="0" smtClean="0">
+                <a:latin typeface="Courier New" pitchFamily="49" charset="0"/>
+                <a:cs typeface="Courier New" pitchFamily="49" charset="0"/>
+              </a:rPr>
+              <a:t>("%</a:t>
+            </a:r>
+            <a:r>
+              <a:rPr lang="en-US" dirty="0" err="1" smtClean="0">
+                <a:latin typeface="Courier New" pitchFamily="49" charset="0"/>
+                <a:cs typeface="Courier New" pitchFamily="49" charset="0"/>
+              </a:rPr>
+              <a:t>d%d</a:t>
+            </a:r>
+            <a:r>
+              <a:rPr lang="en-US" dirty="0" smtClean="0">
+                <a:latin typeface="Courier New" pitchFamily="49" charset="0"/>
+                <a:cs typeface="Courier New" pitchFamily="49" charset="0"/>
+              </a:rPr>
+              <a:t>", </a:t>
+            </a:r>
+            <a:r>
+              <a:rPr lang="en-US" dirty="0">
+                <a:latin typeface="Courier New" pitchFamily="49" charset="0"/>
+                <a:cs typeface="Courier New" pitchFamily="49" charset="0"/>
+              </a:rPr>
+              <a:t>&amp;x, &amp;y</a:t>
+            </a:r>
+            <a:r>
+              <a:rPr lang="en-US" dirty="0" smtClean="0">
+                <a:latin typeface="Courier New" pitchFamily="49" charset="0"/>
+                <a:cs typeface="Courier New" pitchFamily="49" charset="0"/>
+              </a:rPr>
+              <a:t>);</a:t>
+            </a:r>
+            <a:endParaRPr lang="en-US" dirty="0" smtClean="0"/>
+          </a:p>
+          <a:p>
+            <a:pPr lvl="2">
+              <a:buFont typeface="Wingdings" pitchFamily="2" charset="2"/>
+              <a:buChar char="n"/>
+              <a:defRPr/>
+            </a:pPr>
+            <a:r>
+              <a:rPr lang="en-US" dirty="0" smtClean="0"/>
+              <a:t>Input: </a:t>
+            </a:r>
+            <a:r>
+              <a:rPr lang="en-US" dirty="0" smtClean="0">
+                <a:latin typeface="Courier New" pitchFamily="49" charset="0"/>
+                <a:cs typeface="Courier New" pitchFamily="49" charset="0"/>
+              </a:rPr>
+              <a:t>3 7</a:t>
+            </a:r>
+            <a:r>
+              <a:rPr lang="en-US" dirty="0" smtClean="0"/>
+              <a:t> 	</a:t>
+            </a:r>
+            <a:r>
+              <a:rPr lang="en-US" dirty="0" smtClean="0">
+                <a:sym typeface="Wingdings" pitchFamily="2" charset="2"/>
+              </a:rPr>
+              <a:t> </a:t>
+            </a:r>
+            <a:r>
+              <a:rPr lang="en-US" dirty="0" smtClean="0">
+                <a:latin typeface="Courier New" pitchFamily="49" charset="0"/>
+                <a:cs typeface="Courier New" pitchFamily="49" charset="0"/>
+                <a:sym typeface="Wingdings" pitchFamily="2" charset="2"/>
+              </a:rPr>
+              <a:t>x = 3</a:t>
+            </a:r>
+            <a:r>
+              <a:rPr lang="en-US" dirty="0" smtClean="0">
+                <a:sym typeface="Wingdings" pitchFamily="2" charset="2"/>
+              </a:rPr>
+              <a:t>, </a:t>
+            </a:r>
+            <a:r>
+              <a:rPr lang="en-US" dirty="0" smtClean="0">
+                <a:latin typeface="Courier New" pitchFamily="49" charset="0"/>
+                <a:cs typeface="Courier New" pitchFamily="49" charset="0"/>
+                <a:sym typeface="Wingdings" pitchFamily="2" charset="2"/>
+              </a:rPr>
+              <a:t>y = 7</a:t>
+            </a:r>
+            <a:r>
+              <a:rPr lang="en-US" dirty="0" smtClean="0">
+                <a:sym typeface="Wingdings" pitchFamily="2" charset="2"/>
+              </a:rPr>
+              <a:t>, return value = </a:t>
+            </a:r>
+            <a:r>
+              <a:rPr lang="en-US" dirty="0" smtClean="0">
+                <a:latin typeface="Courier New" pitchFamily="49" charset="0"/>
+                <a:cs typeface="Courier New" pitchFamily="49" charset="0"/>
+                <a:sym typeface="Wingdings" pitchFamily="2" charset="2"/>
+              </a:rPr>
+              <a:t>2</a:t>
+            </a:r>
+          </a:p>
+          <a:p>
+            <a:pPr lvl="2">
+              <a:buFont typeface="Wingdings" pitchFamily="2" charset="2"/>
+              <a:buChar char="n"/>
+              <a:defRPr/>
+            </a:pPr>
+            <a:r>
+              <a:rPr lang="en-US" dirty="0"/>
+              <a:t>Input: </a:t>
+            </a:r>
+            <a:r>
+              <a:rPr lang="en-US" dirty="0">
+                <a:latin typeface="Courier New" pitchFamily="49" charset="0"/>
+                <a:cs typeface="Courier New" pitchFamily="49" charset="0"/>
+              </a:rPr>
+              <a:t>3 </a:t>
+            </a:r>
+            <a:r>
+              <a:rPr lang="en-US" dirty="0" smtClean="0">
+                <a:latin typeface="Courier New" pitchFamily="49" charset="0"/>
+                <a:cs typeface="Courier New" pitchFamily="49" charset="0"/>
+              </a:rPr>
+              <a:t>7.2</a:t>
+            </a:r>
+            <a:r>
+              <a:rPr lang="en-US" dirty="0" smtClean="0"/>
+              <a:t> 	</a:t>
+            </a:r>
+            <a:r>
+              <a:rPr lang="en-US" dirty="0" smtClean="0">
+                <a:sym typeface="Wingdings" pitchFamily="2" charset="2"/>
+              </a:rPr>
+              <a:t> </a:t>
+            </a:r>
+            <a:r>
+              <a:rPr lang="en-US" dirty="0">
+                <a:latin typeface="Courier New" pitchFamily="49" charset="0"/>
+                <a:cs typeface="Courier New" pitchFamily="49" charset="0"/>
+                <a:sym typeface="Wingdings" pitchFamily="2" charset="2"/>
+              </a:rPr>
+              <a:t>x = 3</a:t>
+            </a:r>
+            <a:r>
+              <a:rPr lang="en-US" dirty="0">
+                <a:sym typeface="Wingdings" pitchFamily="2" charset="2"/>
+              </a:rPr>
+              <a:t>, </a:t>
+            </a:r>
+            <a:r>
+              <a:rPr lang="en-US" dirty="0">
+                <a:latin typeface="Courier New" pitchFamily="49" charset="0"/>
+                <a:cs typeface="Courier New" pitchFamily="49" charset="0"/>
+                <a:sym typeface="Wingdings" pitchFamily="2" charset="2"/>
+              </a:rPr>
+              <a:t>y = 7</a:t>
+            </a:r>
+            <a:r>
+              <a:rPr lang="en-US" dirty="0">
+                <a:sym typeface="Wingdings" pitchFamily="2" charset="2"/>
+              </a:rPr>
+              <a:t>, return value = </a:t>
+            </a:r>
+            <a:r>
+              <a:rPr lang="en-US" dirty="0">
+                <a:latin typeface="Courier New" pitchFamily="49" charset="0"/>
+                <a:cs typeface="Courier New" pitchFamily="49" charset="0"/>
+                <a:sym typeface="Wingdings" pitchFamily="2" charset="2"/>
+              </a:rPr>
+              <a:t>2</a:t>
+            </a:r>
+          </a:p>
+          <a:p>
+            <a:pPr lvl="2">
+              <a:buFont typeface="Wingdings" pitchFamily="2" charset="2"/>
+              <a:buChar char="n"/>
+              <a:defRPr/>
+            </a:pPr>
+            <a:r>
+              <a:rPr lang="en-US" dirty="0"/>
+              <a:t>Input: </a:t>
+            </a:r>
+            <a:r>
+              <a:rPr lang="en-US" dirty="0">
+                <a:latin typeface="Courier New" pitchFamily="49" charset="0"/>
+                <a:cs typeface="Courier New" pitchFamily="49" charset="0"/>
+              </a:rPr>
+              <a:t>3 </a:t>
+            </a:r>
+            <a:r>
+              <a:rPr lang="en-US" dirty="0" smtClean="0">
+                <a:latin typeface="Courier New" pitchFamily="49" charset="0"/>
+                <a:cs typeface="Courier New" pitchFamily="49" charset="0"/>
+              </a:rPr>
+              <a:t>.3</a:t>
+            </a:r>
+            <a:r>
+              <a:rPr lang="en-US" dirty="0" smtClean="0"/>
+              <a:t> 	</a:t>
+            </a:r>
+            <a:r>
+              <a:rPr lang="en-US" dirty="0" smtClean="0">
+                <a:sym typeface="Wingdings" pitchFamily="2" charset="2"/>
+              </a:rPr>
+              <a:t> </a:t>
+            </a:r>
+            <a:r>
+              <a:rPr lang="en-US" dirty="0">
+                <a:latin typeface="Courier New" pitchFamily="49" charset="0"/>
+                <a:cs typeface="Courier New" pitchFamily="49" charset="0"/>
+                <a:sym typeface="Wingdings" pitchFamily="2" charset="2"/>
+              </a:rPr>
+              <a:t>x = 3</a:t>
+            </a:r>
+            <a:r>
+              <a:rPr lang="en-US" dirty="0">
+                <a:sym typeface="Wingdings" pitchFamily="2" charset="2"/>
+              </a:rPr>
+              <a:t>, </a:t>
+            </a:r>
+            <a:r>
+              <a:rPr lang="en-US" dirty="0">
+                <a:latin typeface="Courier New" pitchFamily="49" charset="0"/>
+                <a:cs typeface="Courier New" pitchFamily="49" charset="0"/>
+                <a:sym typeface="Wingdings" pitchFamily="2" charset="2"/>
+              </a:rPr>
+              <a:t>y = </a:t>
+            </a:r>
+            <a:r>
+              <a:rPr lang="en-US" dirty="0" smtClean="0">
+                <a:latin typeface="Courier New" pitchFamily="49" charset="0"/>
+                <a:cs typeface="Courier New" pitchFamily="49" charset="0"/>
+                <a:sym typeface="Wingdings" pitchFamily="2" charset="2"/>
+              </a:rPr>
+              <a:t>?</a:t>
+            </a:r>
+            <a:r>
+              <a:rPr lang="en-US" dirty="0" smtClean="0">
+                <a:sym typeface="Wingdings" pitchFamily="2" charset="2"/>
+              </a:rPr>
+              <a:t>, </a:t>
+            </a:r>
+            <a:r>
+              <a:rPr lang="en-US" dirty="0">
+                <a:sym typeface="Wingdings" pitchFamily="2" charset="2"/>
+              </a:rPr>
+              <a:t>return value = </a:t>
+            </a:r>
+            <a:r>
+              <a:rPr lang="en-US" dirty="0" smtClean="0">
+                <a:latin typeface="Courier New" pitchFamily="49" charset="0"/>
+                <a:cs typeface="Courier New" pitchFamily="49" charset="0"/>
+                <a:sym typeface="Wingdings" pitchFamily="2" charset="2"/>
+              </a:rPr>
+              <a:t>1</a:t>
+            </a:r>
+          </a:p>
+          <a:p>
+            <a:pPr lvl="3">
+              <a:buFont typeface="Wingdings" pitchFamily="2" charset="2"/>
+              <a:buChar char="q"/>
+              <a:defRPr/>
+            </a:pPr>
+            <a:r>
+              <a:rPr lang="en-US" dirty="0" smtClean="0">
+                <a:latin typeface="Courier New" pitchFamily="49" charset="0"/>
+                <a:cs typeface="Courier New" pitchFamily="49" charset="0"/>
+                <a:sym typeface="Wingdings" pitchFamily="2" charset="2"/>
+              </a:rPr>
+              <a:t>y </a:t>
+            </a:r>
+            <a:r>
+              <a:rPr lang="en-US" dirty="0" smtClean="0">
+                <a:cs typeface="Courier New" pitchFamily="49" charset="0"/>
+                <a:sym typeface="Wingdings" pitchFamily="2" charset="2"/>
+              </a:rPr>
+              <a:t>is unchanged</a:t>
+            </a:r>
+            <a:endParaRPr lang="en-US" dirty="0">
+              <a:latin typeface="Courier New" pitchFamily="49" charset="0"/>
+              <a:cs typeface="Courier New" pitchFamily="49" charset="0"/>
+              <a:sym typeface="Wingdings" pitchFamily="2" charset="2"/>
             </a:endParaRPr>
           </a:p>
           <a:p>
-            <a:pPr lvl="1"/>
-            <a:r>
-              <a:rPr lang="en-US">
-                <a:latin typeface="Courier New" charset="0"/>
-                <a:cs typeface="Courier New" charset="0"/>
-                <a:sym typeface="Wingdings" charset="0"/>
-              </a:rPr>
-              <a:t>scanf(</a:t>
-            </a:r>
-            <a:r>
-              <a:rPr lang="en-US">
-                <a:latin typeface="Courier New" charset="0"/>
-                <a:cs typeface="Courier New" charset="0"/>
-              </a:rPr>
-              <a:t>"</a:t>
-            </a:r>
-            <a:r>
-              <a:rPr lang="en-US">
-                <a:latin typeface="Courier New" charset="0"/>
-                <a:cs typeface="Courier New" charset="0"/>
-                <a:sym typeface="Wingdings" charset="0"/>
-              </a:rPr>
-              <a:t>%d       %lf</a:t>
-            </a:r>
-            <a:r>
-              <a:rPr lang="en-US">
-                <a:latin typeface="Courier New" charset="0"/>
-                <a:cs typeface="Courier New" charset="0"/>
-              </a:rPr>
-              <a:t>"</a:t>
-            </a:r>
-            <a:r>
-              <a:rPr lang="en-US">
-                <a:latin typeface="Courier New" charset="0"/>
-                <a:cs typeface="Courier New" charset="0"/>
-                <a:sym typeface="Wingdings" charset="0"/>
-              </a:rPr>
-              <a:t>, &amp;i, &amp;d) </a:t>
-            </a:r>
-          </a:p>
-          <a:p>
-            <a:pPr lvl="1"/>
-            <a:r>
-              <a:rPr lang="en-US">
-                <a:latin typeface="Courier New" charset="0"/>
-                <a:cs typeface="Courier New" charset="0"/>
-                <a:sym typeface="Wingdings" charset="0"/>
-              </a:rPr>
-              <a:t>scanf(</a:t>
-            </a:r>
-            <a:r>
-              <a:rPr lang="en-US">
-                <a:latin typeface="Courier New" charset="0"/>
-                <a:cs typeface="Courier New" charset="0"/>
-              </a:rPr>
-              <a:t>"</a:t>
-            </a:r>
-            <a:r>
-              <a:rPr lang="en-US">
-                <a:latin typeface="Courier New" charset="0"/>
-                <a:cs typeface="Courier New" charset="0"/>
-                <a:sym typeface="Wingdings" charset="0"/>
-              </a:rPr>
-              <a:t>%lf%d</a:t>
-            </a:r>
-            <a:r>
-              <a:rPr lang="en-US">
-                <a:latin typeface="Courier New" charset="0"/>
-                <a:cs typeface="Courier New" charset="0"/>
-              </a:rPr>
-              <a:t>"</a:t>
-            </a:r>
-            <a:r>
-              <a:rPr lang="en-US">
-                <a:latin typeface="Courier New" charset="0"/>
-                <a:cs typeface="Courier New" charset="0"/>
-                <a:sym typeface="Wingdings" charset="0"/>
-              </a:rPr>
-              <a:t>, &amp;d, &amp;i) </a:t>
-            </a:r>
-          </a:p>
-          <a:p>
-            <a:pPr lvl="1"/>
-            <a:r>
-              <a:rPr lang="en-US">
-                <a:latin typeface="Courier New" charset="0"/>
-                <a:cs typeface="Courier New" charset="0"/>
-                <a:sym typeface="Wingdings" charset="0"/>
-              </a:rPr>
-              <a:t>scanf(</a:t>
-            </a:r>
-            <a:r>
-              <a:rPr lang="en-US">
-                <a:latin typeface="Courier New" charset="0"/>
-                <a:cs typeface="Courier New" charset="0"/>
-              </a:rPr>
-              <a:t>"</a:t>
-            </a:r>
-            <a:r>
-              <a:rPr lang="en-US">
-                <a:latin typeface="Courier New" charset="0"/>
-                <a:cs typeface="Courier New" charset="0"/>
-                <a:sym typeface="Wingdings" charset="0"/>
-              </a:rPr>
-              <a:t>%d%c</a:t>
-            </a:r>
-            <a:r>
-              <a:rPr lang="en-US">
-                <a:latin typeface="Courier New" charset="0"/>
-                <a:cs typeface="Courier New" charset="0"/>
-              </a:rPr>
-              <a:t>"</a:t>
-            </a:r>
-            <a:r>
-              <a:rPr lang="en-US">
-                <a:latin typeface="Courier New" charset="0"/>
-                <a:cs typeface="Courier New" charset="0"/>
-                <a:sym typeface="Wingdings" charset="0"/>
-              </a:rPr>
-              <a:t>, &amp;i, &amp;c) </a:t>
-            </a:r>
-          </a:p>
-          <a:p>
-            <a:pPr lvl="1"/>
-            <a:r>
-              <a:rPr lang="en-US">
-                <a:latin typeface="Courier New" charset="0"/>
-                <a:cs typeface="Courier New" charset="0"/>
-                <a:sym typeface="Wingdings" charset="0"/>
-              </a:rPr>
-              <a:t>scanf(</a:t>
-            </a:r>
-            <a:r>
-              <a:rPr lang="en-US">
-                <a:latin typeface="Courier New" charset="0"/>
-                <a:cs typeface="Courier New" charset="0"/>
-              </a:rPr>
-              <a:t>"</a:t>
-            </a:r>
-            <a:r>
-              <a:rPr lang="en-US">
-                <a:latin typeface="Courier New" charset="0"/>
-                <a:cs typeface="Courier New" charset="0"/>
-                <a:sym typeface="Wingdings" charset="0"/>
-              </a:rPr>
-              <a:t>%d %c</a:t>
-            </a:r>
-            <a:r>
-              <a:rPr lang="en-US">
-                <a:latin typeface="Courier New" charset="0"/>
-                <a:cs typeface="Courier New" charset="0"/>
-              </a:rPr>
-              <a:t>"</a:t>
-            </a:r>
-            <a:r>
-              <a:rPr lang="en-US">
-                <a:latin typeface="Courier New" charset="0"/>
-                <a:cs typeface="Courier New" charset="0"/>
-                <a:sym typeface="Wingdings" charset="0"/>
-              </a:rPr>
-              <a:t>, &amp;i, &amp;c) </a:t>
-            </a:r>
-          </a:p>
-          <a:p>
-            <a:endParaRPr lang="en-US">
-              <a:latin typeface="Arial" charset="0"/>
+            <a:pPr lvl="2">
+              <a:buFont typeface="Wingdings" pitchFamily="2" charset="2"/>
+              <a:buChar char="n"/>
+              <a:defRPr/>
+            </a:pPr>
+            <a:r>
+              <a:rPr lang="en-US" dirty="0"/>
+              <a:t>Input: </a:t>
+            </a:r>
+            <a:r>
+              <a:rPr lang="en-US" dirty="0" smtClean="0">
+                <a:latin typeface="Courier New" pitchFamily="49" charset="0"/>
+                <a:cs typeface="Courier New" pitchFamily="49" charset="0"/>
+              </a:rPr>
+              <a:t>x1 7</a:t>
+            </a:r>
+            <a:r>
+              <a:rPr lang="en-US" dirty="0" smtClean="0"/>
+              <a:t> 	</a:t>
+            </a:r>
+            <a:r>
+              <a:rPr lang="en-US" dirty="0" smtClean="0">
+                <a:sym typeface="Wingdings" pitchFamily="2" charset="2"/>
+              </a:rPr>
+              <a:t> </a:t>
+            </a:r>
+            <a:r>
+              <a:rPr lang="en-US" dirty="0">
+                <a:latin typeface="Courier New" pitchFamily="49" charset="0"/>
+                <a:cs typeface="Courier New" pitchFamily="49" charset="0"/>
+                <a:sym typeface="Wingdings" pitchFamily="2" charset="2"/>
+              </a:rPr>
+              <a:t>x = </a:t>
+            </a:r>
+            <a:r>
+              <a:rPr lang="en-US" dirty="0" smtClean="0">
+                <a:latin typeface="Courier New" pitchFamily="49" charset="0"/>
+                <a:cs typeface="Courier New" pitchFamily="49" charset="0"/>
+                <a:sym typeface="Wingdings" pitchFamily="2" charset="2"/>
+              </a:rPr>
+              <a:t>?</a:t>
+            </a:r>
+            <a:r>
+              <a:rPr lang="en-US" dirty="0" smtClean="0">
+                <a:sym typeface="Wingdings" pitchFamily="2" charset="2"/>
+              </a:rPr>
+              <a:t>, </a:t>
+            </a:r>
+            <a:r>
+              <a:rPr lang="en-US" dirty="0">
+                <a:latin typeface="Courier New" pitchFamily="49" charset="0"/>
+                <a:cs typeface="Courier New" pitchFamily="49" charset="0"/>
+                <a:sym typeface="Wingdings" pitchFamily="2" charset="2"/>
+              </a:rPr>
+              <a:t>y = </a:t>
+            </a:r>
+            <a:r>
+              <a:rPr lang="en-US" dirty="0" smtClean="0">
+                <a:latin typeface="Courier New" pitchFamily="49" charset="0"/>
+                <a:cs typeface="Courier New" pitchFamily="49" charset="0"/>
+                <a:sym typeface="Wingdings" pitchFamily="2" charset="2"/>
+              </a:rPr>
+              <a:t>?</a:t>
+            </a:r>
+            <a:r>
+              <a:rPr lang="en-US" dirty="0" smtClean="0">
+                <a:sym typeface="Wingdings" pitchFamily="2" charset="2"/>
+              </a:rPr>
+              <a:t>, </a:t>
+            </a:r>
+            <a:r>
+              <a:rPr lang="en-US" dirty="0">
+                <a:sym typeface="Wingdings" pitchFamily="2" charset="2"/>
+              </a:rPr>
+              <a:t>return value = </a:t>
+            </a:r>
+            <a:r>
+              <a:rPr lang="en-US" dirty="0" smtClean="0">
+                <a:latin typeface="Courier New" pitchFamily="49" charset="0"/>
+                <a:cs typeface="Courier New" pitchFamily="49" charset="0"/>
+                <a:sym typeface="Wingdings" pitchFamily="2" charset="2"/>
+              </a:rPr>
+              <a:t>0</a:t>
+            </a:r>
+          </a:p>
+          <a:p>
+            <a:pPr lvl="3">
+              <a:buFont typeface="Wingdings" pitchFamily="2" charset="2"/>
+              <a:buChar char="q"/>
+              <a:defRPr/>
+            </a:pPr>
+            <a:r>
+              <a:rPr lang="en-US" dirty="0" smtClean="0">
+                <a:latin typeface="Courier New" pitchFamily="49" charset="0"/>
+                <a:cs typeface="Courier New" pitchFamily="49" charset="0"/>
+                <a:sym typeface="Wingdings" pitchFamily="2" charset="2"/>
+              </a:rPr>
+              <a:t>x, y</a:t>
+            </a:r>
+            <a:r>
+              <a:rPr lang="en-US" dirty="0" smtClean="0">
+                <a:cs typeface="Courier New" pitchFamily="49" charset="0"/>
+                <a:sym typeface="Wingdings" pitchFamily="2" charset="2"/>
+              </a:rPr>
+              <a:t> both unchanged</a:t>
+            </a:r>
+            <a:endParaRPr lang="en-US" dirty="0">
+              <a:latin typeface="Courier New" pitchFamily="49" charset="0"/>
+              <a:cs typeface="Courier New" pitchFamily="49" charset="0"/>
+              <a:sym typeface="Wingdings" pitchFamily="2" charset="2"/>
             </a:endParaRPr>
+          </a:p>
+          <a:p>
+            <a:pPr>
+              <a:buFont typeface="Wingdings" pitchFamily="2" charset="2"/>
+              <a:buChar char="n"/>
+              <a:defRPr/>
+            </a:pPr>
+            <a:r>
+              <a:rPr lang="en-US" dirty="0" smtClean="0">
+                <a:ea typeface="+mn-ea"/>
+                <a:cs typeface="Courier New" pitchFamily="49" charset="0"/>
+                <a:sym typeface="Wingdings" pitchFamily="2" charset="2"/>
+              </a:rPr>
+              <a:t>Can assign return value to variable</a:t>
+            </a:r>
+          </a:p>
+          <a:p>
+            <a:pPr lvl="1">
+              <a:buFont typeface="Wingdings" pitchFamily="2" charset="2"/>
+              <a:buChar char="q"/>
+              <a:defRPr/>
+            </a:pPr>
+            <a:r>
+              <a:rPr lang="en-US" dirty="0" smtClean="0">
+                <a:cs typeface="Courier New" pitchFamily="49" charset="0"/>
+                <a:sym typeface="Wingdings" pitchFamily="2" charset="2"/>
+              </a:rPr>
+              <a:t>Example:</a:t>
+            </a:r>
+          </a:p>
+          <a:p>
+            <a:pPr marL="344487" lvl="1" indent="0">
+              <a:buFont typeface="Wingdings" pitchFamily="2" charset="2"/>
+              <a:buNone/>
+              <a:defRPr/>
+            </a:pPr>
+            <a:r>
+              <a:rPr lang="en-US" b="1" dirty="0" err="1" smtClean="0">
+                <a:solidFill>
+                  <a:srgbClr val="FF0000"/>
+                </a:solidFill>
+                <a:latin typeface="Courier New" pitchFamily="49" charset="0"/>
+                <a:cs typeface="Courier New" pitchFamily="49" charset="0"/>
+                <a:sym typeface="Wingdings" pitchFamily="2" charset="2"/>
+              </a:rPr>
+              <a:t>int</a:t>
+            </a:r>
+            <a:r>
+              <a:rPr lang="en-US" b="1" dirty="0" smtClean="0">
+                <a:solidFill>
+                  <a:srgbClr val="FF0000"/>
+                </a:solidFill>
+                <a:latin typeface="Courier New" pitchFamily="49" charset="0"/>
+                <a:cs typeface="Courier New" pitchFamily="49" charset="0"/>
+                <a:sym typeface="Wingdings" pitchFamily="2" charset="2"/>
+              </a:rPr>
+              <a:t> </a:t>
+            </a:r>
+            <a:r>
+              <a:rPr lang="en-US" b="1" dirty="0" err="1" smtClean="0">
+                <a:solidFill>
+                  <a:srgbClr val="FF0000"/>
+                </a:solidFill>
+                <a:latin typeface="Courier New" pitchFamily="49" charset="0"/>
+                <a:cs typeface="Courier New" pitchFamily="49" charset="0"/>
+                <a:sym typeface="Wingdings" pitchFamily="2" charset="2"/>
+              </a:rPr>
+              <a:t>numRead</a:t>
+            </a:r>
+            <a:r>
+              <a:rPr lang="en-US" b="1" dirty="0" smtClean="0">
+                <a:solidFill>
+                  <a:srgbClr val="FF0000"/>
+                </a:solidFill>
+                <a:latin typeface="Courier New" pitchFamily="49" charset="0"/>
+                <a:cs typeface="Courier New" pitchFamily="49" charset="0"/>
+                <a:sym typeface="Wingdings" pitchFamily="2" charset="2"/>
+              </a:rPr>
+              <a:t>;		// # input values read</a:t>
+            </a:r>
+          </a:p>
+          <a:p>
+            <a:pPr marL="344487" lvl="1" indent="0">
+              <a:buFont typeface="Wingdings" pitchFamily="2" charset="2"/>
+              <a:buNone/>
+              <a:defRPr/>
+            </a:pPr>
+            <a:r>
+              <a:rPr lang="en-US" b="1" dirty="0" err="1" smtClean="0">
+                <a:solidFill>
+                  <a:srgbClr val="FF0000"/>
+                </a:solidFill>
+                <a:latin typeface="Courier New" pitchFamily="49" charset="0"/>
+                <a:cs typeface="Courier New" pitchFamily="49" charset="0"/>
+                <a:sym typeface="Wingdings" pitchFamily="2" charset="2"/>
+              </a:rPr>
+              <a:t>numRead</a:t>
+            </a:r>
+            <a:r>
+              <a:rPr lang="en-US" b="1" dirty="0" smtClean="0">
+                <a:solidFill>
+                  <a:srgbClr val="FF0000"/>
+                </a:solidFill>
+                <a:latin typeface="Courier New" pitchFamily="49" charset="0"/>
+                <a:cs typeface="Courier New" pitchFamily="49" charset="0"/>
+                <a:sym typeface="Wingdings" pitchFamily="2" charset="2"/>
+              </a:rPr>
+              <a:t> = </a:t>
+            </a:r>
+            <a:r>
+              <a:rPr lang="en-US" b="1" dirty="0" err="1" smtClean="0">
+                <a:solidFill>
+                  <a:srgbClr val="FF0000"/>
+                </a:solidFill>
+                <a:latin typeface="Courier New" pitchFamily="49" charset="0"/>
+                <a:cs typeface="Courier New" pitchFamily="49" charset="0"/>
+                <a:sym typeface="Wingdings" pitchFamily="2" charset="2"/>
+              </a:rPr>
+              <a:t>scanf</a:t>
+            </a:r>
+            <a:r>
+              <a:rPr lang="en-US" b="1" dirty="0" smtClean="0">
+                <a:solidFill>
+                  <a:srgbClr val="FF0000"/>
+                </a:solidFill>
+                <a:latin typeface="Courier New" pitchFamily="49" charset="0"/>
+                <a:cs typeface="Courier New" pitchFamily="49" charset="0"/>
+                <a:sym typeface="Wingdings" pitchFamily="2" charset="2"/>
+              </a:rPr>
+              <a:t>("%</a:t>
+            </a:r>
+            <a:r>
+              <a:rPr lang="en-US" b="1" dirty="0" err="1" smtClean="0">
+                <a:solidFill>
+                  <a:srgbClr val="FF0000"/>
+                </a:solidFill>
+                <a:latin typeface="Courier New" pitchFamily="49" charset="0"/>
+                <a:cs typeface="Courier New" pitchFamily="49" charset="0"/>
+                <a:sym typeface="Wingdings" pitchFamily="2" charset="2"/>
+              </a:rPr>
+              <a:t>d%d</a:t>
+            </a:r>
+            <a:r>
+              <a:rPr lang="en-US" b="1" dirty="0" smtClean="0">
+                <a:solidFill>
+                  <a:srgbClr val="FF0000"/>
+                </a:solidFill>
+                <a:latin typeface="Courier New" pitchFamily="49" charset="0"/>
+                <a:cs typeface="Courier New" pitchFamily="49" charset="0"/>
+                <a:sym typeface="Wingdings" pitchFamily="2" charset="2"/>
+              </a:rPr>
+              <a:t>", &amp;x, &amp;y);</a:t>
+            </a:r>
           </a:p>
         </p:txBody>
       </p:sp>
@@ -10525,12 +10638,12 @@
           </a:lstStyle>
           <a:p>
             <a:pPr eaLnBrk="1" hangingPunct="1"/>
-            <a:fld id="{4FF25F69-F0BE-104B-AD54-46D193247BB1}" type="datetime1">
+            <a:fld id="{7B6103D8-691E-D94F-859E-50D2D4A02E25}" type="datetime1">
               <a:rPr lang="en-US">
                 <a:latin typeface="Garamond" charset="0"/>
               </a:rPr>
               <a:pPr eaLnBrk="1" hangingPunct="1"/>
-              <a:t>1/27/16</a:t>
+              <a:t>1/29/16</a:t>
             </a:fld>
             <a:endParaRPr lang="en-US">
               <a:latin typeface="Garamond" charset="0"/>
@@ -10558,7 +10671,7 @@
             </a:pPr>
             <a:r>
               <a:rPr lang="en-US" altLang="en-US"/>
-              <a:t>ECE Application Programming: Lecture 5</a:t>
+              <a:t>ECE Application Programming: Lecture 4</a:t>
             </a:r>
           </a:p>
         </p:txBody>
@@ -10694,7 +10807,7 @@
           </a:lstStyle>
           <a:p>
             <a:pPr eaLnBrk="1" hangingPunct="1"/>
-            <a:fld id="{F46B9F9C-7574-FA49-B108-D7EC89A93585}" type="slidenum">
+            <a:fld id="{AFB652EF-08D0-E345-8E46-D893845E412F}" type="slidenum">
               <a:rPr lang="en-US">
                 <a:latin typeface="Garamond" charset="0"/>
               </a:rPr>
@@ -10741,7 +10854,7 @@
       </p:grpSpPr>
       <p:sp>
         <p:nvSpPr>
-          <p:cNvPr id="24578" name="Title 1"/>
+          <p:cNvPr id="23554" name="Title 1"/>
           <p:cNvSpPr>
             <a:spLocks noGrp="1"/>
           </p:cNvSpPr>
@@ -10758,14 +10871,14 @@
               <a:rPr lang="en-US">
                 <a:latin typeface="Garamond" charset="0"/>
               </a:rPr>
-              <a:t>Example solution</a:t>
+              <a:t>Example</a:t>
             </a:r>
           </a:p>
         </p:txBody>
       </p:sp>
       <p:sp>
         <p:nvSpPr>
-          <p:cNvPr id="3" name="Content Placeholder 2"/>
+          <p:cNvPr id="23555" name="Content Placeholder 2"/>
           <p:cNvSpPr>
             <a:spLocks noGrp="1"/>
           </p:cNvSpPr>
@@ -10775,464 +10888,235 @@
         </p:nvSpPr>
         <p:spPr/>
         <p:txBody>
-          <a:bodyPr>
-            <a:normAutofit fontScale="92500" lnSpcReduction="10000"/>
-          </a:bodyPr>
+          <a:bodyPr/>
           <a:lstStyle/>
           <a:p>
-            <a:pPr>
-              <a:buFont typeface="Wingdings" pitchFamily="2" charset="2"/>
-              <a:buChar char="n"/>
-              <a:defRPr/>
-            </a:pPr>
-            <a:r>
-              <a:rPr lang="en-US" dirty="0" smtClean="0">
-                <a:ea typeface="+mn-ea"/>
-                <a:cs typeface="Courier New" pitchFamily="49" charset="0"/>
+            <a:r>
+              <a:rPr lang="en-US">
+                <a:latin typeface="Arial" charset="0"/>
+              </a:rPr>
+              <a:t>Variables: </a:t>
+            </a:r>
+            <a:r>
+              <a:rPr lang="en-US">
+                <a:latin typeface="Courier New" charset="0"/>
+                <a:cs typeface="Courier New" charset="0"/>
+              </a:rPr>
+              <a:t>int i; double d; char c;</a:t>
+            </a:r>
+          </a:p>
+          <a:p>
+            <a:r>
+              <a:rPr lang="en-US">
+                <a:latin typeface="Arial" charset="0"/>
+                <a:cs typeface="Courier New" charset="0"/>
               </a:rPr>
               <a:t>What values are read for each of the following inputs and </a:t>
             </a:r>
             <a:r>
-              <a:rPr lang="en-US" dirty="0" err="1" smtClean="0">
-                <a:latin typeface="Courier New" pitchFamily="49" charset="0"/>
-                <a:ea typeface="+mn-ea"/>
-                <a:cs typeface="Courier New" pitchFamily="49" charset="0"/>
-              </a:rPr>
-              <a:t>scanf</a:t>
-            </a:r>
-            <a:r>
-              <a:rPr lang="en-US" dirty="0" smtClean="0">
-                <a:latin typeface="Courier New" pitchFamily="49" charset="0"/>
-                <a:ea typeface="+mn-ea"/>
-                <a:cs typeface="Courier New" pitchFamily="49" charset="0"/>
-              </a:rPr>
-              <a:t>()</a:t>
-            </a:r>
-            <a:r>
-              <a:rPr lang="en-US" dirty="0" smtClean="0">
-                <a:ea typeface="+mn-ea"/>
-                <a:cs typeface="Courier New" pitchFamily="49" charset="0"/>
-              </a:rPr>
-              <a:t> calls?</a:t>
-            </a:r>
-          </a:p>
-          <a:p>
-            <a:pPr lvl="1">
-              <a:buFont typeface="Wingdings" pitchFamily="2" charset="2"/>
-              <a:buChar char="q"/>
-              <a:defRPr/>
-            </a:pPr>
-            <a:r>
-              <a:rPr lang="en-US" dirty="0" err="1" smtClean="0">
-                <a:latin typeface="Courier New" pitchFamily="49" charset="0"/>
-                <a:cs typeface="Courier New" pitchFamily="49" charset="0"/>
-              </a:rPr>
-              <a:t>scanf</a:t>
-            </a:r>
-            <a:r>
-              <a:rPr lang="en-US" dirty="0" smtClean="0">
-                <a:latin typeface="Courier New" pitchFamily="49" charset="0"/>
-                <a:cs typeface="Courier New" pitchFamily="49" charset="0"/>
-              </a:rPr>
-              <a:t>(</a:t>
-            </a:r>
-            <a:r>
-              <a:rPr lang="en-US" dirty="0">
-                <a:latin typeface="Courier New" pitchFamily="49" charset="0"/>
-                <a:cs typeface="Courier New" pitchFamily="49" charset="0"/>
+              <a:rPr lang="en-US">
+                <a:latin typeface="Courier New" charset="0"/>
+                <a:cs typeface="Courier New" charset="0"/>
+              </a:rPr>
+              <a:t>scanf()</a:t>
+            </a:r>
+            <a:r>
+              <a:rPr lang="en-US">
+                <a:latin typeface="Arial" charset="0"/>
+                <a:cs typeface="Courier New" charset="0"/>
+              </a:rPr>
+              <a:t> calls? Assume the input is as follows: </a:t>
+            </a:r>
+            <a:r>
+              <a:rPr lang="en-US">
+                <a:latin typeface="Courier New" charset="0"/>
+                <a:cs typeface="Courier New" charset="0"/>
+              </a:rPr>
+              <a:t>34 5.7</a:t>
+            </a:r>
+          </a:p>
+          <a:p>
+            <a:pPr lvl="1"/>
+            <a:r>
+              <a:rPr lang="en-US">
+                <a:latin typeface="Courier New" charset="0"/>
+                <a:cs typeface="Courier New" charset="0"/>
+              </a:rPr>
+              <a:t>scanf("%d%lf", &amp;i, &amp;d) </a:t>
+            </a:r>
+            <a:endParaRPr lang="en-US">
+              <a:latin typeface="Courier New" charset="0"/>
+              <a:cs typeface="Courier New" charset="0"/>
+              <a:sym typeface="Wingdings" charset="0"/>
+            </a:endParaRPr>
+          </a:p>
+          <a:p>
+            <a:pPr lvl="1"/>
+            <a:r>
+              <a:rPr lang="en-US">
+                <a:latin typeface="Courier New" charset="0"/>
+                <a:cs typeface="Courier New" charset="0"/>
+                <a:sym typeface="Wingdings" charset="0"/>
+              </a:rPr>
+              <a:t>scanf(</a:t>
+            </a:r>
+            <a:r>
+              <a:rPr lang="en-US">
+                <a:latin typeface="Courier New" charset="0"/>
+                <a:cs typeface="Courier New" charset="0"/>
               </a:rPr>
               <a:t>"</a:t>
             </a:r>
             <a:r>
-              <a:rPr lang="en-US" dirty="0" smtClean="0">
-                <a:latin typeface="Courier New" pitchFamily="49" charset="0"/>
-                <a:cs typeface="Courier New" pitchFamily="49" charset="0"/>
-              </a:rPr>
-              <a:t>%</a:t>
-            </a:r>
-            <a:r>
-              <a:rPr lang="en-US" dirty="0" err="1" smtClean="0">
-                <a:latin typeface="Courier New" pitchFamily="49" charset="0"/>
-                <a:cs typeface="Courier New" pitchFamily="49" charset="0"/>
-              </a:rPr>
-              <a:t>d%lf</a:t>
-            </a:r>
-            <a:r>
-              <a:rPr lang="en-US" dirty="0">
-                <a:latin typeface="Courier New" pitchFamily="49" charset="0"/>
-                <a:cs typeface="Courier New" pitchFamily="49" charset="0"/>
+              <a:rPr lang="en-US">
+                <a:latin typeface="Courier New" charset="0"/>
+                <a:cs typeface="Courier New" charset="0"/>
+                <a:sym typeface="Wingdings" charset="0"/>
+              </a:rPr>
+              <a:t>%d       %lf</a:t>
+            </a:r>
+            <a:r>
+              <a:rPr lang="en-US">
+                <a:latin typeface="Courier New" charset="0"/>
+                <a:cs typeface="Courier New" charset="0"/>
               </a:rPr>
               <a:t>"</a:t>
             </a:r>
             <a:r>
-              <a:rPr lang="en-US" dirty="0" smtClean="0">
-                <a:latin typeface="Courier New" pitchFamily="49" charset="0"/>
-                <a:cs typeface="Courier New" pitchFamily="49" charset="0"/>
+              <a:rPr lang="en-US">
+                <a:latin typeface="Courier New" charset="0"/>
+                <a:cs typeface="Courier New" charset="0"/>
+                <a:sym typeface="Wingdings" charset="0"/>
               </a:rPr>
               <a:t>, &amp;i, &amp;d) </a:t>
             </a:r>
           </a:p>
           <a:p>
-            <a:pPr marL="344487" lvl="1" indent="0">
-              <a:buFont typeface="Wingdings" pitchFamily="2" charset="2"/>
-              <a:buNone/>
-              <a:defRPr/>
-            </a:pPr>
-            <a:r>
-              <a:rPr lang="en-US" dirty="0">
-                <a:latin typeface="Courier New" pitchFamily="49" charset="0"/>
-                <a:cs typeface="Courier New" pitchFamily="49" charset="0"/>
-                <a:sym typeface="Wingdings" pitchFamily="2" charset="2"/>
-              </a:rPr>
-              <a:t>	</a:t>
-            </a:r>
-            <a:r>
-              <a:rPr lang="en-US" dirty="0" smtClean="0">
-                <a:latin typeface="Courier New" pitchFamily="49" charset="0"/>
-                <a:cs typeface="Courier New" pitchFamily="49" charset="0"/>
-                <a:sym typeface="Wingdings" pitchFamily="2" charset="2"/>
-              </a:rPr>
-              <a:t> i = 34, d = 5.7</a:t>
-            </a:r>
-          </a:p>
-          <a:p>
-            <a:pPr lvl="1">
-              <a:buFont typeface="Wingdings" pitchFamily="2" charset="2"/>
-              <a:buChar char="q"/>
-              <a:defRPr/>
-            </a:pPr>
-            <a:r>
-              <a:rPr lang="en-US" dirty="0" err="1" smtClean="0">
-                <a:latin typeface="Courier New" pitchFamily="49" charset="0"/>
-                <a:cs typeface="Courier New" pitchFamily="49" charset="0"/>
-                <a:sym typeface="Wingdings" pitchFamily="2" charset="2"/>
-              </a:rPr>
-              <a:t>scanf</a:t>
-            </a:r>
-            <a:r>
-              <a:rPr lang="en-US" dirty="0" smtClean="0">
-                <a:latin typeface="Courier New" pitchFamily="49" charset="0"/>
-                <a:cs typeface="Courier New" pitchFamily="49" charset="0"/>
-                <a:sym typeface="Wingdings" pitchFamily="2" charset="2"/>
-              </a:rPr>
-              <a:t>(</a:t>
-            </a:r>
-            <a:r>
-              <a:rPr lang="en-US" dirty="0">
-                <a:latin typeface="Courier New" pitchFamily="49" charset="0"/>
-                <a:cs typeface="Courier New" pitchFamily="49" charset="0"/>
+            <a:pPr lvl="1"/>
+            <a:r>
+              <a:rPr lang="en-US">
+                <a:latin typeface="Courier New" charset="0"/>
+                <a:cs typeface="Courier New" charset="0"/>
+                <a:sym typeface="Wingdings" charset="0"/>
+              </a:rPr>
+              <a:t>scanf(</a:t>
+            </a:r>
+            <a:r>
+              <a:rPr lang="en-US">
+                <a:latin typeface="Courier New" charset="0"/>
+                <a:cs typeface="Courier New" charset="0"/>
               </a:rPr>
               <a:t>"</a:t>
             </a:r>
             <a:r>
-              <a:rPr lang="en-US" dirty="0" smtClean="0">
-                <a:latin typeface="Courier New" pitchFamily="49" charset="0"/>
-                <a:cs typeface="Courier New" pitchFamily="49" charset="0"/>
-                <a:sym typeface="Wingdings" pitchFamily="2" charset="2"/>
-              </a:rPr>
-              <a:t>%d       %lf</a:t>
-            </a:r>
-            <a:r>
-              <a:rPr lang="en-US" dirty="0">
-                <a:latin typeface="Courier New" pitchFamily="49" charset="0"/>
-                <a:cs typeface="Courier New" pitchFamily="49" charset="0"/>
+              <a:rPr lang="en-US">
+                <a:latin typeface="Courier New" charset="0"/>
+                <a:cs typeface="Courier New" charset="0"/>
+                <a:sym typeface="Wingdings" charset="0"/>
+              </a:rPr>
+              <a:t>%lf%d</a:t>
+            </a:r>
+            <a:r>
+              <a:rPr lang="en-US">
+                <a:latin typeface="Courier New" charset="0"/>
+                <a:cs typeface="Courier New" charset="0"/>
               </a:rPr>
               <a:t>"</a:t>
             </a:r>
             <a:r>
-              <a:rPr lang="en-US" dirty="0" smtClean="0">
-                <a:latin typeface="Courier New" pitchFamily="49" charset="0"/>
-                <a:cs typeface="Courier New" pitchFamily="49" charset="0"/>
-                <a:sym typeface="Wingdings" pitchFamily="2" charset="2"/>
-              </a:rPr>
-              <a:t>, &amp;i, &amp;d) </a:t>
-            </a:r>
-          </a:p>
-          <a:p>
-            <a:pPr marL="344487" lvl="1" indent="0">
-              <a:buFont typeface="Wingdings" pitchFamily="2" charset="2"/>
-              <a:buNone/>
-              <a:defRPr/>
-            </a:pPr>
-            <a:r>
-              <a:rPr lang="en-US" dirty="0">
-                <a:latin typeface="Courier New" pitchFamily="49" charset="0"/>
-                <a:cs typeface="Courier New" pitchFamily="49" charset="0"/>
-                <a:sym typeface="Wingdings" pitchFamily="2" charset="2"/>
-              </a:rPr>
-              <a:t>	</a:t>
-            </a:r>
-            <a:r>
-              <a:rPr lang="en-US" dirty="0" smtClean="0">
-                <a:latin typeface="Courier New" pitchFamily="49" charset="0"/>
-                <a:cs typeface="Courier New" pitchFamily="49" charset="0"/>
-                <a:sym typeface="Wingdings" pitchFamily="2" charset="2"/>
-              </a:rPr>
-              <a:t> i = 34, d = 5.7</a:t>
-            </a:r>
-          </a:p>
-          <a:p>
-            <a:pPr lvl="1">
-              <a:buFont typeface="Wingdings" pitchFamily="2" charset="2"/>
-              <a:buChar char="q"/>
-              <a:defRPr/>
-            </a:pPr>
-            <a:r>
-              <a:rPr lang="en-US" dirty="0" err="1" smtClean="0">
-                <a:latin typeface="Courier New" pitchFamily="49" charset="0"/>
-                <a:cs typeface="Courier New" pitchFamily="49" charset="0"/>
-                <a:sym typeface="Wingdings" pitchFamily="2" charset="2"/>
-              </a:rPr>
-              <a:t>scanf</a:t>
-            </a:r>
-            <a:r>
-              <a:rPr lang="en-US" dirty="0" smtClean="0">
-                <a:latin typeface="Courier New" pitchFamily="49" charset="0"/>
-                <a:cs typeface="Courier New" pitchFamily="49" charset="0"/>
-                <a:sym typeface="Wingdings" pitchFamily="2" charset="2"/>
-              </a:rPr>
-              <a:t>(</a:t>
-            </a:r>
-            <a:r>
-              <a:rPr lang="en-US" dirty="0">
-                <a:latin typeface="Courier New" pitchFamily="49" charset="0"/>
-                <a:cs typeface="Courier New" pitchFamily="49" charset="0"/>
+              <a:rPr lang="en-US">
+                <a:latin typeface="Courier New" charset="0"/>
+                <a:cs typeface="Courier New" charset="0"/>
+                <a:sym typeface="Wingdings" charset="0"/>
+              </a:rPr>
+              <a:t>, &amp;d, &amp;i) </a:t>
+            </a:r>
+          </a:p>
+          <a:p>
+            <a:pPr lvl="1"/>
+            <a:r>
+              <a:rPr lang="en-US">
+                <a:latin typeface="Courier New" charset="0"/>
+                <a:cs typeface="Courier New" charset="0"/>
+                <a:sym typeface="Wingdings" charset="0"/>
+              </a:rPr>
+              <a:t>scanf(</a:t>
+            </a:r>
+            <a:r>
+              <a:rPr lang="en-US">
+                <a:latin typeface="Courier New" charset="0"/>
+                <a:cs typeface="Courier New" charset="0"/>
               </a:rPr>
               <a:t>"</a:t>
             </a:r>
             <a:r>
-              <a:rPr lang="en-US" dirty="0" smtClean="0">
-                <a:latin typeface="Courier New" pitchFamily="49" charset="0"/>
-                <a:cs typeface="Courier New" pitchFamily="49" charset="0"/>
-                <a:sym typeface="Wingdings" pitchFamily="2" charset="2"/>
-              </a:rPr>
-              <a:t>%</a:t>
-            </a:r>
-            <a:r>
-              <a:rPr lang="en-US" dirty="0" err="1" smtClean="0">
-                <a:latin typeface="Courier New" pitchFamily="49" charset="0"/>
-                <a:cs typeface="Courier New" pitchFamily="49" charset="0"/>
-                <a:sym typeface="Wingdings" pitchFamily="2" charset="2"/>
-              </a:rPr>
-              <a:t>lf%d</a:t>
-            </a:r>
-            <a:r>
-              <a:rPr lang="en-US" dirty="0">
-                <a:latin typeface="Courier New" pitchFamily="49" charset="0"/>
-                <a:cs typeface="Courier New" pitchFamily="49" charset="0"/>
+              <a:rPr lang="en-US">
+                <a:latin typeface="Courier New" charset="0"/>
+                <a:cs typeface="Courier New" charset="0"/>
+                <a:sym typeface="Wingdings" charset="0"/>
+              </a:rPr>
+              <a:t>%d%c</a:t>
+            </a:r>
+            <a:r>
+              <a:rPr lang="en-US">
+                <a:latin typeface="Courier New" charset="0"/>
+                <a:cs typeface="Courier New" charset="0"/>
               </a:rPr>
               <a:t>"</a:t>
             </a:r>
             <a:r>
-              <a:rPr lang="en-US" dirty="0" smtClean="0">
-                <a:latin typeface="Courier New" pitchFamily="49" charset="0"/>
-                <a:cs typeface="Courier New" pitchFamily="49" charset="0"/>
-                <a:sym typeface="Wingdings" pitchFamily="2" charset="2"/>
-              </a:rPr>
-              <a:t>, &amp;d, &amp;i) </a:t>
-            </a:r>
-          </a:p>
-          <a:p>
-            <a:pPr marL="344487" lvl="1" indent="0">
-              <a:buFont typeface="Wingdings" pitchFamily="2" charset="2"/>
-              <a:buNone/>
-              <a:defRPr/>
-            </a:pPr>
-            <a:r>
-              <a:rPr lang="en-US" dirty="0">
-                <a:latin typeface="Courier New" pitchFamily="49" charset="0"/>
-                <a:cs typeface="Courier New" pitchFamily="49" charset="0"/>
-                <a:sym typeface="Wingdings" pitchFamily="2" charset="2"/>
-              </a:rPr>
-              <a:t>	</a:t>
-            </a:r>
-            <a:r>
-              <a:rPr lang="en-US" dirty="0" smtClean="0">
-                <a:latin typeface="Courier New" pitchFamily="49" charset="0"/>
-                <a:cs typeface="Courier New" pitchFamily="49" charset="0"/>
-                <a:sym typeface="Wingdings" pitchFamily="2" charset="2"/>
-              </a:rPr>
-              <a:t> d = 34, i = 5</a:t>
-            </a:r>
-          </a:p>
-          <a:p>
-            <a:pPr lvl="1">
-              <a:buFont typeface="Wingdings" pitchFamily="2" charset="2"/>
-              <a:buChar char="q"/>
-              <a:defRPr/>
-            </a:pPr>
-            <a:r>
-              <a:rPr lang="en-US" dirty="0" err="1" smtClean="0">
-                <a:latin typeface="Courier New" pitchFamily="49" charset="0"/>
-                <a:cs typeface="Courier New" pitchFamily="49" charset="0"/>
-                <a:sym typeface="Wingdings" pitchFamily="2" charset="2"/>
-              </a:rPr>
-              <a:t>scanf</a:t>
-            </a:r>
-            <a:r>
-              <a:rPr lang="en-US" dirty="0" smtClean="0">
-                <a:latin typeface="Courier New" pitchFamily="49" charset="0"/>
-                <a:cs typeface="Courier New" pitchFamily="49" charset="0"/>
-                <a:sym typeface="Wingdings" pitchFamily="2" charset="2"/>
-              </a:rPr>
-              <a:t>(</a:t>
-            </a:r>
-            <a:r>
-              <a:rPr lang="en-US" dirty="0">
-                <a:latin typeface="Courier New" pitchFamily="49" charset="0"/>
-                <a:cs typeface="Courier New" pitchFamily="49" charset="0"/>
+              <a:rPr lang="en-US">
+                <a:latin typeface="Courier New" charset="0"/>
+                <a:cs typeface="Courier New" charset="0"/>
+                <a:sym typeface="Wingdings" charset="0"/>
+              </a:rPr>
+              <a:t>, &amp;i, &amp;c) </a:t>
+            </a:r>
+          </a:p>
+          <a:p>
+            <a:pPr lvl="1"/>
+            <a:r>
+              <a:rPr lang="en-US">
+                <a:latin typeface="Courier New" charset="0"/>
+                <a:cs typeface="Courier New" charset="0"/>
+                <a:sym typeface="Wingdings" charset="0"/>
+              </a:rPr>
+              <a:t>scanf(</a:t>
+            </a:r>
+            <a:r>
+              <a:rPr lang="en-US">
+                <a:latin typeface="Courier New" charset="0"/>
+                <a:cs typeface="Courier New" charset="0"/>
               </a:rPr>
               <a:t>"</a:t>
             </a:r>
             <a:r>
-              <a:rPr lang="en-US" dirty="0" smtClean="0">
-                <a:latin typeface="Courier New" pitchFamily="49" charset="0"/>
-                <a:cs typeface="Courier New" pitchFamily="49" charset="0"/>
-                <a:sym typeface="Wingdings" pitchFamily="2" charset="2"/>
-              </a:rPr>
-              <a:t>%</a:t>
-            </a:r>
-            <a:r>
-              <a:rPr lang="en-US" dirty="0" err="1" smtClean="0">
-                <a:latin typeface="Courier New" pitchFamily="49" charset="0"/>
-                <a:cs typeface="Courier New" pitchFamily="49" charset="0"/>
-                <a:sym typeface="Wingdings" pitchFamily="2" charset="2"/>
-              </a:rPr>
-              <a:t>d%c</a:t>
-            </a:r>
-            <a:r>
-              <a:rPr lang="en-US" dirty="0">
-                <a:latin typeface="Courier New" pitchFamily="49" charset="0"/>
-                <a:cs typeface="Courier New" pitchFamily="49" charset="0"/>
+              <a:rPr lang="en-US">
+                <a:latin typeface="Courier New" charset="0"/>
+                <a:cs typeface="Courier New" charset="0"/>
+                <a:sym typeface="Wingdings" charset="0"/>
+              </a:rPr>
+              <a:t>%d %c</a:t>
+            </a:r>
+            <a:r>
+              <a:rPr lang="en-US">
+                <a:latin typeface="Courier New" charset="0"/>
+                <a:cs typeface="Courier New" charset="0"/>
               </a:rPr>
               <a:t>"</a:t>
             </a:r>
             <a:r>
-              <a:rPr lang="en-US" dirty="0" smtClean="0">
-                <a:latin typeface="Courier New" pitchFamily="49" charset="0"/>
-                <a:cs typeface="Courier New" pitchFamily="49" charset="0"/>
-                <a:sym typeface="Wingdings" pitchFamily="2" charset="2"/>
+              <a:rPr lang="en-US">
+                <a:latin typeface="Courier New" charset="0"/>
+                <a:cs typeface="Courier New" charset="0"/>
+                <a:sym typeface="Wingdings" charset="0"/>
               </a:rPr>
               <a:t>, &amp;i, &amp;c) </a:t>
             </a:r>
           </a:p>
           <a:p>
-            <a:pPr marL="344487" lvl="1" indent="0">
-              <a:buFont typeface="Wingdings" pitchFamily="2" charset="2"/>
-              <a:buNone/>
-              <a:defRPr/>
-            </a:pPr>
-            <a:r>
-              <a:rPr lang="en-US" dirty="0">
-                <a:latin typeface="Courier New" pitchFamily="49" charset="0"/>
-                <a:cs typeface="Courier New" pitchFamily="49" charset="0"/>
-                <a:sym typeface="Wingdings" pitchFamily="2" charset="2"/>
-              </a:rPr>
-              <a:t>	</a:t>
-            </a:r>
-            <a:r>
-              <a:rPr lang="en-US" dirty="0" smtClean="0">
-                <a:latin typeface="Courier New" pitchFamily="49" charset="0"/>
-                <a:cs typeface="Courier New" pitchFamily="49" charset="0"/>
-                <a:sym typeface="Wingdings" pitchFamily="2" charset="2"/>
-              </a:rPr>
-              <a:t> i = 34, c = ' ' </a:t>
-            </a:r>
-            <a:r>
-              <a:rPr lang="en-US" dirty="0" smtClean="0">
-                <a:cs typeface="Courier New" pitchFamily="49" charset="0"/>
-                <a:sym typeface="Wingdings" pitchFamily="2" charset="2"/>
-              </a:rPr>
-              <a:t>(space)</a:t>
-            </a:r>
-          </a:p>
-          <a:p>
-            <a:pPr lvl="1">
-              <a:buFont typeface="Wingdings" pitchFamily="2" charset="2"/>
-              <a:buChar char="q"/>
-              <a:defRPr/>
-            </a:pPr>
-            <a:r>
-              <a:rPr lang="en-US" dirty="0" err="1" smtClean="0">
-                <a:latin typeface="Courier New" pitchFamily="49" charset="0"/>
-                <a:cs typeface="Courier New" pitchFamily="49" charset="0"/>
-                <a:sym typeface="Wingdings" pitchFamily="2" charset="2"/>
-              </a:rPr>
-              <a:t>scanf</a:t>
-            </a:r>
-            <a:r>
-              <a:rPr lang="en-US" dirty="0" smtClean="0">
-                <a:latin typeface="Courier New" pitchFamily="49" charset="0"/>
-                <a:cs typeface="Courier New" pitchFamily="49" charset="0"/>
-                <a:sym typeface="Wingdings" pitchFamily="2" charset="2"/>
-              </a:rPr>
-              <a:t>(</a:t>
-            </a:r>
-            <a:r>
-              <a:rPr lang="en-US" dirty="0">
-                <a:latin typeface="Courier New" pitchFamily="49" charset="0"/>
-                <a:cs typeface="Courier New" pitchFamily="49" charset="0"/>
-              </a:rPr>
-              <a:t>"</a:t>
-            </a:r>
-            <a:r>
-              <a:rPr lang="en-US" dirty="0" smtClean="0">
-                <a:latin typeface="Courier New" pitchFamily="49" charset="0"/>
-                <a:cs typeface="Courier New" pitchFamily="49" charset="0"/>
-                <a:sym typeface="Wingdings" pitchFamily="2" charset="2"/>
-              </a:rPr>
-              <a:t>%d %c</a:t>
-            </a:r>
-            <a:r>
-              <a:rPr lang="en-US" dirty="0">
-                <a:latin typeface="Courier New" pitchFamily="49" charset="0"/>
-                <a:cs typeface="Courier New" pitchFamily="49" charset="0"/>
-              </a:rPr>
-              <a:t>"</a:t>
-            </a:r>
-            <a:r>
-              <a:rPr lang="en-US" dirty="0" smtClean="0">
-                <a:latin typeface="Courier New" pitchFamily="49" charset="0"/>
-                <a:cs typeface="Courier New" pitchFamily="49" charset="0"/>
-                <a:sym typeface="Wingdings" pitchFamily="2" charset="2"/>
-              </a:rPr>
-              <a:t>, &amp;i, &amp;c) </a:t>
-            </a:r>
-          </a:p>
-          <a:p>
-            <a:pPr marL="344487" lvl="1" indent="0">
-              <a:buFont typeface="Wingdings" pitchFamily="2" charset="2"/>
-              <a:buNone/>
-              <a:defRPr/>
-            </a:pPr>
-            <a:r>
-              <a:rPr lang="en-US" dirty="0">
-                <a:latin typeface="Courier New" pitchFamily="49" charset="0"/>
-                <a:cs typeface="Courier New" pitchFamily="49" charset="0"/>
-                <a:sym typeface="Wingdings" pitchFamily="2" charset="2"/>
-              </a:rPr>
-              <a:t>	</a:t>
-            </a:r>
-            <a:r>
-              <a:rPr lang="en-US" dirty="0" smtClean="0">
-                <a:latin typeface="Courier New" pitchFamily="49" charset="0"/>
-                <a:cs typeface="Courier New" pitchFamily="49" charset="0"/>
-                <a:sym typeface="Wingdings" pitchFamily="2" charset="2"/>
-              </a:rPr>
-              <a:t> i = 34, c </a:t>
-            </a:r>
-            <a:r>
-              <a:rPr lang="en-US" smtClean="0">
-                <a:latin typeface="Courier New" pitchFamily="49" charset="0"/>
-                <a:cs typeface="Courier New" pitchFamily="49" charset="0"/>
-                <a:sym typeface="Wingdings" pitchFamily="2" charset="2"/>
-              </a:rPr>
-              <a:t>= '5'</a:t>
-            </a:r>
-            <a:endParaRPr lang="en-US" dirty="0" smtClean="0">
-              <a:latin typeface="Courier New" pitchFamily="49" charset="0"/>
-              <a:cs typeface="Courier New" pitchFamily="49" charset="0"/>
-              <a:sym typeface="Wingdings" pitchFamily="2" charset="2"/>
+            <a:endParaRPr lang="en-US">
+              <a:latin typeface="Arial" charset="0"/>
             </a:endParaRPr>
           </a:p>
         </p:txBody>
@@ -11368,12 +11252,12 @@
           </a:lstStyle>
           <a:p>
             <a:pPr eaLnBrk="1" hangingPunct="1"/>
-            <a:fld id="{DC82FA72-6F93-4942-8819-D0B2CA4DC317}" type="datetime1">
+            <a:fld id="{4FF25F69-F0BE-104B-AD54-46D193247BB1}" type="datetime1">
               <a:rPr lang="en-US">
                 <a:latin typeface="Garamond" charset="0"/>
               </a:rPr>
               <a:pPr eaLnBrk="1" hangingPunct="1"/>
-              <a:t>1/27/16</a:t>
+              <a:t>1/29/16</a:t>
             </a:fld>
             <a:endParaRPr lang="en-US">
               <a:latin typeface="Garamond" charset="0"/>
@@ -11537,7 +11421,7 @@
           </a:lstStyle>
           <a:p>
             <a:pPr eaLnBrk="1" hangingPunct="1"/>
-            <a:fld id="{4CD00587-BB77-8947-8103-D303F3F2C73B}" type="slidenum">
+            <a:fld id="{F46B9F9C-7574-FA49-B108-D7EC89A93585}" type="slidenum">
               <a:rPr lang="en-US">
                 <a:latin typeface="Garamond" charset="0"/>
               </a:rPr>
@@ -11584,12 +11468,510 @@
       </p:grpSpPr>
       <p:sp>
         <p:nvSpPr>
-          <p:cNvPr id="4" name="Slide Number Placeholder 5"/>
+          <p:cNvPr id="24578" name="Title 1"/>
           <p:cNvSpPr>
             <a:spLocks noGrp="1"/>
           </p:cNvSpPr>
           <p:nvPr>
-            <p:ph type="sldNum" sz="quarter" idx="12"/>
+            <p:ph type="title"/>
+          </p:nvPr>
+        </p:nvSpPr>
+        <p:spPr/>
+        <p:txBody>
+          <a:bodyPr/>
+          <a:lstStyle/>
+          <a:p>
+            <a:r>
+              <a:rPr lang="en-US">
+                <a:latin typeface="Garamond" charset="0"/>
+              </a:rPr>
+              <a:t>Example solution</a:t>
+            </a:r>
+          </a:p>
+        </p:txBody>
+      </p:sp>
+      <p:sp>
+        <p:nvSpPr>
+          <p:cNvPr id="3" name="Content Placeholder 2"/>
+          <p:cNvSpPr>
+            <a:spLocks noGrp="1"/>
+          </p:cNvSpPr>
+          <p:nvPr>
+            <p:ph idx="1"/>
+          </p:nvPr>
+        </p:nvSpPr>
+        <p:spPr/>
+        <p:txBody>
+          <a:bodyPr>
+            <a:normAutofit fontScale="92500" lnSpcReduction="10000"/>
+          </a:bodyPr>
+          <a:lstStyle/>
+          <a:p>
+            <a:pPr>
+              <a:buFont typeface="Wingdings" pitchFamily="2" charset="2"/>
+              <a:buChar char="n"/>
+              <a:defRPr/>
+            </a:pPr>
+            <a:r>
+              <a:rPr lang="en-US" dirty="0" smtClean="0">
+                <a:ea typeface="+mn-ea"/>
+                <a:cs typeface="Courier New" pitchFamily="49" charset="0"/>
+              </a:rPr>
+              <a:t>What values are read for each of the following inputs and </a:t>
+            </a:r>
+            <a:r>
+              <a:rPr lang="en-US" dirty="0" err="1" smtClean="0">
+                <a:latin typeface="Courier New" pitchFamily="49" charset="0"/>
+                <a:ea typeface="+mn-ea"/>
+                <a:cs typeface="Courier New" pitchFamily="49" charset="0"/>
+              </a:rPr>
+              <a:t>scanf</a:t>
+            </a:r>
+            <a:r>
+              <a:rPr lang="en-US" dirty="0" smtClean="0">
+                <a:latin typeface="Courier New" pitchFamily="49" charset="0"/>
+                <a:ea typeface="+mn-ea"/>
+                <a:cs typeface="Courier New" pitchFamily="49" charset="0"/>
+              </a:rPr>
+              <a:t>()</a:t>
+            </a:r>
+            <a:r>
+              <a:rPr lang="en-US" dirty="0" smtClean="0">
+                <a:ea typeface="+mn-ea"/>
+                <a:cs typeface="Courier New" pitchFamily="49" charset="0"/>
+              </a:rPr>
+              <a:t> calls?</a:t>
+            </a:r>
+          </a:p>
+          <a:p>
+            <a:pPr lvl="1">
+              <a:buFont typeface="Wingdings" pitchFamily="2" charset="2"/>
+              <a:buChar char="q"/>
+              <a:defRPr/>
+            </a:pPr>
+            <a:r>
+              <a:rPr lang="en-US" dirty="0" err="1" smtClean="0">
+                <a:latin typeface="Courier New" pitchFamily="49" charset="0"/>
+                <a:cs typeface="Courier New" pitchFamily="49" charset="0"/>
+              </a:rPr>
+              <a:t>scanf</a:t>
+            </a:r>
+            <a:r>
+              <a:rPr lang="en-US" dirty="0" smtClean="0">
+                <a:latin typeface="Courier New" pitchFamily="49" charset="0"/>
+                <a:cs typeface="Courier New" pitchFamily="49" charset="0"/>
+              </a:rPr>
+              <a:t>(</a:t>
+            </a:r>
+            <a:r>
+              <a:rPr lang="en-US" dirty="0">
+                <a:latin typeface="Courier New" pitchFamily="49" charset="0"/>
+                <a:cs typeface="Courier New" pitchFamily="49" charset="0"/>
+              </a:rPr>
+              <a:t>"</a:t>
+            </a:r>
+            <a:r>
+              <a:rPr lang="en-US" dirty="0" smtClean="0">
+                <a:latin typeface="Courier New" pitchFamily="49" charset="0"/>
+                <a:cs typeface="Courier New" pitchFamily="49" charset="0"/>
+              </a:rPr>
+              <a:t>%</a:t>
+            </a:r>
+            <a:r>
+              <a:rPr lang="en-US" dirty="0" err="1" smtClean="0">
+                <a:latin typeface="Courier New" pitchFamily="49" charset="0"/>
+                <a:cs typeface="Courier New" pitchFamily="49" charset="0"/>
+              </a:rPr>
+              <a:t>d%lf</a:t>
+            </a:r>
+            <a:r>
+              <a:rPr lang="en-US" dirty="0">
+                <a:latin typeface="Courier New" pitchFamily="49" charset="0"/>
+                <a:cs typeface="Courier New" pitchFamily="49" charset="0"/>
+              </a:rPr>
+              <a:t>"</a:t>
+            </a:r>
+            <a:r>
+              <a:rPr lang="en-US" dirty="0" smtClean="0">
+                <a:latin typeface="Courier New" pitchFamily="49" charset="0"/>
+                <a:cs typeface="Courier New" pitchFamily="49" charset="0"/>
+              </a:rPr>
+              <a:t>, &amp;i, &amp;d) </a:t>
+            </a:r>
+          </a:p>
+          <a:p>
+            <a:pPr marL="344487" lvl="1" indent="0">
+              <a:buFont typeface="Wingdings" pitchFamily="2" charset="2"/>
+              <a:buNone/>
+              <a:defRPr/>
+            </a:pPr>
+            <a:r>
+              <a:rPr lang="en-US" dirty="0">
+                <a:latin typeface="Courier New" pitchFamily="49" charset="0"/>
+                <a:cs typeface="Courier New" pitchFamily="49" charset="0"/>
+                <a:sym typeface="Wingdings" pitchFamily="2" charset="2"/>
+              </a:rPr>
+              <a:t>	</a:t>
+            </a:r>
+            <a:r>
+              <a:rPr lang="en-US" dirty="0" smtClean="0">
+                <a:latin typeface="Courier New" pitchFamily="49" charset="0"/>
+                <a:cs typeface="Courier New" pitchFamily="49" charset="0"/>
+                <a:sym typeface="Wingdings" pitchFamily="2" charset="2"/>
+              </a:rPr>
+              <a:t> i = 34, d = 5.7</a:t>
+            </a:r>
+          </a:p>
+          <a:p>
+            <a:pPr lvl="1">
+              <a:buFont typeface="Wingdings" pitchFamily="2" charset="2"/>
+              <a:buChar char="q"/>
+              <a:defRPr/>
+            </a:pPr>
+            <a:r>
+              <a:rPr lang="en-US" dirty="0" err="1" smtClean="0">
+                <a:latin typeface="Courier New" pitchFamily="49" charset="0"/>
+                <a:cs typeface="Courier New" pitchFamily="49" charset="0"/>
+                <a:sym typeface="Wingdings" pitchFamily="2" charset="2"/>
+              </a:rPr>
+              <a:t>scanf</a:t>
+            </a:r>
+            <a:r>
+              <a:rPr lang="en-US" dirty="0" smtClean="0">
+                <a:latin typeface="Courier New" pitchFamily="49" charset="0"/>
+                <a:cs typeface="Courier New" pitchFamily="49" charset="0"/>
+                <a:sym typeface="Wingdings" pitchFamily="2" charset="2"/>
+              </a:rPr>
+              <a:t>(</a:t>
+            </a:r>
+            <a:r>
+              <a:rPr lang="en-US" dirty="0">
+                <a:latin typeface="Courier New" pitchFamily="49" charset="0"/>
+                <a:cs typeface="Courier New" pitchFamily="49" charset="0"/>
+              </a:rPr>
+              <a:t>"</a:t>
+            </a:r>
+            <a:r>
+              <a:rPr lang="en-US" dirty="0" smtClean="0">
+                <a:latin typeface="Courier New" pitchFamily="49" charset="0"/>
+                <a:cs typeface="Courier New" pitchFamily="49" charset="0"/>
+                <a:sym typeface="Wingdings" pitchFamily="2" charset="2"/>
+              </a:rPr>
+              <a:t>%d       %lf</a:t>
+            </a:r>
+            <a:r>
+              <a:rPr lang="en-US" dirty="0">
+                <a:latin typeface="Courier New" pitchFamily="49" charset="0"/>
+                <a:cs typeface="Courier New" pitchFamily="49" charset="0"/>
+              </a:rPr>
+              <a:t>"</a:t>
+            </a:r>
+            <a:r>
+              <a:rPr lang="en-US" dirty="0" smtClean="0">
+                <a:latin typeface="Courier New" pitchFamily="49" charset="0"/>
+                <a:cs typeface="Courier New" pitchFamily="49" charset="0"/>
+                <a:sym typeface="Wingdings" pitchFamily="2" charset="2"/>
+              </a:rPr>
+              <a:t>, &amp;i, &amp;d) </a:t>
+            </a:r>
+          </a:p>
+          <a:p>
+            <a:pPr marL="344487" lvl="1" indent="0">
+              <a:buFont typeface="Wingdings" pitchFamily="2" charset="2"/>
+              <a:buNone/>
+              <a:defRPr/>
+            </a:pPr>
+            <a:r>
+              <a:rPr lang="en-US" dirty="0">
+                <a:latin typeface="Courier New" pitchFamily="49" charset="0"/>
+                <a:cs typeface="Courier New" pitchFamily="49" charset="0"/>
+                <a:sym typeface="Wingdings" pitchFamily="2" charset="2"/>
+              </a:rPr>
+              <a:t>	</a:t>
+            </a:r>
+            <a:r>
+              <a:rPr lang="en-US" dirty="0" smtClean="0">
+                <a:latin typeface="Courier New" pitchFamily="49" charset="0"/>
+                <a:cs typeface="Courier New" pitchFamily="49" charset="0"/>
+                <a:sym typeface="Wingdings" pitchFamily="2" charset="2"/>
+              </a:rPr>
+              <a:t> i = 34, d = 5.7</a:t>
+            </a:r>
+          </a:p>
+          <a:p>
+            <a:pPr lvl="1">
+              <a:buFont typeface="Wingdings" pitchFamily="2" charset="2"/>
+              <a:buChar char="q"/>
+              <a:defRPr/>
+            </a:pPr>
+            <a:r>
+              <a:rPr lang="en-US" dirty="0" err="1" smtClean="0">
+                <a:latin typeface="Courier New" pitchFamily="49" charset="0"/>
+                <a:cs typeface="Courier New" pitchFamily="49" charset="0"/>
+                <a:sym typeface="Wingdings" pitchFamily="2" charset="2"/>
+              </a:rPr>
+              <a:t>scanf</a:t>
+            </a:r>
+            <a:r>
+              <a:rPr lang="en-US" dirty="0" smtClean="0">
+                <a:latin typeface="Courier New" pitchFamily="49" charset="0"/>
+                <a:cs typeface="Courier New" pitchFamily="49" charset="0"/>
+                <a:sym typeface="Wingdings" pitchFamily="2" charset="2"/>
+              </a:rPr>
+              <a:t>(</a:t>
+            </a:r>
+            <a:r>
+              <a:rPr lang="en-US" dirty="0">
+                <a:latin typeface="Courier New" pitchFamily="49" charset="0"/>
+                <a:cs typeface="Courier New" pitchFamily="49" charset="0"/>
+              </a:rPr>
+              <a:t>"</a:t>
+            </a:r>
+            <a:r>
+              <a:rPr lang="en-US" dirty="0" smtClean="0">
+                <a:latin typeface="Courier New" pitchFamily="49" charset="0"/>
+                <a:cs typeface="Courier New" pitchFamily="49" charset="0"/>
+                <a:sym typeface="Wingdings" pitchFamily="2" charset="2"/>
+              </a:rPr>
+              <a:t>%</a:t>
+            </a:r>
+            <a:r>
+              <a:rPr lang="en-US" dirty="0" err="1" smtClean="0">
+                <a:latin typeface="Courier New" pitchFamily="49" charset="0"/>
+                <a:cs typeface="Courier New" pitchFamily="49" charset="0"/>
+                <a:sym typeface="Wingdings" pitchFamily="2" charset="2"/>
+              </a:rPr>
+              <a:t>lf%d</a:t>
+            </a:r>
+            <a:r>
+              <a:rPr lang="en-US" dirty="0">
+                <a:latin typeface="Courier New" pitchFamily="49" charset="0"/>
+                <a:cs typeface="Courier New" pitchFamily="49" charset="0"/>
+              </a:rPr>
+              <a:t>"</a:t>
+            </a:r>
+            <a:r>
+              <a:rPr lang="en-US" dirty="0" smtClean="0">
+                <a:latin typeface="Courier New" pitchFamily="49" charset="0"/>
+                <a:cs typeface="Courier New" pitchFamily="49" charset="0"/>
+                <a:sym typeface="Wingdings" pitchFamily="2" charset="2"/>
+              </a:rPr>
+              <a:t>, &amp;d, &amp;i) </a:t>
+            </a:r>
+          </a:p>
+          <a:p>
+            <a:pPr marL="344487" lvl="1" indent="0">
+              <a:buFont typeface="Wingdings" pitchFamily="2" charset="2"/>
+              <a:buNone/>
+              <a:defRPr/>
+            </a:pPr>
+            <a:r>
+              <a:rPr lang="en-US" dirty="0">
+                <a:latin typeface="Courier New" pitchFamily="49" charset="0"/>
+                <a:cs typeface="Courier New" pitchFamily="49" charset="0"/>
+                <a:sym typeface="Wingdings" pitchFamily="2" charset="2"/>
+              </a:rPr>
+              <a:t>	</a:t>
+            </a:r>
+            <a:r>
+              <a:rPr lang="en-US" dirty="0" smtClean="0">
+                <a:latin typeface="Courier New" pitchFamily="49" charset="0"/>
+                <a:cs typeface="Courier New" pitchFamily="49" charset="0"/>
+                <a:sym typeface="Wingdings" pitchFamily="2" charset="2"/>
+              </a:rPr>
+              <a:t> d = 34, i = 5</a:t>
+            </a:r>
+          </a:p>
+          <a:p>
+            <a:pPr lvl="1">
+              <a:buFont typeface="Wingdings" pitchFamily="2" charset="2"/>
+              <a:buChar char="q"/>
+              <a:defRPr/>
+            </a:pPr>
+            <a:r>
+              <a:rPr lang="en-US" dirty="0" err="1" smtClean="0">
+                <a:latin typeface="Courier New" pitchFamily="49" charset="0"/>
+                <a:cs typeface="Courier New" pitchFamily="49" charset="0"/>
+                <a:sym typeface="Wingdings" pitchFamily="2" charset="2"/>
+              </a:rPr>
+              <a:t>scanf</a:t>
+            </a:r>
+            <a:r>
+              <a:rPr lang="en-US" dirty="0" smtClean="0">
+                <a:latin typeface="Courier New" pitchFamily="49" charset="0"/>
+                <a:cs typeface="Courier New" pitchFamily="49" charset="0"/>
+                <a:sym typeface="Wingdings" pitchFamily="2" charset="2"/>
+              </a:rPr>
+              <a:t>(</a:t>
+            </a:r>
+            <a:r>
+              <a:rPr lang="en-US" dirty="0">
+                <a:latin typeface="Courier New" pitchFamily="49" charset="0"/>
+                <a:cs typeface="Courier New" pitchFamily="49" charset="0"/>
+              </a:rPr>
+              <a:t>"</a:t>
+            </a:r>
+            <a:r>
+              <a:rPr lang="en-US" dirty="0" smtClean="0">
+                <a:latin typeface="Courier New" pitchFamily="49" charset="0"/>
+                <a:cs typeface="Courier New" pitchFamily="49" charset="0"/>
+                <a:sym typeface="Wingdings" pitchFamily="2" charset="2"/>
+              </a:rPr>
+              <a:t>%</a:t>
+            </a:r>
+            <a:r>
+              <a:rPr lang="en-US" dirty="0" err="1" smtClean="0">
+                <a:latin typeface="Courier New" pitchFamily="49" charset="0"/>
+                <a:cs typeface="Courier New" pitchFamily="49" charset="0"/>
+                <a:sym typeface="Wingdings" pitchFamily="2" charset="2"/>
+              </a:rPr>
+              <a:t>d%c</a:t>
+            </a:r>
+            <a:r>
+              <a:rPr lang="en-US" dirty="0">
+                <a:latin typeface="Courier New" pitchFamily="49" charset="0"/>
+                <a:cs typeface="Courier New" pitchFamily="49" charset="0"/>
+              </a:rPr>
+              <a:t>"</a:t>
+            </a:r>
+            <a:r>
+              <a:rPr lang="en-US" dirty="0" smtClean="0">
+                <a:latin typeface="Courier New" pitchFamily="49" charset="0"/>
+                <a:cs typeface="Courier New" pitchFamily="49" charset="0"/>
+                <a:sym typeface="Wingdings" pitchFamily="2" charset="2"/>
+              </a:rPr>
+              <a:t>, &amp;i, &amp;c) </a:t>
+            </a:r>
+          </a:p>
+          <a:p>
+            <a:pPr marL="344487" lvl="1" indent="0">
+              <a:buFont typeface="Wingdings" pitchFamily="2" charset="2"/>
+              <a:buNone/>
+              <a:defRPr/>
+            </a:pPr>
+            <a:r>
+              <a:rPr lang="en-US" dirty="0">
+                <a:latin typeface="Courier New" pitchFamily="49" charset="0"/>
+                <a:cs typeface="Courier New" pitchFamily="49" charset="0"/>
+                <a:sym typeface="Wingdings" pitchFamily="2" charset="2"/>
+              </a:rPr>
+              <a:t>	</a:t>
+            </a:r>
+            <a:r>
+              <a:rPr lang="en-US" dirty="0" smtClean="0">
+                <a:latin typeface="Courier New" pitchFamily="49" charset="0"/>
+                <a:cs typeface="Courier New" pitchFamily="49" charset="0"/>
+                <a:sym typeface="Wingdings" pitchFamily="2" charset="2"/>
+              </a:rPr>
+              <a:t> i = 34, c = ' ' </a:t>
+            </a:r>
+            <a:r>
+              <a:rPr lang="en-US" dirty="0" smtClean="0">
+                <a:cs typeface="Courier New" pitchFamily="49" charset="0"/>
+                <a:sym typeface="Wingdings" pitchFamily="2" charset="2"/>
+              </a:rPr>
+              <a:t>(space)</a:t>
+            </a:r>
+          </a:p>
+          <a:p>
+            <a:pPr lvl="1">
+              <a:buFont typeface="Wingdings" pitchFamily="2" charset="2"/>
+              <a:buChar char="q"/>
+              <a:defRPr/>
+            </a:pPr>
+            <a:r>
+              <a:rPr lang="en-US" dirty="0" err="1" smtClean="0">
+                <a:latin typeface="Courier New" pitchFamily="49" charset="0"/>
+                <a:cs typeface="Courier New" pitchFamily="49" charset="0"/>
+                <a:sym typeface="Wingdings" pitchFamily="2" charset="2"/>
+              </a:rPr>
+              <a:t>scanf</a:t>
+            </a:r>
+            <a:r>
+              <a:rPr lang="en-US" dirty="0" smtClean="0">
+                <a:latin typeface="Courier New" pitchFamily="49" charset="0"/>
+                <a:cs typeface="Courier New" pitchFamily="49" charset="0"/>
+                <a:sym typeface="Wingdings" pitchFamily="2" charset="2"/>
+              </a:rPr>
+              <a:t>(</a:t>
+            </a:r>
+            <a:r>
+              <a:rPr lang="en-US" dirty="0">
+                <a:latin typeface="Courier New" pitchFamily="49" charset="0"/>
+                <a:cs typeface="Courier New" pitchFamily="49" charset="0"/>
+              </a:rPr>
+              <a:t>"</a:t>
+            </a:r>
+            <a:r>
+              <a:rPr lang="en-US" dirty="0" smtClean="0">
+                <a:latin typeface="Courier New" pitchFamily="49" charset="0"/>
+                <a:cs typeface="Courier New" pitchFamily="49" charset="0"/>
+                <a:sym typeface="Wingdings" pitchFamily="2" charset="2"/>
+              </a:rPr>
+              <a:t>%d %c</a:t>
+            </a:r>
+            <a:r>
+              <a:rPr lang="en-US" dirty="0">
+                <a:latin typeface="Courier New" pitchFamily="49" charset="0"/>
+                <a:cs typeface="Courier New" pitchFamily="49" charset="0"/>
+              </a:rPr>
+              <a:t>"</a:t>
+            </a:r>
+            <a:r>
+              <a:rPr lang="en-US" dirty="0" smtClean="0">
+                <a:latin typeface="Courier New" pitchFamily="49" charset="0"/>
+                <a:cs typeface="Courier New" pitchFamily="49" charset="0"/>
+                <a:sym typeface="Wingdings" pitchFamily="2" charset="2"/>
+              </a:rPr>
+              <a:t>, &amp;i, &amp;c) </a:t>
+            </a:r>
+          </a:p>
+          <a:p>
+            <a:pPr marL="344487" lvl="1" indent="0">
+              <a:buFont typeface="Wingdings" pitchFamily="2" charset="2"/>
+              <a:buNone/>
+              <a:defRPr/>
+            </a:pPr>
+            <a:r>
+              <a:rPr lang="en-US" dirty="0">
+                <a:latin typeface="Courier New" pitchFamily="49" charset="0"/>
+                <a:cs typeface="Courier New" pitchFamily="49" charset="0"/>
+                <a:sym typeface="Wingdings" pitchFamily="2" charset="2"/>
+              </a:rPr>
+              <a:t>	</a:t>
+            </a:r>
+            <a:r>
+              <a:rPr lang="en-US" dirty="0" smtClean="0">
+                <a:latin typeface="Courier New" pitchFamily="49" charset="0"/>
+                <a:cs typeface="Courier New" pitchFamily="49" charset="0"/>
+                <a:sym typeface="Wingdings" pitchFamily="2" charset="2"/>
+              </a:rPr>
+              <a:t> i = 34, c </a:t>
+            </a:r>
+            <a:r>
+              <a:rPr lang="en-US" smtClean="0">
+                <a:latin typeface="Courier New" pitchFamily="49" charset="0"/>
+                <a:cs typeface="Courier New" pitchFamily="49" charset="0"/>
+                <a:sym typeface="Wingdings" pitchFamily="2" charset="2"/>
+              </a:rPr>
+              <a:t>= '5'</a:t>
+            </a:r>
+            <a:endParaRPr lang="en-US" dirty="0" smtClean="0">
+              <a:latin typeface="Courier New" pitchFamily="49" charset="0"/>
+              <a:cs typeface="Courier New" pitchFamily="49" charset="0"/>
+              <a:sym typeface="Wingdings" pitchFamily="2" charset="2"/>
+            </a:endParaRPr>
+          </a:p>
+        </p:txBody>
+      </p:sp>
+      <p:sp>
+        <p:nvSpPr>
+          <p:cNvPr id="4" name="Date Placeholder 3"/>
+          <p:cNvSpPr>
+            <a:spLocks noGrp="1"/>
+          </p:cNvSpPr>
+          <p:nvPr>
+            <p:ph type="dt" sz="quarter" idx="10"/>
           </p:nvPr>
         </p:nvSpPr>
         <p:spPr/>
@@ -11713,7 +12095,176 @@
           </a:lstStyle>
           <a:p>
             <a:pPr eaLnBrk="1" hangingPunct="1"/>
-            <a:fld id="{8B1BB622-E451-8543-A39A-E1CC475B1F10}" type="slidenum">
+            <a:fld id="{DC82FA72-6F93-4942-8819-D0B2CA4DC317}" type="datetime1">
+              <a:rPr lang="en-US">
+                <a:latin typeface="Garamond" charset="0"/>
+              </a:rPr>
+              <a:pPr eaLnBrk="1" hangingPunct="1"/>
+              <a:t>1/29/16</a:t>
+            </a:fld>
+            <a:endParaRPr lang="en-US">
+              <a:latin typeface="Garamond" charset="0"/>
+            </a:endParaRPr>
+          </a:p>
+        </p:txBody>
+      </p:sp>
+      <p:sp>
+        <p:nvSpPr>
+          <p:cNvPr id="5" name="Footer Placeholder 4"/>
+          <p:cNvSpPr>
+            <a:spLocks noGrp="1"/>
+          </p:cNvSpPr>
+          <p:nvPr>
+            <p:ph type="ftr" sz="quarter" idx="11"/>
+          </p:nvPr>
+        </p:nvSpPr>
+        <p:spPr/>
+        <p:txBody>
+          <a:bodyPr/>
+          <a:lstStyle/>
+          <a:p>
+            <a:pPr>
+              <a:defRPr/>
+            </a:pPr>
+            <a:r>
+              <a:rPr lang="en-US" altLang="en-US"/>
+              <a:t>ECE Application Programming: Lecture 5</a:t>
+            </a:r>
+          </a:p>
+        </p:txBody>
+      </p:sp>
+      <p:sp>
+        <p:nvSpPr>
+          <p:cNvPr id="6" name="Slide Number Placeholder 5"/>
+          <p:cNvSpPr>
+            <a:spLocks noGrp="1"/>
+          </p:cNvSpPr>
+          <p:nvPr>
+            <p:ph type="sldNum" sz="quarter" idx="12"/>
+          </p:nvPr>
+        </p:nvSpPr>
+        <p:spPr/>
+        <p:txBody>
+          <a:bodyPr/>
+          <a:lstStyle>
+            <a:lvl1pPr eaLnBrk="0" hangingPunct="0">
+              <a:defRPr>
+                <a:solidFill>
+                  <a:schemeClr val="tx1"/>
+                </a:solidFill>
+                <a:latin typeface="Arial" charset="0"/>
+                <a:ea typeface="ＭＳ Ｐゴシック" charset="0"/>
+                <a:cs typeface="Arial" charset="0"/>
+              </a:defRPr>
+            </a:lvl1pPr>
+            <a:lvl2pPr marL="742950" indent="-285750" eaLnBrk="0" hangingPunct="0">
+              <a:defRPr>
+                <a:solidFill>
+                  <a:schemeClr val="tx1"/>
+                </a:solidFill>
+                <a:latin typeface="Arial" charset="0"/>
+                <a:ea typeface="Arial" charset="0"/>
+                <a:cs typeface="Arial" charset="0"/>
+              </a:defRPr>
+            </a:lvl2pPr>
+            <a:lvl3pPr marL="1143000" indent="-228600" eaLnBrk="0" hangingPunct="0">
+              <a:defRPr>
+                <a:solidFill>
+                  <a:schemeClr val="tx1"/>
+                </a:solidFill>
+                <a:latin typeface="Arial" charset="0"/>
+                <a:ea typeface="Arial" charset="0"/>
+                <a:cs typeface="Arial" charset="0"/>
+              </a:defRPr>
+            </a:lvl3pPr>
+            <a:lvl4pPr marL="1600200" indent="-228600" eaLnBrk="0" hangingPunct="0">
+              <a:defRPr>
+                <a:solidFill>
+                  <a:schemeClr val="tx1"/>
+                </a:solidFill>
+                <a:latin typeface="Arial" charset="0"/>
+                <a:ea typeface="Arial" charset="0"/>
+                <a:cs typeface="Arial" charset="0"/>
+              </a:defRPr>
+            </a:lvl4pPr>
+            <a:lvl5pPr marL="2057400" indent="-228600" eaLnBrk="0" hangingPunct="0">
+              <a:defRPr>
+                <a:solidFill>
+                  <a:schemeClr val="tx1"/>
+                </a:solidFill>
+                <a:latin typeface="Arial" charset="0"/>
+                <a:ea typeface="Arial" charset="0"/>
+                <a:cs typeface="Arial" charset="0"/>
+              </a:defRPr>
+            </a:lvl5pPr>
+            <a:lvl6pPr marL="2514600" indent="-228600" eaLnBrk="0" fontAlgn="base" hangingPunct="0">
+              <a:spcBef>
+                <a:spcPct val="0"/>
+              </a:spcBef>
+              <a:spcAft>
+                <a:spcPct val="0"/>
+              </a:spcAft>
+              <a:defRPr>
+                <a:solidFill>
+                  <a:schemeClr val="tx1"/>
+                </a:solidFill>
+                <a:latin typeface="Arial" charset="0"/>
+                <a:ea typeface="Arial" charset="0"/>
+                <a:cs typeface="Arial" charset="0"/>
+              </a:defRPr>
+            </a:lvl6pPr>
+            <a:lvl7pPr marL="2971800" indent="-228600" eaLnBrk="0" fontAlgn="base" hangingPunct="0">
+              <a:spcBef>
+                <a:spcPct val="0"/>
+              </a:spcBef>
+              <a:spcAft>
+                <a:spcPct val="0"/>
+              </a:spcAft>
+              <a:defRPr>
+                <a:solidFill>
+                  <a:schemeClr val="tx1"/>
+                </a:solidFill>
+                <a:latin typeface="Arial" charset="0"/>
+                <a:ea typeface="Arial" charset="0"/>
+                <a:cs typeface="Arial" charset="0"/>
+              </a:defRPr>
+            </a:lvl7pPr>
+            <a:lvl8pPr marL="3429000" indent="-228600" eaLnBrk="0" fontAlgn="base" hangingPunct="0">
+              <a:spcBef>
+                <a:spcPct val="0"/>
+              </a:spcBef>
+              <a:spcAft>
+                <a:spcPct val="0"/>
+              </a:spcAft>
+              <a:defRPr>
+                <a:solidFill>
+                  <a:schemeClr val="tx1"/>
+                </a:solidFill>
+                <a:latin typeface="Arial" charset="0"/>
+                <a:ea typeface="Arial" charset="0"/>
+                <a:cs typeface="Arial" charset="0"/>
+              </a:defRPr>
+            </a:lvl8pPr>
+            <a:lvl9pPr marL="3886200" indent="-228600" eaLnBrk="0" fontAlgn="base" hangingPunct="0">
+              <a:spcBef>
+                <a:spcPct val="0"/>
+              </a:spcBef>
+              <a:spcAft>
+                <a:spcPct val="0"/>
+              </a:spcAft>
+              <a:defRPr>
+                <a:solidFill>
+                  <a:schemeClr val="tx1"/>
+                </a:solidFill>
+                <a:latin typeface="Arial" charset="0"/>
+                <a:ea typeface="Arial" charset="0"/>
+                <a:cs typeface="Arial" charset="0"/>
+              </a:defRPr>
+            </a:lvl9pPr>
+          </a:lstStyle>
+          <a:p>
+            <a:pPr eaLnBrk="1" hangingPunct="1"/>
+            <a:fld id="{4CD00587-BB77-8947-8103-D303F3F2C73B}" type="slidenum">
               <a:rPr lang="en-US">
                 <a:latin typeface="Garamond" charset="0"/>
               </a:rPr>
@@ -11723,484 +12274,6 @@
             <a:endParaRPr lang="en-US">
               <a:latin typeface="Garamond" charset="0"/>
             </a:endParaRPr>
-          </a:p>
-        </p:txBody>
-      </p:sp>
-      <p:sp>
-        <p:nvSpPr>
-          <p:cNvPr id="25603" name="Rectangle 2"/>
-          <p:cNvSpPr>
-            <a:spLocks noGrp="1" noChangeArrowheads="1"/>
-          </p:cNvSpPr>
-          <p:nvPr>
-            <p:ph type="title"/>
-          </p:nvPr>
-        </p:nvSpPr>
-        <p:spPr>
-          <a:xfrm>
-            <a:off x="457200" y="304800"/>
-            <a:ext cx="7772400" cy="685800"/>
-          </a:xfrm>
-        </p:spPr>
-        <p:txBody>
-          <a:bodyPr/>
-          <a:lstStyle/>
-          <a:p>
-            <a:r>
-              <a:rPr lang="en-US">
-                <a:latin typeface="Garamond" charset="0"/>
-              </a:rPr>
-              <a:t>Using scanf() and printf() together</a:t>
-            </a:r>
-          </a:p>
-        </p:txBody>
-      </p:sp>
-      <p:sp>
-        <p:nvSpPr>
-          <p:cNvPr id="25604" name="Text Box 3"/>
-          <p:cNvSpPr txBox="1">
-            <a:spLocks noChangeArrowheads="1"/>
-          </p:cNvSpPr>
-          <p:nvPr/>
-        </p:nvSpPr>
-        <p:spPr bwMode="auto">
-          <a:xfrm>
-            <a:off x="609600" y="1371600"/>
-            <a:ext cx="7162800" cy="4206875"/>
-          </a:xfrm>
-          <a:prstGeom prst="rect">
-            <a:avLst/>
-          </a:prstGeom>
-          <a:noFill/>
-          <a:ln>
-            <a:noFill/>
-          </a:ln>
-          <a:extLst>
-            <a:ext uri="{909E8E84-426E-40dd-AFC4-6F175D3DCCD1}">
-              <a14:hiddenFill xmlns:a14="http://schemas.microsoft.com/office/drawing/2010/main">
-                <a:solidFill>
-                  <a:srgbClr val="FFFFFF"/>
-                </a:solidFill>
-              </a14:hiddenFill>
-            </a:ext>
-            <a:ext uri="{91240B29-F687-4f45-9708-019B960494DF}">
-              <a14:hiddenLine xmlns:a14="http://schemas.microsoft.com/office/drawing/2010/main" w="9525">
-                <a:solidFill>
-                  <a:srgbClr val="000000"/>
-                </a:solidFill>
-                <a:miter lim="800000"/>
-                <a:headEnd/>
-                <a:tailEnd/>
-              </a14:hiddenLine>
-            </a:ext>
-          </a:extLst>
-        </p:spPr>
-        <p:txBody>
-          <a:bodyPr>
-            <a:spAutoFit/>
-          </a:bodyPr>
-          <a:lstStyle>
-            <a:lvl1pPr>
-              <a:defRPr sz="3000">
-                <a:solidFill>
-                  <a:schemeClr val="tx1"/>
-                </a:solidFill>
-                <a:latin typeface="Arial" charset="0"/>
-                <a:ea typeface="ＭＳ Ｐゴシック" charset="0"/>
-              </a:defRPr>
-            </a:lvl1pPr>
-            <a:lvl2pPr marL="742950" indent="-285750">
-              <a:defRPr sz="2600">
-                <a:solidFill>
-                  <a:schemeClr val="tx1"/>
-                </a:solidFill>
-                <a:latin typeface="Arial" charset="0"/>
-                <a:ea typeface="ＭＳ Ｐゴシック" charset="0"/>
-              </a:defRPr>
-            </a:lvl2pPr>
-            <a:lvl3pPr marL="1143000" indent="-228600">
-              <a:defRPr sz="2200">
-                <a:solidFill>
-                  <a:schemeClr val="tx1"/>
-                </a:solidFill>
-                <a:latin typeface="Arial" charset="0"/>
-                <a:ea typeface="ＭＳ Ｐゴシック" charset="0"/>
-              </a:defRPr>
-            </a:lvl3pPr>
-            <a:lvl4pPr marL="1600200" indent="-228600">
-              <a:defRPr sz="2000">
-                <a:solidFill>
-                  <a:schemeClr val="tx1"/>
-                </a:solidFill>
-                <a:latin typeface="Arial" charset="0"/>
-                <a:ea typeface="ＭＳ Ｐゴシック" charset="0"/>
-              </a:defRPr>
-            </a:lvl4pPr>
-            <a:lvl5pPr marL="2057400" indent="-228600">
-              <a:defRPr sz="2000">
-                <a:solidFill>
-                  <a:schemeClr val="tx1"/>
-                </a:solidFill>
-                <a:latin typeface="Arial" charset="0"/>
-                <a:ea typeface="ＭＳ Ｐゴシック" charset="0"/>
-              </a:defRPr>
-            </a:lvl5pPr>
-            <a:lvl6pPr marL="2514600" indent="-228600" eaLnBrk="0" hangingPunct="0">
-              <a:buFont typeface="Wingdings" charset="0"/>
-              <a:defRPr sz="2000">
-                <a:solidFill>
-                  <a:schemeClr val="tx1"/>
-                </a:solidFill>
-                <a:latin typeface="Arial" charset="0"/>
-                <a:ea typeface="ＭＳ Ｐゴシック" charset="0"/>
-              </a:defRPr>
-            </a:lvl6pPr>
-            <a:lvl7pPr marL="2971800" indent="-228600" eaLnBrk="0" hangingPunct="0">
-              <a:buFont typeface="Wingdings" charset="0"/>
-              <a:defRPr sz="2000">
-                <a:solidFill>
-                  <a:schemeClr val="tx1"/>
-                </a:solidFill>
-                <a:latin typeface="Arial" charset="0"/>
-                <a:ea typeface="ＭＳ Ｐゴシック" charset="0"/>
-              </a:defRPr>
-            </a:lvl7pPr>
-            <a:lvl8pPr marL="3429000" indent="-228600" eaLnBrk="0" hangingPunct="0">
-              <a:buFont typeface="Wingdings" charset="0"/>
-              <a:defRPr sz="2000">
-                <a:solidFill>
-                  <a:schemeClr val="tx1"/>
-                </a:solidFill>
-                <a:latin typeface="Arial" charset="0"/>
-                <a:ea typeface="ＭＳ Ｐゴシック" charset="0"/>
-              </a:defRPr>
-            </a:lvl8pPr>
-            <a:lvl9pPr marL="3886200" indent="-228600" eaLnBrk="0" hangingPunct="0">
-              <a:buFont typeface="Wingdings" charset="0"/>
-              <a:defRPr sz="2000">
-                <a:solidFill>
-                  <a:schemeClr val="tx1"/>
-                </a:solidFill>
-                <a:latin typeface="Arial" charset="0"/>
-                <a:ea typeface="ＭＳ Ｐゴシック" charset="0"/>
-              </a:defRPr>
-            </a:lvl9pPr>
-          </a:lstStyle>
-          <a:p>
-            <a:pPr>
-              <a:spcBef>
-                <a:spcPct val="50000"/>
-              </a:spcBef>
-            </a:pPr>
-            <a:r>
-              <a:rPr lang="en-US" sz="2000">
-                <a:latin typeface="Courier New" charset="0"/>
-              </a:rPr>
-              <a:t>#include &lt;stdio.h&gt;</a:t>
-            </a:r>
-          </a:p>
-          <a:p>
-            <a:pPr>
-              <a:spcBef>
-                <a:spcPct val="50000"/>
-              </a:spcBef>
-            </a:pPr>
-            <a:r>
-              <a:rPr lang="en-US" sz="2000">
-                <a:latin typeface="Courier New" charset="0"/>
-              </a:rPr>
-              <a:t>int main()</a:t>
-            </a:r>
-            <a:br>
-              <a:rPr lang="en-US" sz="2000">
-                <a:latin typeface="Courier New" charset="0"/>
-              </a:rPr>
-            </a:br>
-            <a:r>
-              <a:rPr lang="en-US" sz="2000">
-                <a:latin typeface="Courier New" charset="0"/>
-              </a:rPr>
-              <a:t>{</a:t>
-            </a:r>
-            <a:br>
-              <a:rPr lang="en-US" sz="2000">
-                <a:latin typeface="Courier New" charset="0"/>
-              </a:rPr>
-            </a:br>
-            <a:r>
-              <a:rPr lang="en-US" sz="2000">
-                <a:latin typeface="Courier New" charset="0"/>
-              </a:rPr>
-              <a:t>    int hours;</a:t>
-            </a:r>
-            <a:br>
-              <a:rPr lang="en-US" sz="2000">
-                <a:latin typeface="Courier New" charset="0"/>
-              </a:rPr>
-            </a:br>
-            <a:r>
-              <a:rPr lang="en-US" sz="2000">
-                <a:latin typeface="Courier New" charset="0"/>
-              </a:rPr>
-              <a:t>    float rate;</a:t>
-            </a:r>
-            <a:br>
-              <a:rPr lang="en-US" sz="2000">
-                <a:latin typeface="Courier New" charset="0"/>
-              </a:rPr>
-            </a:br>
-            <a:r>
-              <a:rPr lang="en-US" sz="2000">
-                <a:latin typeface="Courier New" charset="0"/>
-              </a:rPr>
-              <a:t>    float grosspay;</a:t>
-            </a:r>
-            <a:br>
-              <a:rPr lang="en-US" sz="2000">
-                <a:latin typeface="Courier New" charset="0"/>
-              </a:rPr>
-            </a:br>
-            <a:r>
-              <a:rPr lang="en-US" sz="2000">
-                <a:latin typeface="Courier New" charset="0"/>
-              </a:rPr>
-              <a:t>    printf("Enter hours: ");</a:t>
-            </a:r>
-            <a:br>
-              <a:rPr lang="en-US" sz="2000">
-                <a:latin typeface="Courier New" charset="0"/>
-              </a:rPr>
-            </a:br>
-            <a:r>
-              <a:rPr lang="en-US" sz="2000">
-                <a:latin typeface="Courier New" charset="0"/>
-              </a:rPr>
-              <a:t>    scanf("%d",&amp;hours);</a:t>
-            </a:r>
-            <a:br>
-              <a:rPr lang="en-US" sz="2000">
-                <a:latin typeface="Courier New" charset="0"/>
-              </a:rPr>
-            </a:br>
-            <a:r>
-              <a:rPr lang="en-US" sz="2000">
-                <a:latin typeface="Courier New" charset="0"/>
-              </a:rPr>
-              <a:t>    printf("Enter pay rate: ");</a:t>
-            </a:r>
-            <a:br>
-              <a:rPr lang="en-US" sz="2000">
-                <a:latin typeface="Courier New" charset="0"/>
-              </a:rPr>
-            </a:br>
-            <a:r>
-              <a:rPr lang="en-US" sz="2000">
-                <a:latin typeface="Courier New" charset="0"/>
-              </a:rPr>
-              <a:t>    scanf("%f",&amp;rate);</a:t>
-            </a:r>
-            <a:br>
-              <a:rPr lang="en-US" sz="2000">
-                <a:latin typeface="Courier New" charset="0"/>
-              </a:rPr>
-            </a:br>
-            <a:r>
-              <a:rPr lang="en-US" sz="2000">
-                <a:latin typeface="Courier New" charset="0"/>
-              </a:rPr>
-              <a:t>    grosspay = hours * rate;</a:t>
-            </a:r>
-            <a:br>
-              <a:rPr lang="en-US" sz="2000">
-                <a:latin typeface="Courier New" charset="0"/>
-              </a:rPr>
-            </a:br>
-            <a:r>
-              <a:rPr lang="en-US" sz="2000">
-                <a:latin typeface="Courier New" charset="0"/>
-              </a:rPr>
-              <a:t>    printf("You earned $%f\n",grosspay);</a:t>
-            </a:r>
-            <a:br>
-              <a:rPr lang="en-US" sz="2000">
-                <a:latin typeface="Courier New" charset="0"/>
-              </a:rPr>
-            </a:br>
-            <a:r>
-              <a:rPr lang="en-US" sz="2000">
-                <a:latin typeface="Courier New" charset="0"/>
-              </a:rPr>
-              <a:t>}</a:t>
-            </a:r>
-          </a:p>
-        </p:txBody>
-      </p:sp>
-      <p:sp>
-        <p:nvSpPr>
-          <p:cNvPr id="2" name="Date Placeholder 1"/>
-          <p:cNvSpPr>
-            <a:spLocks noGrp="1"/>
-          </p:cNvSpPr>
-          <p:nvPr>
-            <p:ph type="dt" sz="quarter" idx="10"/>
-          </p:nvPr>
-        </p:nvSpPr>
-        <p:spPr/>
-        <p:txBody>
-          <a:bodyPr/>
-          <a:lstStyle>
-            <a:lvl1pPr eaLnBrk="0" hangingPunct="0">
-              <a:defRPr>
-                <a:solidFill>
-                  <a:schemeClr val="tx1"/>
-                </a:solidFill>
-                <a:latin typeface="Arial" charset="0"/>
-                <a:ea typeface="ＭＳ Ｐゴシック" charset="0"/>
-                <a:cs typeface="Arial" charset="0"/>
-              </a:defRPr>
-            </a:lvl1pPr>
-            <a:lvl2pPr marL="742950" indent="-285750" eaLnBrk="0" hangingPunct="0">
-              <a:defRPr>
-                <a:solidFill>
-                  <a:schemeClr val="tx1"/>
-                </a:solidFill>
-                <a:latin typeface="Arial" charset="0"/>
-                <a:ea typeface="Arial" charset="0"/>
-                <a:cs typeface="Arial" charset="0"/>
-              </a:defRPr>
-            </a:lvl2pPr>
-            <a:lvl3pPr marL="1143000" indent="-228600" eaLnBrk="0" hangingPunct="0">
-              <a:defRPr>
-                <a:solidFill>
-                  <a:schemeClr val="tx1"/>
-                </a:solidFill>
-                <a:latin typeface="Arial" charset="0"/>
-                <a:ea typeface="Arial" charset="0"/>
-                <a:cs typeface="Arial" charset="0"/>
-              </a:defRPr>
-            </a:lvl3pPr>
-            <a:lvl4pPr marL="1600200" indent="-228600" eaLnBrk="0" hangingPunct="0">
-              <a:defRPr>
-                <a:solidFill>
-                  <a:schemeClr val="tx1"/>
-                </a:solidFill>
-                <a:latin typeface="Arial" charset="0"/>
-                <a:ea typeface="Arial" charset="0"/>
-                <a:cs typeface="Arial" charset="0"/>
-              </a:defRPr>
-            </a:lvl4pPr>
-            <a:lvl5pPr marL="2057400" indent="-228600" eaLnBrk="0" hangingPunct="0">
-              <a:defRPr>
-                <a:solidFill>
-                  <a:schemeClr val="tx1"/>
-                </a:solidFill>
-                <a:latin typeface="Arial" charset="0"/>
-                <a:ea typeface="Arial" charset="0"/>
-                <a:cs typeface="Arial" charset="0"/>
-              </a:defRPr>
-            </a:lvl5pPr>
-            <a:lvl6pPr marL="2514600" indent="-228600" eaLnBrk="0" fontAlgn="base" hangingPunct="0">
-              <a:spcBef>
-                <a:spcPct val="0"/>
-              </a:spcBef>
-              <a:spcAft>
-                <a:spcPct val="0"/>
-              </a:spcAft>
-              <a:defRPr>
-                <a:solidFill>
-                  <a:schemeClr val="tx1"/>
-                </a:solidFill>
-                <a:latin typeface="Arial" charset="0"/>
-                <a:ea typeface="Arial" charset="0"/>
-                <a:cs typeface="Arial" charset="0"/>
-              </a:defRPr>
-            </a:lvl6pPr>
-            <a:lvl7pPr marL="2971800" indent="-228600" eaLnBrk="0" fontAlgn="base" hangingPunct="0">
-              <a:spcBef>
-                <a:spcPct val="0"/>
-              </a:spcBef>
-              <a:spcAft>
-                <a:spcPct val="0"/>
-              </a:spcAft>
-              <a:defRPr>
-                <a:solidFill>
-                  <a:schemeClr val="tx1"/>
-                </a:solidFill>
-                <a:latin typeface="Arial" charset="0"/>
-                <a:ea typeface="Arial" charset="0"/>
-                <a:cs typeface="Arial" charset="0"/>
-              </a:defRPr>
-            </a:lvl7pPr>
-            <a:lvl8pPr marL="3429000" indent="-228600" eaLnBrk="0" fontAlgn="base" hangingPunct="0">
-              <a:spcBef>
-                <a:spcPct val="0"/>
-              </a:spcBef>
-              <a:spcAft>
-                <a:spcPct val="0"/>
-              </a:spcAft>
-              <a:defRPr>
-                <a:solidFill>
-                  <a:schemeClr val="tx1"/>
-                </a:solidFill>
-                <a:latin typeface="Arial" charset="0"/>
-                <a:ea typeface="Arial" charset="0"/>
-                <a:cs typeface="Arial" charset="0"/>
-              </a:defRPr>
-            </a:lvl8pPr>
-            <a:lvl9pPr marL="3886200" indent="-228600" eaLnBrk="0" fontAlgn="base" hangingPunct="0">
-              <a:spcBef>
-                <a:spcPct val="0"/>
-              </a:spcBef>
-              <a:spcAft>
-                <a:spcPct val="0"/>
-              </a:spcAft>
-              <a:defRPr>
-                <a:solidFill>
-                  <a:schemeClr val="tx1"/>
-                </a:solidFill>
-                <a:latin typeface="Arial" charset="0"/>
-                <a:ea typeface="Arial" charset="0"/>
-                <a:cs typeface="Arial" charset="0"/>
-              </a:defRPr>
-            </a:lvl9pPr>
-          </a:lstStyle>
-          <a:p>
-            <a:pPr eaLnBrk="1" hangingPunct="1"/>
-            <a:fld id="{E429BE27-C61F-074C-AA7B-5BFF005F2B39}" type="datetime1">
-              <a:rPr lang="en-US">
-                <a:latin typeface="Garamond" charset="0"/>
-              </a:rPr>
-              <a:pPr eaLnBrk="1" hangingPunct="1"/>
-              <a:t>1/27/16</a:t>
-            </a:fld>
-            <a:endParaRPr lang="en-US">
-              <a:latin typeface="Garamond" charset="0"/>
-            </a:endParaRPr>
-          </a:p>
-        </p:txBody>
-      </p:sp>
-      <p:sp>
-        <p:nvSpPr>
-          <p:cNvPr id="3" name="Footer Placeholder 2"/>
-          <p:cNvSpPr>
-            <a:spLocks noGrp="1"/>
-          </p:cNvSpPr>
-          <p:nvPr>
-            <p:ph type="ftr" sz="quarter" idx="11"/>
-          </p:nvPr>
-        </p:nvSpPr>
-        <p:spPr/>
-        <p:txBody>
-          <a:bodyPr/>
-          <a:lstStyle/>
-          <a:p>
-            <a:pPr>
-              <a:defRPr/>
-            </a:pPr>
-            <a:r>
-              <a:rPr lang="en-US" altLang="en-US"/>
-              <a:t>ECE Application Programming: Lecture 5</a:t>
-            </a:r>
           </a:p>
         </p:txBody>
       </p:sp>
@@ -12238,7 +12311,7 @@
       </p:grpSpPr>
       <p:sp>
         <p:nvSpPr>
-          <p:cNvPr id="6" name="Slide Number Placeholder 5"/>
+          <p:cNvPr id="4" name="Slide Number Placeholder 5"/>
           <p:cNvSpPr>
             <a:spLocks noGrp="1"/>
           </p:cNvSpPr>
@@ -12367,7 +12440,7 @@
           </a:lstStyle>
           <a:p>
             <a:pPr eaLnBrk="1" hangingPunct="1"/>
-            <a:fld id="{DA763061-22BB-DD41-B4AF-10086E2265F5}" type="slidenum">
+            <a:fld id="{8B1BB622-E451-8543-A39A-E1CC475B1F10}" type="slidenum">
               <a:rPr lang="en-US">
                 <a:latin typeface="Garamond" charset="0"/>
               </a:rPr>
@@ -12382,7 +12455,7 @@
       </p:sp>
       <p:sp>
         <p:nvSpPr>
-          <p:cNvPr id="26627" name="Rectangle 2"/>
+          <p:cNvPr id="25603" name="Rectangle 2"/>
           <p:cNvSpPr>
             <a:spLocks noGrp="1" noChangeArrowheads="1"/>
           </p:cNvSpPr>
@@ -12392,7 +12465,7 @@
         </p:nvSpPr>
         <p:spPr>
           <a:xfrm>
-            <a:off x="533400" y="304800"/>
+            <a:off x="457200" y="304800"/>
             <a:ext cx="7772400" cy="685800"/>
           </a:xfrm>
         </p:spPr>
@@ -12404,14 +12477,14 @@
               <a:rPr lang="en-US">
                 <a:latin typeface="Garamond" charset="0"/>
               </a:rPr>
-              <a:t>scanf() function - Payroll Ver 2</a:t>
+              <a:t>Using scanf() and printf() together</a:t>
             </a:r>
           </a:p>
         </p:txBody>
       </p:sp>
       <p:sp>
         <p:nvSpPr>
-          <p:cNvPr id="26628" name="Text Box 3"/>
+          <p:cNvPr id="25604" name="Text Box 3"/>
           <p:cNvSpPr txBox="1">
             <a:spLocks noChangeArrowheads="1"/>
           </p:cNvSpPr>
@@ -12585,7 +12658,7 @@
               <a:rPr lang="en-US" sz="2000">
                 <a:latin typeface="Courier New" charset="0"/>
               </a:rPr>
-              <a:t>    double hours;</a:t>
+              <a:t>    int hours;</a:t>
             </a:r>
             <a:br>
               <a:rPr lang="en-US" sz="2000">
@@ -12596,7 +12669,7 @@
               <a:rPr lang="en-US" sz="2000">
                 <a:latin typeface="Courier New" charset="0"/>
               </a:rPr>
-              <a:t>    double rate;</a:t>
+              <a:t>    float rate;</a:t>
             </a:r>
             <a:br>
               <a:rPr lang="en-US" sz="2000">
@@ -12607,7 +12680,7 @@
               <a:rPr lang="en-US" sz="2000">
                 <a:latin typeface="Courier New" charset="0"/>
               </a:rPr>
-              <a:t>    double grosspay;</a:t>
+              <a:t>    float grosspay;</a:t>
             </a:r>
             <a:br>
               <a:rPr lang="en-US" sz="2000">
@@ -12629,7 +12702,7 @@
               <a:rPr lang="en-US" sz="2000">
                 <a:latin typeface="Courier New" charset="0"/>
               </a:rPr>
-              <a:t>    scanf("%lf",&amp;hours);</a:t>
+              <a:t>    scanf("%d",&amp;hours);</a:t>
             </a:r>
             <a:br>
               <a:rPr lang="en-US" sz="2000">
@@ -12651,7 +12724,7 @@
               <a:rPr lang="en-US" sz="2000">
                 <a:latin typeface="Courier New" charset="0"/>
               </a:rPr>
-              <a:t>    scanf("%lf",&amp;rate);</a:t>
+              <a:t>    scanf("%f",&amp;rate);</a:t>
             </a:r>
             <a:br>
               <a:rPr lang="en-US" sz="2000">
@@ -12673,7 +12746,7 @@
               <a:rPr lang="en-US" sz="2000">
                 <a:latin typeface="Courier New" charset="0"/>
               </a:rPr>
-              <a:t>    printf("You earned $%lf\n",grosspay);</a:t>
+              <a:t>    printf("You earned $%f\n",grosspay);</a:t>
             </a:r>
             <a:br>
               <a:rPr lang="en-US" sz="2000">
@@ -12820,12 +12893,12 @@
           </a:lstStyle>
           <a:p>
             <a:pPr eaLnBrk="1" hangingPunct="1"/>
-            <a:fld id="{8A7A0086-F739-D84F-8B7E-51BDD35FB12E}" type="datetime1">
+            <a:fld id="{E429BE27-C61F-074C-AA7B-5BFF005F2B39}" type="datetime1">
               <a:rPr lang="en-US">
                 <a:latin typeface="Garamond" charset="0"/>
               </a:rPr>
               <a:pPr eaLnBrk="1" hangingPunct="1"/>
-              <a:t>1/27/16</a:t>
+              <a:t>1/29/16</a:t>
             </a:fld>
             <a:endParaRPr lang="en-US">
               <a:latin typeface="Garamond" charset="0"/>
@@ -12892,101 +12965,12 @@
       </p:grpSpPr>
       <p:sp>
         <p:nvSpPr>
-          <p:cNvPr id="27650" name="Title 1"/>
+          <p:cNvPr id="6" name="Slide Number Placeholder 5"/>
           <p:cNvSpPr>
             <a:spLocks noGrp="1"/>
           </p:cNvSpPr>
           <p:nvPr>
-            <p:ph type="title"/>
-          </p:nvPr>
-        </p:nvSpPr>
-        <p:spPr/>
-        <p:txBody>
-          <a:bodyPr/>
-          <a:lstStyle/>
-          <a:p>
-            <a:r>
-              <a:rPr lang="en-US">
-                <a:latin typeface="Garamond" charset="0"/>
-              </a:rPr>
-              <a:t>Final notes</a:t>
-            </a:r>
-          </a:p>
-        </p:txBody>
-      </p:sp>
-      <p:sp>
-        <p:nvSpPr>
-          <p:cNvPr id="27651" name="Content Placeholder 2"/>
-          <p:cNvSpPr>
-            <a:spLocks noGrp="1"/>
-          </p:cNvSpPr>
-          <p:nvPr>
-            <p:ph idx="1"/>
-          </p:nvPr>
-        </p:nvSpPr>
-        <p:spPr/>
-        <p:txBody>
-          <a:bodyPr/>
-          <a:lstStyle/>
-          <a:p>
-            <a:r>
-              <a:rPr lang="en-US" dirty="0">
-                <a:latin typeface="Arial" charset="0"/>
-              </a:rPr>
-              <a:t>Next time</a:t>
-            </a:r>
-          </a:p>
-          <a:p>
-            <a:pPr lvl="1"/>
-            <a:r>
-              <a:rPr lang="en-US" dirty="0">
-                <a:latin typeface="Arial" charset="0"/>
-              </a:rPr>
-              <a:t>PE1: Flowcharts and debugging</a:t>
-            </a:r>
-          </a:p>
-          <a:p>
-            <a:r>
-              <a:rPr lang="en-US" dirty="0">
-                <a:latin typeface="Arial" charset="0"/>
-              </a:rPr>
-              <a:t>Reminders:</a:t>
-            </a:r>
-          </a:p>
-          <a:p>
-            <a:pPr lvl="1"/>
-            <a:r>
-              <a:rPr lang="en-US" dirty="0">
-                <a:latin typeface="Arial" charset="0"/>
-              </a:rPr>
-              <a:t>Program 2 </a:t>
-            </a:r>
-            <a:r>
-              <a:rPr lang="en-US" smtClean="0">
-                <a:latin typeface="Arial" charset="0"/>
-              </a:rPr>
-              <a:t>due </a:t>
-            </a:r>
-            <a:r>
-              <a:rPr lang="en-US" smtClean="0">
-                <a:latin typeface="Arial" charset="0"/>
-              </a:rPr>
-              <a:t>2/5</a:t>
-            </a:r>
-            <a:endParaRPr lang="en-US" dirty="0">
-              <a:latin typeface="Arial" charset="0"/>
-            </a:endParaRPr>
-          </a:p>
-        </p:txBody>
-      </p:sp>
-      <p:sp>
-        <p:nvSpPr>
-          <p:cNvPr id="4" name="Date Placeholder 3"/>
-          <p:cNvSpPr>
-            <a:spLocks noGrp="1"/>
-          </p:cNvSpPr>
-          <p:nvPr>
-            <p:ph type="dt" sz="quarter" idx="10"/>
+            <p:ph type="sldNum" sz="quarter" idx="12"/>
           </p:nvPr>
         </p:nvSpPr>
         <p:spPr/>
@@ -13110,12 +13094,12 @@
           </a:lstStyle>
           <a:p>
             <a:pPr eaLnBrk="1" hangingPunct="1"/>
-            <a:fld id="{4C2FB037-7BA6-6945-98AA-58E016C76072}" type="datetime1">
+            <a:fld id="{DA763061-22BB-DD41-B4AF-10086E2265F5}" type="slidenum">
               <a:rPr lang="en-US">
                 <a:latin typeface="Garamond" charset="0"/>
               </a:rPr>
               <a:pPr eaLnBrk="1" hangingPunct="1"/>
-              <a:t>1/27/16</a:t>
+              <a:t>15</a:t>
             </a:fld>
             <a:endParaRPr lang="en-US">
               <a:latin typeface="Garamond" charset="0"/>
@@ -13125,37 +13109,321 @@
       </p:sp>
       <p:sp>
         <p:nvSpPr>
-          <p:cNvPr id="5" name="Footer Placeholder 4"/>
+          <p:cNvPr id="26627" name="Rectangle 2"/>
           <p:cNvSpPr>
-            <a:spLocks noGrp="1"/>
+            <a:spLocks noGrp="1" noChangeArrowheads="1"/>
           </p:cNvSpPr>
           <p:nvPr>
-            <p:ph type="ftr" sz="quarter" idx="11"/>
+            <p:ph type="title"/>
           </p:nvPr>
         </p:nvSpPr>
-        <p:spPr/>
+        <p:spPr>
+          <a:xfrm>
+            <a:off x="533400" y="304800"/>
+            <a:ext cx="7772400" cy="685800"/>
+          </a:xfrm>
+        </p:spPr>
         <p:txBody>
           <a:bodyPr/>
           <a:lstStyle/>
           <a:p>
+            <a:r>
+              <a:rPr lang="en-US">
+                <a:latin typeface="Garamond" charset="0"/>
+              </a:rPr>
+              <a:t>scanf() function - Payroll Ver 2</a:t>
+            </a:r>
+          </a:p>
+        </p:txBody>
+      </p:sp>
+      <p:sp>
+        <p:nvSpPr>
+          <p:cNvPr id="26628" name="Text Box 3"/>
+          <p:cNvSpPr txBox="1">
+            <a:spLocks noChangeArrowheads="1"/>
+          </p:cNvSpPr>
+          <p:nvPr/>
+        </p:nvSpPr>
+        <p:spPr bwMode="auto">
+          <a:xfrm>
+            <a:off x="609600" y="1371600"/>
+            <a:ext cx="7162800" cy="4206875"/>
+          </a:xfrm>
+          <a:prstGeom prst="rect">
+            <a:avLst/>
+          </a:prstGeom>
+          <a:noFill/>
+          <a:ln>
+            <a:noFill/>
+          </a:ln>
+          <a:extLst>
+            <a:ext uri="{909E8E84-426E-40dd-AFC4-6F175D3DCCD1}">
+              <a14:hiddenFill xmlns:a14="http://schemas.microsoft.com/office/drawing/2010/main">
+                <a:solidFill>
+                  <a:srgbClr val="FFFFFF"/>
+                </a:solidFill>
+              </a14:hiddenFill>
+            </a:ext>
+            <a:ext uri="{91240B29-F687-4f45-9708-019B960494DF}">
+              <a14:hiddenLine xmlns:a14="http://schemas.microsoft.com/office/drawing/2010/main" w="9525">
+                <a:solidFill>
+                  <a:srgbClr val="000000"/>
+                </a:solidFill>
+                <a:miter lim="800000"/>
+                <a:headEnd/>
+                <a:tailEnd/>
+              </a14:hiddenLine>
+            </a:ext>
+          </a:extLst>
+        </p:spPr>
+        <p:txBody>
+          <a:bodyPr>
+            <a:spAutoFit/>
+          </a:bodyPr>
+          <a:lstStyle>
+            <a:lvl1pPr>
+              <a:defRPr sz="3000">
+                <a:solidFill>
+                  <a:schemeClr val="tx1"/>
+                </a:solidFill>
+                <a:latin typeface="Arial" charset="0"/>
+                <a:ea typeface="ＭＳ Ｐゴシック" charset="0"/>
+              </a:defRPr>
+            </a:lvl1pPr>
+            <a:lvl2pPr marL="742950" indent="-285750">
+              <a:defRPr sz="2600">
+                <a:solidFill>
+                  <a:schemeClr val="tx1"/>
+                </a:solidFill>
+                <a:latin typeface="Arial" charset="0"/>
+                <a:ea typeface="ＭＳ Ｐゴシック" charset="0"/>
+              </a:defRPr>
+            </a:lvl2pPr>
+            <a:lvl3pPr marL="1143000" indent="-228600">
+              <a:defRPr sz="2200">
+                <a:solidFill>
+                  <a:schemeClr val="tx1"/>
+                </a:solidFill>
+                <a:latin typeface="Arial" charset="0"/>
+                <a:ea typeface="ＭＳ Ｐゴシック" charset="0"/>
+              </a:defRPr>
+            </a:lvl3pPr>
+            <a:lvl4pPr marL="1600200" indent="-228600">
+              <a:defRPr sz="2000">
+                <a:solidFill>
+                  <a:schemeClr val="tx1"/>
+                </a:solidFill>
+                <a:latin typeface="Arial" charset="0"/>
+                <a:ea typeface="ＭＳ Ｐゴシック" charset="0"/>
+              </a:defRPr>
+            </a:lvl4pPr>
+            <a:lvl5pPr marL="2057400" indent="-228600">
+              <a:defRPr sz="2000">
+                <a:solidFill>
+                  <a:schemeClr val="tx1"/>
+                </a:solidFill>
+                <a:latin typeface="Arial" charset="0"/>
+                <a:ea typeface="ＭＳ Ｐゴシック" charset="0"/>
+              </a:defRPr>
+            </a:lvl5pPr>
+            <a:lvl6pPr marL="2514600" indent="-228600" eaLnBrk="0" hangingPunct="0">
+              <a:buFont typeface="Wingdings" charset="0"/>
+              <a:defRPr sz="2000">
+                <a:solidFill>
+                  <a:schemeClr val="tx1"/>
+                </a:solidFill>
+                <a:latin typeface="Arial" charset="0"/>
+                <a:ea typeface="ＭＳ Ｐゴシック" charset="0"/>
+              </a:defRPr>
+            </a:lvl6pPr>
+            <a:lvl7pPr marL="2971800" indent="-228600" eaLnBrk="0" hangingPunct="0">
+              <a:buFont typeface="Wingdings" charset="0"/>
+              <a:defRPr sz="2000">
+                <a:solidFill>
+                  <a:schemeClr val="tx1"/>
+                </a:solidFill>
+                <a:latin typeface="Arial" charset="0"/>
+                <a:ea typeface="ＭＳ Ｐゴシック" charset="0"/>
+              </a:defRPr>
+            </a:lvl7pPr>
+            <a:lvl8pPr marL="3429000" indent="-228600" eaLnBrk="0" hangingPunct="0">
+              <a:buFont typeface="Wingdings" charset="0"/>
+              <a:defRPr sz="2000">
+                <a:solidFill>
+                  <a:schemeClr val="tx1"/>
+                </a:solidFill>
+                <a:latin typeface="Arial" charset="0"/>
+                <a:ea typeface="ＭＳ Ｐゴシック" charset="0"/>
+              </a:defRPr>
+            </a:lvl8pPr>
+            <a:lvl9pPr marL="3886200" indent="-228600" eaLnBrk="0" hangingPunct="0">
+              <a:buFont typeface="Wingdings" charset="0"/>
+              <a:defRPr sz="2000">
+                <a:solidFill>
+                  <a:schemeClr val="tx1"/>
+                </a:solidFill>
+                <a:latin typeface="Arial" charset="0"/>
+                <a:ea typeface="ＭＳ Ｐゴシック" charset="0"/>
+              </a:defRPr>
+            </a:lvl9pPr>
+          </a:lstStyle>
+          <a:p>
             <a:pPr>
-              <a:defRPr/>
+              <a:spcBef>
+                <a:spcPct val="50000"/>
+              </a:spcBef>
             </a:pPr>
             <a:r>
-              <a:rPr lang="en-US" altLang="en-US"/>
-              <a:t>ECE Application Programming: Lecture 5</a:t>
+              <a:rPr lang="en-US" sz="2000">
+                <a:latin typeface="Courier New" charset="0"/>
+              </a:rPr>
+              <a:t>#include &lt;stdio.h&gt;</a:t>
+            </a:r>
+          </a:p>
+          <a:p>
+            <a:pPr>
+              <a:spcBef>
+                <a:spcPct val="50000"/>
+              </a:spcBef>
+            </a:pPr>
+            <a:r>
+              <a:rPr lang="en-US" sz="2000">
+                <a:latin typeface="Courier New" charset="0"/>
+              </a:rPr>
+              <a:t>int main()</a:t>
+            </a:r>
+            <a:br>
+              <a:rPr lang="en-US" sz="2000">
+                <a:latin typeface="Courier New" charset="0"/>
+              </a:rPr>
+            </a:br>
+            <a:r>
+              <a:rPr lang="en-US" sz="2000">
+                <a:latin typeface="Courier New" charset="0"/>
+              </a:rPr>
+              <a:t>{</a:t>
+            </a:r>
+            <a:br>
+              <a:rPr lang="en-US" sz="2000">
+                <a:latin typeface="Courier New" charset="0"/>
+              </a:rPr>
+            </a:br>
+            <a:r>
+              <a:rPr lang="en-US" sz="2000">
+                <a:latin typeface="Courier New" charset="0"/>
+              </a:rPr>
+              <a:t>    double hours;</a:t>
+            </a:r>
+            <a:br>
+              <a:rPr lang="en-US" sz="2000">
+                <a:latin typeface="Courier New" charset="0"/>
+              </a:rPr>
+            </a:br>
+            <a:r>
+              <a:rPr lang="en-US" sz="2000">
+                <a:latin typeface="Courier New" charset="0"/>
+              </a:rPr>
+              <a:t>    double rate;</a:t>
+            </a:r>
+            <a:br>
+              <a:rPr lang="en-US" sz="2000">
+                <a:latin typeface="Courier New" charset="0"/>
+              </a:rPr>
+            </a:br>
+            <a:r>
+              <a:rPr lang="en-US" sz="2000">
+                <a:latin typeface="Courier New" charset="0"/>
+              </a:rPr>
+              <a:t>    double grosspay;</a:t>
+            </a:r>
+            <a:br>
+              <a:rPr lang="en-US" sz="2000">
+                <a:latin typeface="Courier New" charset="0"/>
+              </a:rPr>
+            </a:br>
+            <a:r>
+              <a:rPr lang="en-US" sz="2000">
+                <a:latin typeface="Courier New" charset="0"/>
+              </a:rPr>
+              <a:t>    printf("Enter hours: ");</a:t>
+            </a:r>
+            <a:br>
+              <a:rPr lang="en-US" sz="2000">
+                <a:latin typeface="Courier New" charset="0"/>
+              </a:rPr>
+            </a:br>
+            <a:r>
+              <a:rPr lang="en-US" sz="2000">
+                <a:latin typeface="Courier New" charset="0"/>
+              </a:rPr>
+              <a:t>    scanf("%lf",&amp;hours);</a:t>
+            </a:r>
+            <a:br>
+              <a:rPr lang="en-US" sz="2000">
+                <a:latin typeface="Courier New" charset="0"/>
+              </a:rPr>
+            </a:br>
+            <a:r>
+              <a:rPr lang="en-US" sz="2000">
+                <a:latin typeface="Courier New" charset="0"/>
+              </a:rPr>
+              <a:t>    printf("Enter pay rate: ");</a:t>
+            </a:r>
+            <a:br>
+              <a:rPr lang="en-US" sz="2000">
+                <a:latin typeface="Courier New" charset="0"/>
+              </a:rPr>
+            </a:br>
+            <a:r>
+              <a:rPr lang="en-US" sz="2000">
+                <a:latin typeface="Courier New" charset="0"/>
+              </a:rPr>
+              <a:t>    scanf("%lf",&amp;rate);</a:t>
+            </a:r>
+            <a:br>
+              <a:rPr lang="en-US" sz="2000">
+                <a:latin typeface="Courier New" charset="0"/>
+              </a:rPr>
+            </a:br>
+            <a:r>
+              <a:rPr lang="en-US" sz="2000">
+                <a:latin typeface="Courier New" charset="0"/>
+              </a:rPr>
+              <a:t>    grosspay = hours * rate;</a:t>
+            </a:r>
+            <a:br>
+              <a:rPr lang="en-US" sz="2000">
+                <a:latin typeface="Courier New" charset="0"/>
+              </a:rPr>
+            </a:br>
+            <a:r>
+              <a:rPr lang="en-US" sz="2000">
+                <a:latin typeface="Courier New" charset="0"/>
+              </a:rPr>
+              <a:t>    printf("You earned $%lf\n",grosspay);</a:t>
+            </a:r>
+            <a:br>
+              <a:rPr lang="en-US" sz="2000">
+                <a:latin typeface="Courier New" charset="0"/>
+              </a:rPr>
+            </a:br>
+            <a:r>
+              <a:rPr lang="en-US" sz="2000">
+                <a:latin typeface="Courier New" charset="0"/>
+              </a:rPr>
+              <a:t>}</a:t>
             </a:r>
           </a:p>
         </p:txBody>
       </p:sp>
       <p:sp>
         <p:nvSpPr>
-          <p:cNvPr id="6" name="Slide Number Placeholder 5"/>
+          <p:cNvPr id="2" name="Date Placeholder 1"/>
           <p:cNvSpPr>
             <a:spLocks noGrp="1"/>
           </p:cNvSpPr>
           <p:nvPr>
-            <p:ph type="sldNum" sz="quarter" idx="12"/>
+            <p:ph type="dt" sz="quarter" idx="10"/>
           </p:nvPr>
         </p:nvSpPr>
         <p:spPr/>
@@ -13279,12 +13547,465 @@
           </a:lstStyle>
           <a:p>
             <a:pPr eaLnBrk="1" hangingPunct="1"/>
+            <a:fld id="{8A7A0086-F739-D84F-8B7E-51BDD35FB12E}" type="datetime1">
+              <a:rPr lang="en-US">
+                <a:latin typeface="Garamond" charset="0"/>
+              </a:rPr>
+              <a:pPr eaLnBrk="1" hangingPunct="1"/>
+              <a:t>1/29/16</a:t>
+            </a:fld>
+            <a:endParaRPr lang="en-US">
+              <a:latin typeface="Garamond" charset="0"/>
+            </a:endParaRPr>
+          </a:p>
+        </p:txBody>
+      </p:sp>
+      <p:sp>
+        <p:nvSpPr>
+          <p:cNvPr id="3" name="Footer Placeholder 2"/>
+          <p:cNvSpPr>
+            <a:spLocks noGrp="1"/>
+          </p:cNvSpPr>
+          <p:nvPr>
+            <p:ph type="ftr" sz="quarter" idx="11"/>
+          </p:nvPr>
+        </p:nvSpPr>
+        <p:spPr/>
+        <p:txBody>
+          <a:bodyPr/>
+          <a:lstStyle/>
+          <a:p>
+            <a:pPr>
+              <a:defRPr/>
+            </a:pPr>
+            <a:r>
+              <a:rPr lang="en-US" altLang="en-US"/>
+              <a:t>ECE Application Programming: Lecture 5</a:t>
+            </a:r>
+          </a:p>
+        </p:txBody>
+      </p:sp>
+    </p:spTree>
+  </p:cSld>
+  <p:clrMapOvr>
+    <a:masterClrMapping/>
+  </p:clrMapOvr>
+  <p:timing>
+    <p:tnLst>
+      <p:par>
+        <p:cTn xmlns:p14="http://schemas.microsoft.com/office/powerpoint/2010/main" id="1" dur="indefinite" restart="never" nodeType="tmRoot"/>
+      </p:par>
+    </p:tnLst>
+  </p:timing>
+</p:sld>
+</file>
+
+<file path=ppt/slides/slide16.xml><?xml version="1.0" encoding="utf-8"?>
+<p:sld xmlns:a="http://schemas.openxmlformats.org/drawingml/2006/main" xmlns:r="http://schemas.openxmlformats.org/officeDocument/2006/relationships" xmlns:p="http://schemas.openxmlformats.org/presentationml/2006/main">
+  <p:cSld>
+    <p:spTree>
+      <p:nvGrpSpPr>
+        <p:cNvPr id="1" name=""/>
+        <p:cNvGrpSpPr/>
+        <p:nvPr/>
+      </p:nvGrpSpPr>
+      <p:grpSpPr>
+        <a:xfrm>
+          <a:off x="0" y="0"/>
+          <a:ext cx="0" cy="0"/>
+          <a:chOff x="0" y="0"/>
+          <a:chExt cx="0" cy="0"/>
+        </a:xfrm>
+      </p:grpSpPr>
+      <p:sp>
+        <p:nvSpPr>
+          <p:cNvPr id="27650" name="Title 1"/>
+          <p:cNvSpPr>
+            <a:spLocks noGrp="1"/>
+          </p:cNvSpPr>
+          <p:nvPr>
+            <p:ph type="title"/>
+          </p:nvPr>
+        </p:nvSpPr>
+        <p:spPr/>
+        <p:txBody>
+          <a:bodyPr/>
+          <a:lstStyle/>
+          <a:p>
+            <a:r>
+              <a:rPr lang="en-US">
+                <a:latin typeface="Garamond" charset="0"/>
+              </a:rPr>
+              <a:t>Final notes</a:t>
+            </a:r>
+          </a:p>
+        </p:txBody>
+      </p:sp>
+      <p:sp>
+        <p:nvSpPr>
+          <p:cNvPr id="27651" name="Content Placeholder 2"/>
+          <p:cNvSpPr>
+            <a:spLocks noGrp="1"/>
+          </p:cNvSpPr>
+          <p:nvPr>
+            <p:ph idx="1"/>
+          </p:nvPr>
+        </p:nvSpPr>
+        <p:spPr/>
+        <p:txBody>
+          <a:bodyPr/>
+          <a:lstStyle/>
+          <a:p>
+            <a:r>
+              <a:rPr lang="en-US" dirty="0">
+                <a:latin typeface="Arial" charset="0"/>
+              </a:rPr>
+              <a:t>Next time</a:t>
+            </a:r>
+          </a:p>
+          <a:p>
+            <a:pPr lvl="1"/>
+            <a:r>
+              <a:rPr lang="en-US" dirty="0">
+                <a:latin typeface="Arial" charset="0"/>
+              </a:rPr>
+              <a:t>PE1: Flowcharts and debugging</a:t>
+            </a:r>
+          </a:p>
+          <a:p>
+            <a:r>
+              <a:rPr lang="en-US" dirty="0">
+                <a:latin typeface="Arial" charset="0"/>
+              </a:rPr>
+              <a:t>Reminders:</a:t>
+            </a:r>
+          </a:p>
+          <a:p>
+            <a:pPr lvl="1"/>
+            <a:r>
+              <a:rPr lang="en-US" dirty="0">
+                <a:latin typeface="Arial" charset="0"/>
+              </a:rPr>
+              <a:t>Program 2 </a:t>
+            </a:r>
+            <a:r>
+              <a:rPr lang="en-US" smtClean="0">
+                <a:latin typeface="Arial" charset="0"/>
+              </a:rPr>
+              <a:t>due 2/5</a:t>
+            </a:r>
+            <a:endParaRPr lang="en-US" dirty="0">
+              <a:latin typeface="Arial" charset="0"/>
+            </a:endParaRPr>
+          </a:p>
+        </p:txBody>
+      </p:sp>
+      <p:sp>
+        <p:nvSpPr>
+          <p:cNvPr id="4" name="Date Placeholder 3"/>
+          <p:cNvSpPr>
+            <a:spLocks noGrp="1"/>
+          </p:cNvSpPr>
+          <p:nvPr>
+            <p:ph type="dt" sz="quarter" idx="10"/>
+          </p:nvPr>
+        </p:nvSpPr>
+        <p:spPr/>
+        <p:txBody>
+          <a:bodyPr/>
+          <a:lstStyle>
+            <a:lvl1pPr eaLnBrk="0" hangingPunct="0">
+              <a:defRPr>
+                <a:solidFill>
+                  <a:schemeClr val="tx1"/>
+                </a:solidFill>
+                <a:latin typeface="Arial" charset="0"/>
+                <a:ea typeface="ＭＳ Ｐゴシック" charset="0"/>
+                <a:cs typeface="Arial" charset="0"/>
+              </a:defRPr>
+            </a:lvl1pPr>
+            <a:lvl2pPr marL="742950" indent="-285750" eaLnBrk="0" hangingPunct="0">
+              <a:defRPr>
+                <a:solidFill>
+                  <a:schemeClr val="tx1"/>
+                </a:solidFill>
+                <a:latin typeface="Arial" charset="0"/>
+                <a:ea typeface="Arial" charset="0"/>
+                <a:cs typeface="Arial" charset="0"/>
+              </a:defRPr>
+            </a:lvl2pPr>
+            <a:lvl3pPr marL="1143000" indent="-228600" eaLnBrk="0" hangingPunct="0">
+              <a:defRPr>
+                <a:solidFill>
+                  <a:schemeClr val="tx1"/>
+                </a:solidFill>
+                <a:latin typeface="Arial" charset="0"/>
+                <a:ea typeface="Arial" charset="0"/>
+                <a:cs typeface="Arial" charset="0"/>
+              </a:defRPr>
+            </a:lvl3pPr>
+            <a:lvl4pPr marL="1600200" indent="-228600" eaLnBrk="0" hangingPunct="0">
+              <a:defRPr>
+                <a:solidFill>
+                  <a:schemeClr val="tx1"/>
+                </a:solidFill>
+                <a:latin typeface="Arial" charset="0"/>
+                <a:ea typeface="Arial" charset="0"/>
+                <a:cs typeface="Arial" charset="0"/>
+              </a:defRPr>
+            </a:lvl4pPr>
+            <a:lvl5pPr marL="2057400" indent="-228600" eaLnBrk="0" hangingPunct="0">
+              <a:defRPr>
+                <a:solidFill>
+                  <a:schemeClr val="tx1"/>
+                </a:solidFill>
+                <a:latin typeface="Arial" charset="0"/>
+                <a:ea typeface="Arial" charset="0"/>
+                <a:cs typeface="Arial" charset="0"/>
+              </a:defRPr>
+            </a:lvl5pPr>
+            <a:lvl6pPr marL="2514600" indent="-228600" eaLnBrk="0" fontAlgn="base" hangingPunct="0">
+              <a:spcBef>
+                <a:spcPct val="0"/>
+              </a:spcBef>
+              <a:spcAft>
+                <a:spcPct val="0"/>
+              </a:spcAft>
+              <a:defRPr>
+                <a:solidFill>
+                  <a:schemeClr val="tx1"/>
+                </a:solidFill>
+                <a:latin typeface="Arial" charset="0"/>
+                <a:ea typeface="Arial" charset="0"/>
+                <a:cs typeface="Arial" charset="0"/>
+              </a:defRPr>
+            </a:lvl6pPr>
+            <a:lvl7pPr marL="2971800" indent="-228600" eaLnBrk="0" fontAlgn="base" hangingPunct="0">
+              <a:spcBef>
+                <a:spcPct val="0"/>
+              </a:spcBef>
+              <a:spcAft>
+                <a:spcPct val="0"/>
+              </a:spcAft>
+              <a:defRPr>
+                <a:solidFill>
+                  <a:schemeClr val="tx1"/>
+                </a:solidFill>
+                <a:latin typeface="Arial" charset="0"/>
+                <a:ea typeface="Arial" charset="0"/>
+                <a:cs typeface="Arial" charset="0"/>
+              </a:defRPr>
+            </a:lvl7pPr>
+            <a:lvl8pPr marL="3429000" indent="-228600" eaLnBrk="0" fontAlgn="base" hangingPunct="0">
+              <a:spcBef>
+                <a:spcPct val="0"/>
+              </a:spcBef>
+              <a:spcAft>
+                <a:spcPct val="0"/>
+              </a:spcAft>
+              <a:defRPr>
+                <a:solidFill>
+                  <a:schemeClr val="tx1"/>
+                </a:solidFill>
+                <a:latin typeface="Arial" charset="0"/>
+                <a:ea typeface="Arial" charset="0"/>
+                <a:cs typeface="Arial" charset="0"/>
+              </a:defRPr>
+            </a:lvl8pPr>
+            <a:lvl9pPr marL="3886200" indent="-228600" eaLnBrk="0" fontAlgn="base" hangingPunct="0">
+              <a:spcBef>
+                <a:spcPct val="0"/>
+              </a:spcBef>
+              <a:spcAft>
+                <a:spcPct val="0"/>
+              </a:spcAft>
+              <a:defRPr>
+                <a:solidFill>
+                  <a:schemeClr val="tx1"/>
+                </a:solidFill>
+                <a:latin typeface="Arial" charset="0"/>
+                <a:ea typeface="Arial" charset="0"/>
+                <a:cs typeface="Arial" charset="0"/>
+              </a:defRPr>
+            </a:lvl9pPr>
+          </a:lstStyle>
+          <a:p>
+            <a:pPr eaLnBrk="1" hangingPunct="1"/>
+            <a:fld id="{4C2FB037-7BA6-6945-98AA-58E016C76072}" type="datetime1">
+              <a:rPr lang="en-US">
+                <a:latin typeface="Garamond" charset="0"/>
+              </a:rPr>
+              <a:pPr eaLnBrk="1" hangingPunct="1"/>
+              <a:t>1/29/16</a:t>
+            </a:fld>
+            <a:endParaRPr lang="en-US">
+              <a:latin typeface="Garamond" charset="0"/>
+            </a:endParaRPr>
+          </a:p>
+        </p:txBody>
+      </p:sp>
+      <p:sp>
+        <p:nvSpPr>
+          <p:cNvPr id="5" name="Footer Placeholder 4"/>
+          <p:cNvSpPr>
+            <a:spLocks noGrp="1"/>
+          </p:cNvSpPr>
+          <p:nvPr>
+            <p:ph type="ftr" sz="quarter" idx="11"/>
+          </p:nvPr>
+        </p:nvSpPr>
+        <p:spPr/>
+        <p:txBody>
+          <a:bodyPr/>
+          <a:lstStyle/>
+          <a:p>
+            <a:pPr>
+              <a:defRPr/>
+            </a:pPr>
+            <a:r>
+              <a:rPr lang="en-US" altLang="en-US"/>
+              <a:t>ECE Application Programming: Lecture 5</a:t>
+            </a:r>
+          </a:p>
+        </p:txBody>
+      </p:sp>
+      <p:sp>
+        <p:nvSpPr>
+          <p:cNvPr id="6" name="Slide Number Placeholder 5"/>
+          <p:cNvSpPr>
+            <a:spLocks noGrp="1"/>
+          </p:cNvSpPr>
+          <p:nvPr>
+            <p:ph type="sldNum" sz="quarter" idx="12"/>
+          </p:nvPr>
+        </p:nvSpPr>
+        <p:spPr/>
+        <p:txBody>
+          <a:bodyPr/>
+          <a:lstStyle>
+            <a:lvl1pPr eaLnBrk="0" hangingPunct="0">
+              <a:defRPr>
+                <a:solidFill>
+                  <a:schemeClr val="tx1"/>
+                </a:solidFill>
+                <a:latin typeface="Arial" charset="0"/>
+                <a:ea typeface="ＭＳ Ｐゴシック" charset="0"/>
+                <a:cs typeface="Arial" charset="0"/>
+              </a:defRPr>
+            </a:lvl1pPr>
+            <a:lvl2pPr marL="742950" indent="-285750" eaLnBrk="0" hangingPunct="0">
+              <a:defRPr>
+                <a:solidFill>
+                  <a:schemeClr val="tx1"/>
+                </a:solidFill>
+                <a:latin typeface="Arial" charset="0"/>
+                <a:ea typeface="Arial" charset="0"/>
+                <a:cs typeface="Arial" charset="0"/>
+              </a:defRPr>
+            </a:lvl2pPr>
+            <a:lvl3pPr marL="1143000" indent="-228600" eaLnBrk="0" hangingPunct="0">
+              <a:defRPr>
+                <a:solidFill>
+                  <a:schemeClr val="tx1"/>
+                </a:solidFill>
+                <a:latin typeface="Arial" charset="0"/>
+                <a:ea typeface="Arial" charset="0"/>
+                <a:cs typeface="Arial" charset="0"/>
+              </a:defRPr>
+            </a:lvl3pPr>
+            <a:lvl4pPr marL="1600200" indent="-228600" eaLnBrk="0" hangingPunct="0">
+              <a:defRPr>
+                <a:solidFill>
+                  <a:schemeClr val="tx1"/>
+                </a:solidFill>
+                <a:latin typeface="Arial" charset="0"/>
+                <a:ea typeface="Arial" charset="0"/>
+                <a:cs typeface="Arial" charset="0"/>
+              </a:defRPr>
+            </a:lvl4pPr>
+            <a:lvl5pPr marL="2057400" indent="-228600" eaLnBrk="0" hangingPunct="0">
+              <a:defRPr>
+                <a:solidFill>
+                  <a:schemeClr val="tx1"/>
+                </a:solidFill>
+                <a:latin typeface="Arial" charset="0"/>
+                <a:ea typeface="Arial" charset="0"/>
+                <a:cs typeface="Arial" charset="0"/>
+              </a:defRPr>
+            </a:lvl5pPr>
+            <a:lvl6pPr marL="2514600" indent="-228600" eaLnBrk="0" fontAlgn="base" hangingPunct="0">
+              <a:spcBef>
+                <a:spcPct val="0"/>
+              </a:spcBef>
+              <a:spcAft>
+                <a:spcPct val="0"/>
+              </a:spcAft>
+              <a:defRPr>
+                <a:solidFill>
+                  <a:schemeClr val="tx1"/>
+                </a:solidFill>
+                <a:latin typeface="Arial" charset="0"/>
+                <a:ea typeface="Arial" charset="0"/>
+                <a:cs typeface="Arial" charset="0"/>
+              </a:defRPr>
+            </a:lvl6pPr>
+            <a:lvl7pPr marL="2971800" indent="-228600" eaLnBrk="0" fontAlgn="base" hangingPunct="0">
+              <a:spcBef>
+                <a:spcPct val="0"/>
+              </a:spcBef>
+              <a:spcAft>
+                <a:spcPct val="0"/>
+              </a:spcAft>
+              <a:defRPr>
+                <a:solidFill>
+                  <a:schemeClr val="tx1"/>
+                </a:solidFill>
+                <a:latin typeface="Arial" charset="0"/>
+                <a:ea typeface="Arial" charset="0"/>
+                <a:cs typeface="Arial" charset="0"/>
+              </a:defRPr>
+            </a:lvl7pPr>
+            <a:lvl8pPr marL="3429000" indent="-228600" eaLnBrk="0" fontAlgn="base" hangingPunct="0">
+              <a:spcBef>
+                <a:spcPct val="0"/>
+              </a:spcBef>
+              <a:spcAft>
+                <a:spcPct val="0"/>
+              </a:spcAft>
+              <a:defRPr>
+                <a:solidFill>
+                  <a:schemeClr val="tx1"/>
+                </a:solidFill>
+                <a:latin typeface="Arial" charset="0"/>
+                <a:ea typeface="Arial" charset="0"/>
+                <a:cs typeface="Arial" charset="0"/>
+              </a:defRPr>
+            </a:lvl8pPr>
+            <a:lvl9pPr marL="3886200" indent="-228600" eaLnBrk="0" fontAlgn="base" hangingPunct="0">
+              <a:spcBef>
+                <a:spcPct val="0"/>
+              </a:spcBef>
+              <a:spcAft>
+                <a:spcPct val="0"/>
+              </a:spcAft>
+              <a:defRPr>
+                <a:solidFill>
+                  <a:schemeClr val="tx1"/>
+                </a:solidFill>
+                <a:latin typeface="Arial" charset="0"/>
+                <a:ea typeface="Arial" charset="0"/>
+                <a:cs typeface="Arial" charset="0"/>
+              </a:defRPr>
+            </a:lvl9pPr>
+          </a:lstStyle>
+          <a:p>
+            <a:pPr eaLnBrk="1" hangingPunct="1"/>
             <a:fld id="{9BA0A1B4-D6DD-9545-A69D-353FF716356D}" type="slidenum">
               <a:rPr lang="en-US">
                 <a:latin typeface="Garamond" charset="0"/>
               </a:rPr>
               <a:pPr eaLnBrk="1" hangingPunct="1"/>
-              <a:t>15</a:t>
+              <a:t>16</a:t>
             </a:fld>
             <a:endParaRPr lang="en-US">
               <a:latin typeface="Garamond" charset="0"/>
@@ -13382,13 +14103,7 @@
               <a:rPr lang="en-US" dirty="0" smtClean="0">
                 <a:latin typeface="Arial" charset="0"/>
               </a:rPr>
-              <a:t>due </a:t>
-            </a:r>
-            <a:r>
-              <a:rPr lang="en-US" dirty="0" smtClean="0">
-                <a:latin typeface="Arial" charset="0"/>
-              </a:rPr>
-              <a:t>2/5</a:t>
+              <a:t>due 2/5</a:t>
             </a:r>
             <a:endParaRPr lang="en-US" dirty="0">
               <a:latin typeface="Arial" charset="0"/>
@@ -13605,7 +14320,7 @@
                 <a:latin typeface="Garamond" charset="0"/>
               </a:rPr>
               <a:pPr eaLnBrk="1" hangingPunct="1"/>
-              <a:t>1/27/16</a:t>
+              <a:t>1/29/16</a:t>
             </a:fld>
             <a:endParaRPr lang="en-US">
               <a:latin typeface="Garamond" charset="0"/>
@@ -15175,7 +15890,7 @@
                 <a:latin typeface="Garamond" charset="0"/>
               </a:rPr>
               <a:pPr eaLnBrk="1" hangingPunct="1"/>
-              <a:t>1/27/16</a:t>
+              <a:t>1/29/16</a:t>
             </a:fld>
             <a:endParaRPr lang="en-US">
               <a:latin typeface="Garamond" charset="0"/>
@@ -15662,7 +16377,7 @@
                 <a:latin typeface="Garamond" charset="0"/>
               </a:rPr>
               <a:pPr eaLnBrk="1" hangingPunct="1"/>
-              <a:t>1/27/16</a:t>
+              <a:t>1/29/16</a:t>
             </a:fld>
             <a:endParaRPr lang="en-US">
               <a:latin typeface="Garamond" charset="0"/>
@@ -15873,153 +16588,9 @@
       </p:grpSpPr>
       <p:sp>
         <p:nvSpPr>
-          <p:cNvPr id="4" name="Slide Number Placeholder 5"/>
+          <p:cNvPr id="2" name="Title 1"/>
           <p:cNvSpPr>
             <a:spLocks noGrp="1"/>
-          </p:cNvSpPr>
-          <p:nvPr>
-            <p:ph type="sldNum" sz="quarter" idx="12"/>
-          </p:nvPr>
-        </p:nvSpPr>
-        <p:spPr/>
-        <p:txBody>
-          <a:bodyPr/>
-          <a:lstStyle>
-            <a:lvl1pPr eaLnBrk="0" hangingPunct="0">
-              <a:defRPr>
-                <a:solidFill>
-                  <a:schemeClr val="tx1"/>
-                </a:solidFill>
-                <a:latin typeface="Arial" charset="0"/>
-                <a:ea typeface="ＭＳ Ｐゴシック" charset="0"/>
-                <a:cs typeface="Arial" charset="0"/>
-              </a:defRPr>
-            </a:lvl1pPr>
-            <a:lvl2pPr marL="742950" indent="-285750" eaLnBrk="0" hangingPunct="0">
-              <a:defRPr>
-                <a:solidFill>
-                  <a:schemeClr val="tx1"/>
-                </a:solidFill>
-                <a:latin typeface="Arial" charset="0"/>
-                <a:ea typeface="Arial" charset="0"/>
-                <a:cs typeface="Arial" charset="0"/>
-              </a:defRPr>
-            </a:lvl2pPr>
-            <a:lvl3pPr marL="1143000" indent="-228600" eaLnBrk="0" hangingPunct="0">
-              <a:defRPr>
-                <a:solidFill>
-                  <a:schemeClr val="tx1"/>
-                </a:solidFill>
-                <a:latin typeface="Arial" charset="0"/>
-                <a:ea typeface="Arial" charset="0"/>
-                <a:cs typeface="Arial" charset="0"/>
-              </a:defRPr>
-            </a:lvl3pPr>
-            <a:lvl4pPr marL="1600200" indent="-228600" eaLnBrk="0" hangingPunct="0">
-              <a:defRPr>
-                <a:solidFill>
-                  <a:schemeClr val="tx1"/>
-                </a:solidFill>
-                <a:latin typeface="Arial" charset="0"/>
-                <a:ea typeface="Arial" charset="0"/>
-                <a:cs typeface="Arial" charset="0"/>
-              </a:defRPr>
-            </a:lvl4pPr>
-            <a:lvl5pPr marL="2057400" indent="-228600" eaLnBrk="0" hangingPunct="0">
-              <a:defRPr>
-                <a:solidFill>
-                  <a:schemeClr val="tx1"/>
-                </a:solidFill>
-                <a:latin typeface="Arial" charset="0"/>
-                <a:ea typeface="Arial" charset="0"/>
-                <a:cs typeface="Arial" charset="0"/>
-              </a:defRPr>
-            </a:lvl5pPr>
-            <a:lvl6pPr marL="2514600" indent="-228600" eaLnBrk="0" fontAlgn="base" hangingPunct="0">
-              <a:spcBef>
-                <a:spcPct val="0"/>
-              </a:spcBef>
-              <a:spcAft>
-                <a:spcPct val="0"/>
-              </a:spcAft>
-              <a:defRPr>
-                <a:solidFill>
-                  <a:schemeClr val="tx1"/>
-                </a:solidFill>
-                <a:latin typeface="Arial" charset="0"/>
-                <a:ea typeface="Arial" charset="0"/>
-                <a:cs typeface="Arial" charset="0"/>
-              </a:defRPr>
-            </a:lvl6pPr>
-            <a:lvl7pPr marL="2971800" indent="-228600" eaLnBrk="0" fontAlgn="base" hangingPunct="0">
-              <a:spcBef>
-                <a:spcPct val="0"/>
-              </a:spcBef>
-              <a:spcAft>
-                <a:spcPct val="0"/>
-              </a:spcAft>
-              <a:defRPr>
-                <a:solidFill>
-                  <a:schemeClr val="tx1"/>
-                </a:solidFill>
-                <a:latin typeface="Arial" charset="0"/>
-                <a:ea typeface="Arial" charset="0"/>
-                <a:cs typeface="Arial" charset="0"/>
-              </a:defRPr>
-            </a:lvl7pPr>
-            <a:lvl8pPr marL="3429000" indent="-228600" eaLnBrk="0" fontAlgn="base" hangingPunct="0">
-              <a:spcBef>
-                <a:spcPct val="0"/>
-              </a:spcBef>
-              <a:spcAft>
-                <a:spcPct val="0"/>
-              </a:spcAft>
-              <a:defRPr>
-                <a:solidFill>
-                  <a:schemeClr val="tx1"/>
-                </a:solidFill>
-                <a:latin typeface="Arial" charset="0"/>
-                <a:ea typeface="Arial" charset="0"/>
-                <a:cs typeface="Arial" charset="0"/>
-              </a:defRPr>
-            </a:lvl8pPr>
-            <a:lvl9pPr marL="3886200" indent="-228600" eaLnBrk="0" fontAlgn="base" hangingPunct="0">
-              <a:spcBef>
-                <a:spcPct val="0"/>
-              </a:spcBef>
-              <a:spcAft>
-                <a:spcPct val="0"/>
-              </a:spcAft>
-              <a:defRPr>
-                <a:solidFill>
-                  <a:schemeClr val="tx1"/>
-                </a:solidFill>
-                <a:latin typeface="Arial" charset="0"/>
-                <a:ea typeface="Arial" charset="0"/>
-                <a:cs typeface="Arial" charset="0"/>
-              </a:defRPr>
-            </a:lvl9pPr>
-          </a:lstStyle>
-          <a:p>
-            <a:pPr eaLnBrk="1" hangingPunct="1"/>
-            <a:fld id="{186361E0-8C4A-424C-A1D1-5B8180174FCF}" type="slidenum">
-              <a:rPr lang="en-US">
-                <a:latin typeface="Garamond" charset="0"/>
-              </a:rPr>
-              <a:pPr eaLnBrk="1" hangingPunct="1"/>
-              <a:t>5</a:t>
-            </a:fld>
-            <a:endParaRPr lang="en-US">
-              <a:latin typeface="Garamond" charset="0"/>
-            </a:endParaRPr>
-          </a:p>
-        </p:txBody>
-      </p:sp>
-      <p:sp>
-        <p:nvSpPr>
-          <p:cNvPr id="17411" name="Rectangle 2"/>
-          <p:cNvSpPr>
-            <a:spLocks noGrp="1" noChangeArrowheads="1"/>
           </p:cNvSpPr>
           <p:nvPr>
             <p:ph type="title"/>
@@ -16031,464 +16602,193 @@
           <a:lstStyle/>
           <a:p>
             <a:r>
-              <a:rPr lang="en-US">
-                <a:latin typeface="Garamond" charset="0"/>
-              </a:rPr>
-              <a:t>scanf() function</a:t>
-            </a:r>
+              <a:rPr lang="en-US" dirty="0" err="1" smtClean="0"/>
+              <a:t>printf</a:t>
+            </a:r>
+            <a:r>
+              <a:rPr lang="en-US" dirty="0" smtClean="0"/>
+              <a:t>() and %g</a:t>
+            </a:r>
+            <a:endParaRPr lang="en-US" dirty="0"/>
           </a:p>
         </p:txBody>
       </p:sp>
       <p:sp>
         <p:nvSpPr>
-          <p:cNvPr id="30724" name="Rectangle 22"/>
+          <p:cNvPr id="3" name="Content Placeholder 2"/>
           <p:cNvSpPr>
-            <a:spLocks noGrp="1" noChangeArrowheads="1"/>
+            <a:spLocks noGrp="1"/>
           </p:cNvSpPr>
           <p:nvPr>
-            <p:ph type="body" idx="1"/>
+            <p:ph idx="1"/>
           </p:nvPr>
         </p:nvSpPr>
         <p:spPr/>
         <p:txBody>
           <a:bodyPr>
-            <a:normAutofit/>
+            <a:normAutofit fontScale="85000" lnSpcReduction="10000"/>
           </a:bodyPr>
           <a:lstStyle/>
           <a:p>
-            <a:pPr>
-              <a:lnSpc>
-                <a:spcPct val="80000"/>
-              </a:lnSpc>
-            </a:pPr>
-            <a:r>
-              <a:rPr lang="en-US" sz="2800">
-                <a:latin typeface="Arial" charset="0"/>
-              </a:rPr>
-              <a:t>Used to get input from user</a:t>
-            </a:r>
-          </a:p>
-          <a:p>
-            <a:pPr>
-              <a:lnSpc>
-                <a:spcPct val="80000"/>
-              </a:lnSpc>
-            </a:pPr>
-            <a:r>
-              <a:rPr lang="en-US" sz="2800">
-                <a:latin typeface="Arial" charset="0"/>
-              </a:rPr>
-              <a:t>Returns number of items successfully assigned</a:t>
-            </a:r>
-          </a:p>
-          <a:p>
-            <a:pPr>
-              <a:lnSpc>
-                <a:spcPct val="80000"/>
-              </a:lnSpc>
-            </a:pPr>
-            <a:r>
-              <a:rPr lang="en-US" sz="2800">
-                <a:latin typeface="Arial" charset="0"/>
-              </a:rPr>
-              <a:t>First argument is format specifiers</a:t>
-            </a:r>
-          </a:p>
-          <a:p>
-            <a:pPr lvl="1">
-              <a:lnSpc>
-                <a:spcPct val="80000"/>
-              </a:lnSpc>
-            </a:pPr>
-            <a:r>
-              <a:rPr lang="en-US" sz="2400">
-                <a:latin typeface="Arial" charset="0"/>
-              </a:rPr>
-              <a:t>Essentially same as </a:t>
-            </a:r>
-            <a:r>
-              <a:rPr lang="en-US" sz="2400">
-                <a:latin typeface="Courier New" charset="0"/>
-                <a:cs typeface="Courier New" charset="0"/>
-              </a:rPr>
-              <a:t>printf()</a:t>
-            </a:r>
-            <a:r>
-              <a:rPr lang="en-US" sz="2400">
-                <a:latin typeface="Arial" charset="0"/>
-              </a:rPr>
-              <a:t> format string</a:t>
-            </a:r>
-          </a:p>
-          <a:p>
-            <a:pPr lvl="1">
-              <a:lnSpc>
-                <a:spcPct val="80000"/>
-              </a:lnSpc>
-            </a:pPr>
-            <a:r>
-              <a:rPr lang="en-US" sz="2400">
-                <a:latin typeface="Arial" charset="0"/>
-              </a:rPr>
-              <a:t>Every format specifier (</a:t>
-            </a:r>
-            <a:r>
-              <a:rPr lang="en-US" sz="2400">
-                <a:latin typeface="Courier New" charset="0"/>
-                <a:cs typeface="Courier New" charset="0"/>
-              </a:rPr>
-              <a:t>%d</a:t>
-            </a:r>
-            <a:r>
-              <a:rPr lang="en-US" sz="2400">
-                <a:latin typeface="Arial" charset="0"/>
-              </a:rPr>
-              <a:t>, </a:t>
-            </a:r>
-            <a:r>
-              <a:rPr lang="en-US" sz="2400">
-                <a:latin typeface="Courier New" charset="0"/>
-                <a:cs typeface="Courier New" charset="0"/>
-              </a:rPr>
-              <a:t>%lf</a:t>
-            </a:r>
-            <a:r>
-              <a:rPr lang="en-US" sz="2400">
-                <a:latin typeface="Arial" charset="0"/>
-              </a:rPr>
-              <a:t>, etc.) corresponds to an input value to be read</a:t>
-            </a:r>
-          </a:p>
-          <a:p>
-            <a:pPr lvl="1">
-              <a:lnSpc>
-                <a:spcPct val="80000"/>
-              </a:lnSpc>
-            </a:pPr>
-            <a:r>
-              <a:rPr lang="en-US" sz="2400">
-                <a:latin typeface="Arial" charset="0"/>
-              </a:rPr>
-              <a:t>Format string can contain other characters, which will be ignored if they are present</a:t>
-            </a:r>
-          </a:p>
-          <a:p>
-            <a:pPr lvl="2">
-              <a:lnSpc>
-                <a:spcPct val="80000"/>
-              </a:lnSpc>
-            </a:pPr>
-            <a:r>
-              <a:rPr lang="en-US" sz="2000">
-                <a:latin typeface="Arial" charset="0"/>
-              </a:rPr>
-              <a:t>If they</a:t>
-            </a:r>
-            <a:r>
-              <a:rPr lang="ja-JP" altLang="en-US" sz="2000">
-                <a:latin typeface="Arial" charset="0"/>
-              </a:rPr>
-              <a:t>’</a:t>
-            </a:r>
-            <a:r>
-              <a:rPr lang="en-US" sz="2000">
-                <a:latin typeface="Arial" charset="0"/>
-              </a:rPr>
-              <a:t>re not, you have a problem …</a:t>
-            </a:r>
-          </a:p>
-          <a:p>
-            <a:pPr>
-              <a:lnSpc>
-                <a:spcPct val="80000"/>
-              </a:lnSpc>
-            </a:pPr>
-            <a:r>
-              <a:rPr lang="en-US" sz="2800">
-                <a:latin typeface="Arial" charset="0"/>
-              </a:rPr>
-              <a:t>Remaining arguments are variable </a:t>
-            </a:r>
-            <a:r>
-              <a:rPr lang="en-US" sz="2800">
-                <a:solidFill>
-                  <a:srgbClr val="0000FF"/>
-                </a:solidFill>
-                <a:latin typeface="Arial" charset="0"/>
-              </a:rPr>
-              <a:t>addresses</a:t>
-            </a:r>
-          </a:p>
-          <a:p>
-            <a:pPr lvl="1">
-              <a:lnSpc>
-                <a:spcPct val="80000"/>
-              </a:lnSpc>
-            </a:pPr>
-            <a:r>
-              <a:rPr lang="en-US" sz="2400">
-                <a:latin typeface="Arial" charset="0"/>
-              </a:rPr>
-              <a:t>Use </a:t>
-            </a:r>
-            <a:r>
-              <a:rPr lang="ja-JP" altLang="en-US" sz="2400">
-                <a:latin typeface="Arial" charset="0"/>
-              </a:rPr>
-              <a:t>“</a:t>
-            </a:r>
-            <a:r>
-              <a:rPr lang="en-US" sz="2400">
-                <a:latin typeface="Arial" charset="0"/>
-              </a:rPr>
-              <a:t>address of</a:t>
-            </a:r>
-            <a:r>
-              <a:rPr lang="ja-JP" altLang="en-US" sz="2400">
-                <a:latin typeface="Arial" charset="0"/>
-              </a:rPr>
-              <a:t>”</a:t>
-            </a:r>
-            <a:r>
-              <a:rPr lang="en-US" sz="2400">
-                <a:latin typeface="Arial" charset="0"/>
-              </a:rPr>
-              <a:t> operator: </a:t>
-            </a:r>
-            <a:r>
-              <a:rPr lang="en-US" sz="2400" b="1">
-                <a:solidFill>
-                  <a:srgbClr val="FF0000"/>
-                </a:solidFill>
-                <a:latin typeface="Courier New" charset="0"/>
-                <a:cs typeface="Courier New" charset="0"/>
-              </a:rPr>
-              <a:t>&amp;</a:t>
-            </a:r>
-          </a:p>
-          <a:p>
-            <a:pPr lvl="1">
-              <a:lnSpc>
-                <a:spcPct val="80000"/>
-              </a:lnSpc>
-            </a:pPr>
-            <a:r>
-              <a:rPr lang="en-US" sz="2400">
-                <a:latin typeface="Arial" charset="0"/>
-              </a:rPr>
-              <a:t>For example, given: </a:t>
-            </a:r>
-            <a:r>
-              <a:rPr lang="en-US" sz="2400">
-                <a:latin typeface="Courier New" charset="0"/>
-                <a:cs typeface="Courier New" charset="0"/>
-              </a:rPr>
-              <a:t>int a;</a:t>
-            </a:r>
-          </a:p>
-          <a:p>
-            <a:pPr lvl="1">
-              <a:lnSpc>
-                <a:spcPct val="80000"/>
-              </a:lnSpc>
-              <a:buFont typeface="Wingdings" charset="0"/>
+            <a:r>
+              <a:rPr lang="en-US" dirty="0" smtClean="0">
+                <a:latin typeface="Courier New"/>
+                <a:cs typeface="Courier New"/>
+              </a:rPr>
+              <a:t>%g</a:t>
+            </a:r>
+            <a:r>
+              <a:rPr lang="en-US" dirty="0" smtClean="0"/>
+              <a:t> provides a way printing double values without trailing 0s … most of the time</a:t>
+            </a:r>
+          </a:p>
+          <a:p>
+            <a:r>
+              <a:rPr lang="en-US" dirty="0" smtClean="0"/>
+              <a:t>Precision for </a:t>
+            </a:r>
+            <a:r>
+              <a:rPr lang="en-US" dirty="0" smtClean="0">
+                <a:latin typeface="Courier New"/>
+                <a:cs typeface="Courier New"/>
+              </a:rPr>
+              <a:t>%g</a:t>
+            </a:r>
+            <a:r>
+              <a:rPr lang="en-US" dirty="0" smtClean="0"/>
+              <a:t> = # significant figures (default 6)</a:t>
+            </a:r>
+          </a:p>
+          <a:p>
+            <a:pPr lvl="1"/>
+            <a:r>
+              <a:rPr lang="en-US" dirty="0" smtClean="0"/>
+              <a:t>Includes both whole and fractional part of number</a:t>
+            </a:r>
+          </a:p>
+          <a:p>
+            <a:pPr lvl="1"/>
+            <a:r>
+              <a:rPr lang="en-US" dirty="0" smtClean="0"/>
+              <a:t>Precision &gt; # actual significant figures </a:t>
+            </a:r>
+            <a:r>
+              <a:rPr lang="en-US" dirty="0" smtClean="0">
+                <a:sym typeface="Wingdings"/>
+              </a:rPr>
+              <a:t> </a:t>
+            </a:r>
+            <a:r>
+              <a:rPr lang="en-US" dirty="0" smtClean="0"/>
+              <a:t>no trailing 0s printed</a:t>
+            </a:r>
+          </a:p>
+          <a:p>
+            <a:pPr lvl="1"/>
+            <a:r>
+              <a:rPr lang="en-US" dirty="0" smtClean="0"/>
+              <a:t>Precision &lt; # actual significant figures </a:t>
+            </a:r>
+            <a:r>
+              <a:rPr lang="en-US" dirty="0" smtClean="0">
+                <a:sym typeface="Wingdings"/>
+              </a:rPr>
+              <a:t> </a:t>
+            </a:r>
+            <a:r>
+              <a:rPr lang="en-US" dirty="0" smtClean="0"/>
+              <a:t>result rounds</a:t>
+            </a:r>
+          </a:p>
+          <a:p>
+            <a:pPr lvl="1"/>
+            <a:r>
+              <a:rPr lang="en-US" dirty="0"/>
+              <a:t>P</a:t>
+            </a:r>
+            <a:r>
+              <a:rPr lang="en-US" dirty="0" smtClean="0"/>
+              <a:t>recision &lt; # significant figures in whole part </a:t>
+            </a:r>
+            <a:r>
+              <a:rPr lang="en-US" dirty="0" smtClean="0">
+                <a:sym typeface="Wingdings"/>
+              </a:rPr>
+              <a:t> output in scientific notation</a:t>
+            </a:r>
+            <a:endParaRPr lang="en-US" dirty="0" smtClean="0"/>
+          </a:p>
+          <a:p>
+            <a:pPr lvl="1"/>
+            <a:r>
+              <a:rPr lang="en-US" dirty="0" smtClean="0"/>
+              <a:t>Therefore, given </a:t>
+            </a:r>
+            <a:r>
+              <a:rPr lang="en-US" b="1" dirty="0" smtClean="0">
+                <a:latin typeface="Courier New"/>
+                <a:cs typeface="Courier New"/>
+              </a:rPr>
+              <a:t>double x = 123456.789;</a:t>
+            </a:r>
+          </a:p>
+          <a:p>
+            <a:pPr marL="344487" lvl="1" indent="0">
               <a:buNone/>
             </a:pPr>
             <a:r>
-              <a:rPr lang="en-US" sz="2400">
-                <a:latin typeface="Arial" charset="0"/>
-                <a:sym typeface="Wingdings" charset="0"/>
-              </a:rPr>
-              <a:t>	 The address of </a:t>
-            </a:r>
-            <a:r>
-              <a:rPr lang="en-US" sz="2400">
-                <a:latin typeface="Courier New" charset="0"/>
-                <a:cs typeface="Courier New" charset="0"/>
-                <a:sym typeface="Wingdings" charset="0"/>
-              </a:rPr>
-              <a:t>a</a:t>
-            </a:r>
-            <a:r>
-              <a:rPr lang="en-US" sz="2400">
-                <a:latin typeface="Arial" charset="0"/>
-                <a:sym typeface="Wingdings" charset="0"/>
-              </a:rPr>
-              <a:t> is: </a:t>
-            </a:r>
-            <a:r>
-              <a:rPr lang="en-US" sz="2400" b="1">
-                <a:solidFill>
-                  <a:srgbClr val="FF0000"/>
-                </a:solidFill>
-                <a:latin typeface="Courier New" charset="0"/>
-                <a:cs typeface="Courier New" charset="0"/>
-                <a:sym typeface="Wingdings" charset="0"/>
-              </a:rPr>
-              <a:t>&amp;a</a:t>
-            </a:r>
-            <a:endParaRPr lang="en-US" sz="2400" b="1">
-              <a:solidFill>
-                <a:srgbClr val="FF0000"/>
-              </a:solidFill>
-              <a:latin typeface="Courier New" charset="0"/>
-              <a:cs typeface="Courier New" charset="0"/>
+              <a:rPr lang="en-US" b="1" dirty="0" err="1" smtClean="0">
+                <a:latin typeface="Courier New"/>
+                <a:cs typeface="Courier New"/>
+              </a:rPr>
+              <a:t>printf</a:t>
+            </a:r>
+            <a:r>
+              <a:rPr lang="en-US" b="1" dirty="0" smtClean="0">
+                <a:latin typeface="Courier New"/>
+                <a:cs typeface="Courier New"/>
+              </a:rPr>
+              <a:t>("%g %.5g %.9g %.10g\n", x, x, x, x);</a:t>
+            </a:r>
+          </a:p>
+          <a:p>
+            <a:pPr marL="344487" lvl="1" indent="0">
+              <a:buNone/>
+            </a:pPr>
+            <a:r>
+              <a:rPr lang="en-US" dirty="0" smtClean="0">
+                <a:latin typeface="Arial"/>
+                <a:cs typeface="Arial"/>
+              </a:rPr>
+              <a:t>	would print</a:t>
+            </a:r>
+          </a:p>
+          <a:p>
+            <a:pPr marL="344487" lvl="1" indent="0">
+              <a:buNone/>
+            </a:pPr>
+            <a:r>
+              <a:rPr lang="en-US" b="1" smtClean="0">
+                <a:latin typeface="Courier New"/>
+                <a:cs typeface="Courier New"/>
+              </a:rPr>
+              <a:t>123457 1.2346e+05 123456.789 123456.789</a:t>
+            </a:r>
+            <a:endParaRPr lang="en-US" b="1" dirty="0">
+              <a:latin typeface="Courier New"/>
+              <a:cs typeface="Courier New"/>
             </a:endParaRPr>
           </a:p>
         </p:txBody>
       </p:sp>
       <p:sp>
         <p:nvSpPr>
-          <p:cNvPr id="2" name="Date Placeholder 1"/>
+          <p:cNvPr id="4" name="Date Placeholder 3"/>
           <p:cNvSpPr>
             <a:spLocks noGrp="1"/>
           </p:cNvSpPr>
           <p:nvPr>
-            <p:ph type="dt" sz="quarter" idx="10"/>
-          </p:nvPr>
-        </p:nvSpPr>
-        <p:spPr/>
-        <p:txBody>
-          <a:bodyPr/>
-          <a:lstStyle>
-            <a:lvl1pPr eaLnBrk="0" hangingPunct="0">
-              <a:defRPr>
-                <a:solidFill>
-                  <a:schemeClr val="tx1"/>
-                </a:solidFill>
-                <a:latin typeface="Arial" charset="0"/>
-                <a:ea typeface="ＭＳ Ｐゴシック" charset="0"/>
-                <a:cs typeface="Arial" charset="0"/>
-              </a:defRPr>
-            </a:lvl1pPr>
-            <a:lvl2pPr marL="742950" indent="-285750" eaLnBrk="0" hangingPunct="0">
-              <a:defRPr>
-                <a:solidFill>
-                  <a:schemeClr val="tx1"/>
-                </a:solidFill>
-                <a:latin typeface="Arial" charset="0"/>
-                <a:ea typeface="Arial" charset="0"/>
-                <a:cs typeface="Arial" charset="0"/>
-              </a:defRPr>
-            </a:lvl2pPr>
-            <a:lvl3pPr marL="1143000" indent="-228600" eaLnBrk="0" hangingPunct="0">
-              <a:defRPr>
-                <a:solidFill>
-                  <a:schemeClr val="tx1"/>
-                </a:solidFill>
-                <a:latin typeface="Arial" charset="0"/>
-                <a:ea typeface="Arial" charset="0"/>
-                <a:cs typeface="Arial" charset="0"/>
-              </a:defRPr>
-            </a:lvl3pPr>
-            <a:lvl4pPr marL="1600200" indent="-228600" eaLnBrk="0" hangingPunct="0">
-              <a:defRPr>
-                <a:solidFill>
-                  <a:schemeClr val="tx1"/>
-                </a:solidFill>
-                <a:latin typeface="Arial" charset="0"/>
-                <a:ea typeface="Arial" charset="0"/>
-                <a:cs typeface="Arial" charset="0"/>
-              </a:defRPr>
-            </a:lvl4pPr>
-            <a:lvl5pPr marL="2057400" indent="-228600" eaLnBrk="0" hangingPunct="0">
-              <a:defRPr>
-                <a:solidFill>
-                  <a:schemeClr val="tx1"/>
-                </a:solidFill>
-                <a:latin typeface="Arial" charset="0"/>
-                <a:ea typeface="Arial" charset="0"/>
-                <a:cs typeface="Arial" charset="0"/>
-              </a:defRPr>
-            </a:lvl5pPr>
-            <a:lvl6pPr marL="2514600" indent="-228600" eaLnBrk="0" fontAlgn="base" hangingPunct="0">
-              <a:spcBef>
-                <a:spcPct val="0"/>
-              </a:spcBef>
-              <a:spcAft>
-                <a:spcPct val="0"/>
-              </a:spcAft>
-              <a:defRPr>
-                <a:solidFill>
-                  <a:schemeClr val="tx1"/>
-                </a:solidFill>
-                <a:latin typeface="Arial" charset="0"/>
-                <a:ea typeface="Arial" charset="0"/>
-                <a:cs typeface="Arial" charset="0"/>
-              </a:defRPr>
-            </a:lvl6pPr>
-            <a:lvl7pPr marL="2971800" indent="-228600" eaLnBrk="0" fontAlgn="base" hangingPunct="0">
-              <a:spcBef>
-                <a:spcPct val="0"/>
-              </a:spcBef>
-              <a:spcAft>
-                <a:spcPct val="0"/>
-              </a:spcAft>
-              <a:defRPr>
-                <a:solidFill>
-                  <a:schemeClr val="tx1"/>
-                </a:solidFill>
-                <a:latin typeface="Arial" charset="0"/>
-                <a:ea typeface="Arial" charset="0"/>
-                <a:cs typeface="Arial" charset="0"/>
-              </a:defRPr>
-            </a:lvl7pPr>
-            <a:lvl8pPr marL="3429000" indent="-228600" eaLnBrk="0" fontAlgn="base" hangingPunct="0">
-              <a:spcBef>
-                <a:spcPct val="0"/>
-              </a:spcBef>
-              <a:spcAft>
-                <a:spcPct val="0"/>
-              </a:spcAft>
-              <a:defRPr>
-                <a:solidFill>
-                  <a:schemeClr val="tx1"/>
-                </a:solidFill>
-                <a:latin typeface="Arial" charset="0"/>
-                <a:ea typeface="Arial" charset="0"/>
-                <a:cs typeface="Arial" charset="0"/>
-              </a:defRPr>
-            </a:lvl8pPr>
-            <a:lvl9pPr marL="3886200" indent="-228600" eaLnBrk="0" fontAlgn="base" hangingPunct="0">
-              <a:spcBef>
-                <a:spcPct val="0"/>
-              </a:spcBef>
-              <a:spcAft>
-                <a:spcPct val="0"/>
-              </a:spcAft>
-              <a:defRPr>
-                <a:solidFill>
-                  <a:schemeClr val="tx1"/>
-                </a:solidFill>
-                <a:latin typeface="Arial" charset="0"/>
-                <a:ea typeface="Arial" charset="0"/>
-                <a:cs typeface="Arial" charset="0"/>
-              </a:defRPr>
-            </a:lvl9pPr>
-          </a:lstStyle>
-          <a:p>
-            <a:pPr eaLnBrk="1" hangingPunct="1"/>
-            <a:fld id="{50AF6D0D-53AC-2A4E-A66D-93CC072A0B7F}" type="datetime1">
-              <a:rPr lang="en-US">
-                <a:latin typeface="Garamond" charset="0"/>
-              </a:rPr>
-              <a:pPr eaLnBrk="1" hangingPunct="1"/>
-              <a:t>1/27/16</a:t>
-            </a:fld>
-            <a:endParaRPr lang="en-US">
-              <a:latin typeface="Garamond" charset="0"/>
-            </a:endParaRPr>
-          </a:p>
-        </p:txBody>
-      </p:sp>
-      <p:sp>
-        <p:nvSpPr>
-          <p:cNvPr id="3" name="Footer Placeholder 2"/>
-          <p:cNvSpPr>
-            <a:spLocks noGrp="1"/>
-          </p:cNvSpPr>
-          <p:nvPr>
-            <p:ph type="ftr" sz="quarter" idx="11"/>
+            <p:ph type="dt" sz="half" idx="10"/>
           </p:nvPr>
         </p:nvSpPr>
         <p:spPr/>
@@ -16496,28 +16796,75 @@
           <a:bodyPr/>
           <a:lstStyle/>
           <a:p>
+            <a:fld id="{186952C0-F7EF-5F47-B8BC-A5216A13FBDF}" type="datetime1">
+              <a:rPr lang="en-US" smtClean="0"/>
+              <a:pPr/>
+              <a:t>1/29/16</a:t>
+            </a:fld>
+            <a:endParaRPr lang="en-US"/>
+          </a:p>
+        </p:txBody>
+      </p:sp>
+      <p:sp>
+        <p:nvSpPr>
+          <p:cNvPr id="5" name="Footer Placeholder 4"/>
+          <p:cNvSpPr>
+            <a:spLocks noGrp="1"/>
+          </p:cNvSpPr>
+          <p:nvPr>
+            <p:ph type="ftr" sz="quarter" idx="11"/>
+          </p:nvPr>
+        </p:nvSpPr>
+        <p:spPr/>
+        <p:txBody>
+          <a:bodyPr/>
+          <a:lstStyle/>
+          <a:p>
             <a:pPr>
               <a:defRPr/>
             </a:pPr>
             <a:r>
-              <a:rPr lang="en-US" altLang="en-US"/>
-              <a:t>ECE Application Programming: Lecture 4</a:t>
-            </a:r>
+              <a:rPr lang="en-US" altLang="en-US" smtClean="0"/>
+              <a:t>ECE Application Programming: Lecture 5</a:t>
+            </a:r>
+            <a:endParaRPr lang="en-US" altLang="en-US"/>
           </a:p>
         </p:txBody>
       </p:sp>
+      <p:sp>
+        <p:nvSpPr>
+          <p:cNvPr id="6" name="Slide Number Placeholder 5"/>
+          <p:cNvSpPr>
+            <a:spLocks noGrp="1"/>
+          </p:cNvSpPr>
+          <p:nvPr>
+            <p:ph type="sldNum" sz="quarter" idx="12"/>
+          </p:nvPr>
+        </p:nvSpPr>
+        <p:spPr/>
+        <p:txBody>
+          <a:bodyPr/>
+          <a:lstStyle/>
+          <a:p>
+            <a:fld id="{E4208549-4249-1F49-8B72-0C122A6AC187}" type="slidenum">
+              <a:rPr lang="en-US" smtClean="0"/>
+              <a:pPr/>
+              <a:t>5</a:t>
+            </a:fld>
+            <a:endParaRPr lang="en-US"/>
+          </a:p>
+        </p:txBody>
+      </p:sp>
     </p:spTree>
+    <p:extLst>
+      <p:ext uri="{BB962C8B-B14F-4D97-AF65-F5344CB8AC3E}">
+        <p14:creationId xmlns:p14="http://schemas.microsoft.com/office/powerpoint/2010/main" val="494756401"/>
+      </p:ext>
+    </p:extLst>
   </p:cSld>
   <p:clrMapOvr>
     <a:masterClrMapping/>
   </p:clrMapOvr>
-  <p:timing>
-    <p:tnLst>
-      <p:par>
-        <p:cTn xmlns:p14="http://schemas.microsoft.com/office/powerpoint/2010/main" id="1" dur="indefinite" restart="never" nodeType="tmRoot"/>
-      </p:par>
-    </p:tnLst>
-  </p:timing>
 </p:sld>
 </file>
 
@@ -16540,176 +16887,12 @@
       </p:grpSpPr>
       <p:sp>
         <p:nvSpPr>
-          <p:cNvPr id="3" name="Content Placeholder 2"/>
+          <p:cNvPr id="4" name="Slide Number Placeholder 5"/>
           <p:cNvSpPr>
             <a:spLocks noGrp="1"/>
           </p:cNvSpPr>
           <p:nvPr>
-            <p:ph idx="1"/>
-          </p:nvPr>
-        </p:nvSpPr>
-        <p:spPr/>
-        <p:txBody>
-          <a:bodyPr/>
-          <a:lstStyle/>
-          <a:p>
-            <a:r>
-              <a:rPr lang="en-US">
-                <a:latin typeface="Arial" charset="0"/>
-              </a:rPr>
-              <a:t>Visual Studio users will see an error message when using scanf()</a:t>
-            </a:r>
-          </a:p>
-          <a:p>
-            <a:pPr lvl="1"/>
-            <a:r>
-              <a:rPr lang="en-US">
-                <a:latin typeface="Arial" charset="0"/>
-              </a:rPr>
-              <a:t>Function is technically not secure (not that it matters for our purposes)</a:t>
-            </a:r>
-          </a:p>
-          <a:p>
-            <a:pPr lvl="1"/>
-            <a:r>
-              <a:rPr lang="en-US">
-                <a:latin typeface="Arial" charset="0"/>
-              </a:rPr>
-              <a:t>Suggests use of scanf_s()</a:t>
-            </a:r>
-          </a:p>
-          <a:p>
-            <a:pPr lvl="2"/>
-            <a:r>
-              <a:rPr lang="en-US">
-                <a:latin typeface="Arial" charset="0"/>
-              </a:rPr>
-              <a:t>Windows-specific </a:t>
-            </a:r>
-            <a:r>
-              <a:rPr lang="ja-JP" altLang="en-US">
-                <a:latin typeface="Arial" charset="0"/>
-              </a:rPr>
-              <a:t>“</a:t>
-            </a:r>
-            <a:r>
-              <a:rPr lang="en-US">
-                <a:latin typeface="Arial" charset="0"/>
-              </a:rPr>
-              <a:t>secure</a:t>
-            </a:r>
-            <a:r>
-              <a:rPr lang="ja-JP" altLang="en-US">
-                <a:latin typeface="Arial" charset="0"/>
-              </a:rPr>
-              <a:t>”</a:t>
-            </a:r>
-            <a:r>
-              <a:rPr lang="en-US">
-                <a:latin typeface="Arial" charset="0"/>
-              </a:rPr>
-              <a:t> scan function</a:t>
-            </a:r>
-          </a:p>
-          <a:p>
-            <a:r>
-              <a:rPr lang="en-US">
-                <a:latin typeface="Arial" charset="0"/>
-              </a:rPr>
-              <a:t>Preferred method of removing warnings:</a:t>
-            </a:r>
-          </a:p>
-          <a:p>
-            <a:pPr lvl="1">
-              <a:buFont typeface="Wingdings" charset="0"/>
-              <a:buNone/>
-            </a:pPr>
-            <a:r>
-              <a:rPr lang="en-US" b="1">
-                <a:solidFill>
-                  <a:srgbClr val="0000FF"/>
-                </a:solidFill>
-                <a:latin typeface="Courier New" charset="0"/>
-                <a:cs typeface="Courier New" charset="0"/>
-              </a:rPr>
-              <a:t>#define </a:t>
-            </a:r>
-            <a:r>
-              <a:rPr lang="en-US" b="1">
-                <a:latin typeface="Courier New" charset="0"/>
-                <a:cs typeface="Courier New" charset="0"/>
-              </a:rPr>
-              <a:t>_CRT_SECURE_NO_WARNINGS</a:t>
-            </a:r>
-          </a:p>
-          <a:p>
-            <a:r>
-              <a:rPr lang="en-US">
-                <a:latin typeface="Arial" charset="0"/>
-              </a:rPr>
-              <a:t>That line must come before</a:t>
-            </a:r>
-          </a:p>
-          <a:p>
-            <a:pPr lvl="1">
-              <a:buFont typeface="Wingdings" charset="0"/>
-              <a:buNone/>
-            </a:pPr>
-            <a:r>
-              <a:rPr lang="en-US" b="1">
-                <a:solidFill>
-                  <a:srgbClr val="0000FF"/>
-                </a:solidFill>
-                <a:latin typeface="Courier New" charset="0"/>
-                <a:cs typeface="Courier New" charset="0"/>
-              </a:rPr>
-              <a:t>#include </a:t>
-            </a:r>
-            <a:r>
-              <a:rPr lang="en-US" b="1">
-                <a:solidFill>
-                  <a:srgbClr val="FF0000"/>
-                </a:solidFill>
-                <a:latin typeface="Courier New" charset="0"/>
-                <a:cs typeface="Courier New" charset="0"/>
-              </a:rPr>
-              <a:t>&lt;stdio.h&gt;</a:t>
-            </a:r>
-          </a:p>
-        </p:txBody>
-      </p:sp>
-      <p:sp>
-        <p:nvSpPr>
-          <p:cNvPr id="18435" name="Title 1"/>
-          <p:cNvSpPr>
-            <a:spLocks noGrp="1"/>
-          </p:cNvSpPr>
-          <p:nvPr>
-            <p:ph type="title"/>
-          </p:nvPr>
-        </p:nvSpPr>
-        <p:spPr/>
-        <p:txBody>
-          <a:bodyPr/>
-          <a:lstStyle/>
-          <a:p>
-            <a:r>
-              <a:rPr lang="en-US">
-                <a:latin typeface="Garamond" charset="0"/>
-              </a:rPr>
-              <a:t>scanf() and scanf_s()</a:t>
-            </a:r>
-          </a:p>
-        </p:txBody>
-      </p:sp>
-      <p:sp>
-        <p:nvSpPr>
-          <p:cNvPr id="4" name="Date Placeholder 3"/>
-          <p:cNvSpPr>
-            <a:spLocks noGrp="1"/>
-          </p:cNvSpPr>
-          <p:nvPr>
-            <p:ph type="dt" sz="quarter" idx="10"/>
+            <p:ph type="sldNum" sz="quarter" idx="12"/>
           </p:nvPr>
         </p:nvSpPr>
         <p:spPr/>
@@ -16833,177 +17016,7 @@
           </a:lstStyle>
           <a:p>
             <a:pPr eaLnBrk="1" hangingPunct="1"/>
-            <a:fld id="{060E72A5-0DAA-FA44-9001-0F223BAA31D5}" type="datetime1">
-              <a:rPr lang="en-US">
-                <a:latin typeface="Garamond" charset="0"/>
-              </a:rPr>
-              <a:pPr eaLnBrk="1" hangingPunct="1"/>
-              <a:t>1/27/16</a:t>
-            </a:fld>
-            <a:endParaRPr lang="en-US">
-              <a:latin typeface="Garamond" charset="0"/>
-            </a:endParaRPr>
-          </a:p>
-        </p:txBody>
-      </p:sp>
-      <p:sp>
-        <p:nvSpPr>
-          <p:cNvPr id="5" name="Footer Placeholder 4"/>
-          <p:cNvSpPr>
-            <a:spLocks noGrp="1"/>
-          </p:cNvSpPr>
-          <p:nvPr>
-            <p:ph type="ftr" sz="quarter" idx="11"/>
-          </p:nvPr>
-        </p:nvSpPr>
-        <p:spPr/>
-        <p:txBody>
-          <a:bodyPr/>
-          <a:lstStyle/>
-          <a:p>
-            <a:pPr>
-              <a:defRPr/>
-            </a:pPr>
-            <a:r>
-              <a:rPr lang="en-US" altLang="en-US" smtClean="0"/>
-              <a:t>ECE Application Programming: Lecture 4</a:t>
-            </a:r>
-            <a:endParaRPr lang="en-US" altLang="en-US"/>
-          </a:p>
-        </p:txBody>
-      </p:sp>
-      <p:sp>
-        <p:nvSpPr>
-          <p:cNvPr id="6" name="Slide Number Placeholder 5"/>
-          <p:cNvSpPr>
-            <a:spLocks noGrp="1"/>
-          </p:cNvSpPr>
-          <p:nvPr>
-            <p:ph type="sldNum" sz="quarter" idx="12"/>
-          </p:nvPr>
-        </p:nvSpPr>
-        <p:spPr/>
-        <p:txBody>
-          <a:bodyPr/>
-          <a:lstStyle>
-            <a:lvl1pPr eaLnBrk="0" hangingPunct="0">
-              <a:defRPr>
-                <a:solidFill>
-                  <a:schemeClr val="tx1"/>
-                </a:solidFill>
-                <a:latin typeface="Arial" charset="0"/>
-                <a:ea typeface="ＭＳ Ｐゴシック" charset="0"/>
-                <a:cs typeface="Arial" charset="0"/>
-              </a:defRPr>
-            </a:lvl1pPr>
-            <a:lvl2pPr marL="742950" indent="-285750" eaLnBrk="0" hangingPunct="0">
-              <a:defRPr>
-                <a:solidFill>
-                  <a:schemeClr val="tx1"/>
-                </a:solidFill>
-                <a:latin typeface="Arial" charset="0"/>
-                <a:ea typeface="Arial" charset="0"/>
-                <a:cs typeface="Arial" charset="0"/>
-              </a:defRPr>
-            </a:lvl2pPr>
-            <a:lvl3pPr marL="1143000" indent="-228600" eaLnBrk="0" hangingPunct="0">
-              <a:defRPr>
-                <a:solidFill>
-                  <a:schemeClr val="tx1"/>
-                </a:solidFill>
-                <a:latin typeface="Arial" charset="0"/>
-                <a:ea typeface="Arial" charset="0"/>
-                <a:cs typeface="Arial" charset="0"/>
-              </a:defRPr>
-            </a:lvl3pPr>
-            <a:lvl4pPr marL="1600200" indent="-228600" eaLnBrk="0" hangingPunct="0">
-              <a:defRPr>
-                <a:solidFill>
-                  <a:schemeClr val="tx1"/>
-                </a:solidFill>
-                <a:latin typeface="Arial" charset="0"/>
-                <a:ea typeface="Arial" charset="0"/>
-                <a:cs typeface="Arial" charset="0"/>
-              </a:defRPr>
-            </a:lvl4pPr>
-            <a:lvl5pPr marL="2057400" indent="-228600" eaLnBrk="0" hangingPunct="0">
-              <a:defRPr>
-                <a:solidFill>
-                  <a:schemeClr val="tx1"/>
-                </a:solidFill>
-                <a:latin typeface="Arial" charset="0"/>
-                <a:ea typeface="Arial" charset="0"/>
-                <a:cs typeface="Arial" charset="0"/>
-              </a:defRPr>
-            </a:lvl5pPr>
-            <a:lvl6pPr marL="2514600" indent="-228600" eaLnBrk="0" fontAlgn="base" hangingPunct="0">
-              <a:spcBef>
-                <a:spcPct val="0"/>
-              </a:spcBef>
-              <a:spcAft>
-                <a:spcPct val="0"/>
-              </a:spcAft>
-              <a:defRPr>
-                <a:solidFill>
-                  <a:schemeClr val="tx1"/>
-                </a:solidFill>
-                <a:latin typeface="Arial" charset="0"/>
-                <a:ea typeface="Arial" charset="0"/>
-                <a:cs typeface="Arial" charset="0"/>
-              </a:defRPr>
-            </a:lvl6pPr>
-            <a:lvl7pPr marL="2971800" indent="-228600" eaLnBrk="0" fontAlgn="base" hangingPunct="0">
-              <a:spcBef>
-                <a:spcPct val="0"/>
-              </a:spcBef>
-              <a:spcAft>
-                <a:spcPct val="0"/>
-              </a:spcAft>
-              <a:defRPr>
-                <a:solidFill>
-                  <a:schemeClr val="tx1"/>
-                </a:solidFill>
-                <a:latin typeface="Arial" charset="0"/>
-                <a:ea typeface="Arial" charset="0"/>
-                <a:cs typeface="Arial" charset="0"/>
-              </a:defRPr>
-            </a:lvl7pPr>
-            <a:lvl8pPr marL="3429000" indent="-228600" eaLnBrk="0" fontAlgn="base" hangingPunct="0">
-              <a:spcBef>
-                <a:spcPct val="0"/>
-              </a:spcBef>
-              <a:spcAft>
-                <a:spcPct val="0"/>
-              </a:spcAft>
-              <a:defRPr>
-                <a:solidFill>
-                  <a:schemeClr val="tx1"/>
-                </a:solidFill>
-                <a:latin typeface="Arial" charset="0"/>
-                <a:ea typeface="Arial" charset="0"/>
-                <a:cs typeface="Arial" charset="0"/>
-              </a:defRPr>
-            </a:lvl8pPr>
-            <a:lvl9pPr marL="3886200" indent="-228600" eaLnBrk="0" fontAlgn="base" hangingPunct="0">
-              <a:spcBef>
-                <a:spcPct val="0"/>
-              </a:spcBef>
-              <a:spcAft>
-                <a:spcPct val="0"/>
-              </a:spcAft>
-              <a:defRPr>
-                <a:solidFill>
-                  <a:schemeClr val="tx1"/>
-                </a:solidFill>
-                <a:latin typeface="Arial" charset="0"/>
-                <a:ea typeface="Arial" charset="0"/>
-                <a:cs typeface="Arial" charset="0"/>
-              </a:defRPr>
-            </a:lvl9pPr>
-          </a:lstStyle>
-          <a:p>
-            <a:pPr eaLnBrk="1" hangingPunct="1"/>
-            <a:fld id="{6F7FFB39-6A75-984D-96DE-C2375AE4B24D}" type="slidenum">
+            <a:fld id="{186361E0-8C4A-424C-A1D1-5B8180174FCF}" type="slidenum">
               <a:rPr lang="en-US">
                 <a:latin typeface="Garamond" charset="0"/>
               </a:rPr>
@@ -17013,6 +17026,497 @@
             <a:endParaRPr lang="en-US">
               <a:latin typeface="Garamond" charset="0"/>
             </a:endParaRPr>
+          </a:p>
+        </p:txBody>
+      </p:sp>
+      <p:sp>
+        <p:nvSpPr>
+          <p:cNvPr id="17411" name="Rectangle 2"/>
+          <p:cNvSpPr>
+            <a:spLocks noGrp="1" noChangeArrowheads="1"/>
+          </p:cNvSpPr>
+          <p:nvPr>
+            <p:ph type="title"/>
+          </p:nvPr>
+        </p:nvSpPr>
+        <p:spPr/>
+        <p:txBody>
+          <a:bodyPr/>
+          <a:lstStyle/>
+          <a:p>
+            <a:r>
+              <a:rPr lang="en-US">
+                <a:latin typeface="Garamond" charset="0"/>
+              </a:rPr>
+              <a:t>scanf() function</a:t>
+            </a:r>
+          </a:p>
+        </p:txBody>
+      </p:sp>
+      <p:sp>
+        <p:nvSpPr>
+          <p:cNvPr id="30724" name="Rectangle 22"/>
+          <p:cNvSpPr>
+            <a:spLocks noGrp="1" noChangeArrowheads="1"/>
+          </p:cNvSpPr>
+          <p:nvPr>
+            <p:ph type="body" idx="1"/>
+          </p:nvPr>
+        </p:nvSpPr>
+        <p:spPr/>
+        <p:txBody>
+          <a:bodyPr>
+            <a:normAutofit/>
+          </a:bodyPr>
+          <a:lstStyle/>
+          <a:p>
+            <a:pPr>
+              <a:lnSpc>
+                <a:spcPct val="80000"/>
+              </a:lnSpc>
+            </a:pPr>
+            <a:r>
+              <a:rPr lang="en-US" sz="2800">
+                <a:latin typeface="Arial" charset="0"/>
+              </a:rPr>
+              <a:t>Used to get input from user</a:t>
+            </a:r>
+          </a:p>
+          <a:p>
+            <a:pPr>
+              <a:lnSpc>
+                <a:spcPct val="80000"/>
+              </a:lnSpc>
+            </a:pPr>
+            <a:r>
+              <a:rPr lang="en-US" sz="2800">
+                <a:latin typeface="Arial" charset="0"/>
+              </a:rPr>
+              <a:t>Returns number of items successfully assigned</a:t>
+            </a:r>
+          </a:p>
+          <a:p>
+            <a:pPr>
+              <a:lnSpc>
+                <a:spcPct val="80000"/>
+              </a:lnSpc>
+            </a:pPr>
+            <a:r>
+              <a:rPr lang="en-US" sz="2800">
+                <a:latin typeface="Arial" charset="0"/>
+              </a:rPr>
+              <a:t>First argument is format specifiers</a:t>
+            </a:r>
+          </a:p>
+          <a:p>
+            <a:pPr lvl="1">
+              <a:lnSpc>
+                <a:spcPct val="80000"/>
+              </a:lnSpc>
+            </a:pPr>
+            <a:r>
+              <a:rPr lang="en-US" sz="2400">
+                <a:latin typeface="Arial" charset="0"/>
+              </a:rPr>
+              <a:t>Essentially same as </a:t>
+            </a:r>
+            <a:r>
+              <a:rPr lang="en-US" sz="2400">
+                <a:latin typeface="Courier New" charset="0"/>
+                <a:cs typeface="Courier New" charset="0"/>
+              </a:rPr>
+              <a:t>printf()</a:t>
+            </a:r>
+            <a:r>
+              <a:rPr lang="en-US" sz="2400">
+                <a:latin typeface="Arial" charset="0"/>
+              </a:rPr>
+              <a:t> format string</a:t>
+            </a:r>
+          </a:p>
+          <a:p>
+            <a:pPr lvl="1">
+              <a:lnSpc>
+                <a:spcPct val="80000"/>
+              </a:lnSpc>
+            </a:pPr>
+            <a:r>
+              <a:rPr lang="en-US" sz="2400">
+                <a:latin typeface="Arial" charset="0"/>
+              </a:rPr>
+              <a:t>Every format specifier (</a:t>
+            </a:r>
+            <a:r>
+              <a:rPr lang="en-US" sz="2400">
+                <a:latin typeface="Courier New" charset="0"/>
+                <a:cs typeface="Courier New" charset="0"/>
+              </a:rPr>
+              <a:t>%d</a:t>
+            </a:r>
+            <a:r>
+              <a:rPr lang="en-US" sz="2400">
+                <a:latin typeface="Arial" charset="0"/>
+              </a:rPr>
+              <a:t>, </a:t>
+            </a:r>
+            <a:r>
+              <a:rPr lang="en-US" sz="2400">
+                <a:latin typeface="Courier New" charset="0"/>
+                <a:cs typeface="Courier New" charset="0"/>
+              </a:rPr>
+              <a:t>%lf</a:t>
+            </a:r>
+            <a:r>
+              <a:rPr lang="en-US" sz="2400">
+                <a:latin typeface="Arial" charset="0"/>
+              </a:rPr>
+              <a:t>, etc.) corresponds to an input value to be read</a:t>
+            </a:r>
+          </a:p>
+          <a:p>
+            <a:pPr lvl="1">
+              <a:lnSpc>
+                <a:spcPct val="80000"/>
+              </a:lnSpc>
+            </a:pPr>
+            <a:r>
+              <a:rPr lang="en-US" sz="2400">
+                <a:latin typeface="Arial" charset="0"/>
+              </a:rPr>
+              <a:t>Format string can contain other characters, which will be ignored if they are present</a:t>
+            </a:r>
+          </a:p>
+          <a:p>
+            <a:pPr lvl="2">
+              <a:lnSpc>
+                <a:spcPct val="80000"/>
+              </a:lnSpc>
+            </a:pPr>
+            <a:r>
+              <a:rPr lang="en-US" sz="2000">
+                <a:latin typeface="Arial" charset="0"/>
+              </a:rPr>
+              <a:t>If they</a:t>
+            </a:r>
+            <a:r>
+              <a:rPr lang="ja-JP" altLang="en-US" sz="2000">
+                <a:latin typeface="Arial" charset="0"/>
+              </a:rPr>
+              <a:t>’</a:t>
+            </a:r>
+            <a:r>
+              <a:rPr lang="en-US" sz="2000">
+                <a:latin typeface="Arial" charset="0"/>
+              </a:rPr>
+              <a:t>re not, you have a problem …</a:t>
+            </a:r>
+          </a:p>
+          <a:p>
+            <a:pPr>
+              <a:lnSpc>
+                <a:spcPct val="80000"/>
+              </a:lnSpc>
+            </a:pPr>
+            <a:r>
+              <a:rPr lang="en-US" sz="2800">
+                <a:latin typeface="Arial" charset="0"/>
+              </a:rPr>
+              <a:t>Remaining arguments are variable </a:t>
+            </a:r>
+            <a:r>
+              <a:rPr lang="en-US" sz="2800">
+                <a:solidFill>
+                  <a:srgbClr val="0000FF"/>
+                </a:solidFill>
+                <a:latin typeface="Arial" charset="0"/>
+              </a:rPr>
+              <a:t>addresses</a:t>
+            </a:r>
+          </a:p>
+          <a:p>
+            <a:pPr lvl="1">
+              <a:lnSpc>
+                <a:spcPct val="80000"/>
+              </a:lnSpc>
+            </a:pPr>
+            <a:r>
+              <a:rPr lang="en-US" sz="2400">
+                <a:latin typeface="Arial" charset="0"/>
+              </a:rPr>
+              <a:t>Use </a:t>
+            </a:r>
+            <a:r>
+              <a:rPr lang="ja-JP" altLang="en-US" sz="2400">
+                <a:latin typeface="Arial" charset="0"/>
+              </a:rPr>
+              <a:t>“</a:t>
+            </a:r>
+            <a:r>
+              <a:rPr lang="en-US" sz="2400">
+                <a:latin typeface="Arial" charset="0"/>
+              </a:rPr>
+              <a:t>address of</a:t>
+            </a:r>
+            <a:r>
+              <a:rPr lang="ja-JP" altLang="en-US" sz="2400">
+                <a:latin typeface="Arial" charset="0"/>
+              </a:rPr>
+              <a:t>”</a:t>
+            </a:r>
+            <a:r>
+              <a:rPr lang="en-US" sz="2400">
+                <a:latin typeface="Arial" charset="0"/>
+              </a:rPr>
+              <a:t> operator: </a:t>
+            </a:r>
+            <a:r>
+              <a:rPr lang="en-US" sz="2400" b="1">
+                <a:solidFill>
+                  <a:srgbClr val="FF0000"/>
+                </a:solidFill>
+                <a:latin typeface="Courier New" charset="0"/>
+                <a:cs typeface="Courier New" charset="0"/>
+              </a:rPr>
+              <a:t>&amp;</a:t>
+            </a:r>
+          </a:p>
+          <a:p>
+            <a:pPr lvl="1">
+              <a:lnSpc>
+                <a:spcPct val="80000"/>
+              </a:lnSpc>
+            </a:pPr>
+            <a:r>
+              <a:rPr lang="en-US" sz="2400">
+                <a:latin typeface="Arial" charset="0"/>
+              </a:rPr>
+              <a:t>For example, given: </a:t>
+            </a:r>
+            <a:r>
+              <a:rPr lang="en-US" sz="2400">
+                <a:latin typeface="Courier New" charset="0"/>
+                <a:cs typeface="Courier New" charset="0"/>
+              </a:rPr>
+              <a:t>int a;</a:t>
+            </a:r>
+          </a:p>
+          <a:p>
+            <a:pPr lvl="1">
+              <a:lnSpc>
+                <a:spcPct val="80000"/>
+              </a:lnSpc>
+              <a:buFont typeface="Wingdings" charset="0"/>
+              <a:buNone/>
+            </a:pPr>
+            <a:r>
+              <a:rPr lang="en-US" sz="2400">
+                <a:latin typeface="Arial" charset="0"/>
+                <a:sym typeface="Wingdings" charset="0"/>
+              </a:rPr>
+              <a:t>	 The address of </a:t>
+            </a:r>
+            <a:r>
+              <a:rPr lang="en-US" sz="2400">
+                <a:latin typeface="Courier New" charset="0"/>
+                <a:cs typeface="Courier New" charset="0"/>
+                <a:sym typeface="Wingdings" charset="0"/>
+              </a:rPr>
+              <a:t>a</a:t>
+            </a:r>
+            <a:r>
+              <a:rPr lang="en-US" sz="2400">
+                <a:latin typeface="Arial" charset="0"/>
+                <a:sym typeface="Wingdings" charset="0"/>
+              </a:rPr>
+              <a:t> is: </a:t>
+            </a:r>
+            <a:r>
+              <a:rPr lang="en-US" sz="2400" b="1">
+                <a:solidFill>
+                  <a:srgbClr val="FF0000"/>
+                </a:solidFill>
+                <a:latin typeface="Courier New" charset="0"/>
+                <a:cs typeface="Courier New" charset="0"/>
+                <a:sym typeface="Wingdings" charset="0"/>
+              </a:rPr>
+              <a:t>&amp;a</a:t>
+            </a:r>
+            <a:endParaRPr lang="en-US" sz="2400" b="1">
+              <a:solidFill>
+                <a:srgbClr val="FF0000"/>
+              </a:solidFill>
+              <a:latin typeface="Courier New" charset="0"/>
+              <a:cs typeface="Courier New" charset="0"/>
+            </a:endParaRPr>
+          </a:p>
+        </p:txBody>
+      </p:sp>
+      <p:sp>
+        <p:nvSpPr>
+          <p:cNvPr id="2" name="Date Placeholder 1"/>
+          <p:cNvSpPr>
+            <a:spLocks noGrp="1"/>
+          </p:cNvSpPr>
+          <p:nvPr>
+            <p:ph type="dt" sz="quarter" idx="10"/>
+          </p:nvPr>
+        </p:nvSpPr>
+        <p:spPr/>
+        <p:txBody>
+          <a:bodyPr/>
+          <a:lstStyle>
+            <a:lvl1pPr eaLnBrk="0" hangingPunct="0">
+              <a:defRPr>
+                <a:solidFill>
+                  <a:schemeClr val="tx1"/>
+                </a:solidFill>
+                <a:latin typeface="Arial" charset="0"/>
+                <a:ea typeface="ＭＳ Ｐゴシック" charset="0"/>
+                <a:cs typeface="Arial" charset="0"/>
+              </a:defRPr>
+            </a:lvl1pPr>
+            <a:lvl2pPr marL="742950" indent="-285750" eaLnBrk="0" hangingPunct="0">
+              <a:defRPr>
+                <a:solidFill>
+                  <a:schemeClr val="tx1"/>
+                </a:solidFill>
+                <a:latin typeface="Arial" charset="0"/>
+                <a:ea typeface="Arial" charset="0"/>
+                <a:cs typeface="Arial" charset="0"/>
+              </a:defRPr>
+            </a:lvl2pPr>
+            <a:lvl3pPr marL="1143000" indent="-228600" eaLnBrk="0" hangingPunct="0">
+              <a:defRPr>
+                <a:solidFill>
+                  <a:schemeClr val="tx1"/>
+                </a:solidFill>
+                <a:latin typeface="Arial" charset="0"/>
+                <a:ea typeface="Arial" charset="0"/>
+                <a:cs typeface="Arial" charset="0"/>
+              </a:defRPr>
+            </a:lvl3pPr>
+            <a:lvl4pPr marL="1600200" indent="-228600" eaLnBrk="0" hangingPunct="0">
+              <a:defRPr>
+                <a:solidFill>
+                  <a:schemeClr val="tx1"/>
+                </a:solidFill>
+                <a:latin typeface="Arial" charset="0"/>
+                <a:ea typeface="Arial" charset="0"/>
+                <a:cs typeface="Arial" charset="0"/>
+              </a:defRPr>
+            </a:lvl4pPr>
+            <a:lvl5pPr marL="2057400" indent="-228600" eaLnBrk="0" hangingPunct="0">
+              <a:defRPr>
+                <a:solidFill>
+                  <a:schemeClr val="tx1"/>
+                </a:solidFill>
+                <a:latin typeface="Arial" charset="0"/>
+                <a:ea typeface="Arial" charset="0"/>
+                <a:cs typeface="Arial" charset="0"/>
+              </a:defRPr>
+            </a:lvl5pPr>
+            <a:lvl6pPr marL="2514600" indent="-228600" eaLnBrk="0" fontAlgn="base" hangingPunct="0">
+              <a:spcBef>
+                <a:spcPct val="0"/>
+              </a:spcBef>
+              <a:spcAft>
+                <a:spcPct val="0"/>
+              </a:spcAft>
+              <a:defRPr>
+                <a:solidFill>
+                  <a:schemeClr val="tx1"/>
+                </a:solidFill>
+                <a:latin typeface="Arial" charset="0"/>
+                <a:ea typeface="Arial" charset="0"/>
+                <a:cs typeface="Arial" charset="0"/>
+              </a:defRPr>
+            </a:lvl6pPr>
+            <a:lvl7pPr marL="2971800" indent="-228600" eaLnBrk="0" fontAlgn="base" hangingPunct="0">
+              <a:spcBef>
+                <a:spcPct val="0"/>
+              </a:spcBef>
+              <a:spcAft>
+                <a:spcPct val="0"/>
+              </a:spcAft>
+              <a:defRPr>
+                <a:solidFill>
+                  <a:schemeClr val="tx1"/>
+                </a:solidFill>
+                <a:latin typeface="Arial" charset="0"/>
+                <a:ea typeface="Arial" charset="0"/>
+                <a:cs typeface="Arial" charset="0"/>
+              </a:defRPr>
+            </a:lvl7pPr>
+            <a:lvl8pPr marL="3429000" indent="-228600" eaLnBrk="0" fontAlgn="base" hangingPunct="0">
+              <a:spcBef>
+                <a:spcPct val="0"/>
+              </a:spcBef>
+              <a:spcAft>
+                <a:spcPct val="0"/>
+              </a:spcAft>
+              <a:defRPr>
+                <a:solidFill>
+                  <a:schemeClr val="tx1"/>
+                </a:solidFill>
+                <a:latin typeface="Arial" charset="0"/>
+                <a:ea typeface="Arial" charset="0"/>
+                <a:cs typeface="Arial" charset="0"/>
+              </a:defRPr>
+            </a:lvl8pPr>
+            <a:lvl9pPr marL="3886200" indent="-228600" eaLnBrk="0" fontAlgn="base" hangingPunct="0">
+              <a:spcBef>
+                <a:spcPct val="0"/>
+              </a:spcBef>
+              <a:spcAft>
+                <a:spcPct val="0"/>
+              </a:spcAft>
+              <a:defRPr>
+                <a:solidFill>
+                  <a:schemeClr val="tx1"/>
+                </a:solidFill>
+                <a:latin typeface="Arial" charset="0"/>
+                <a:ea typeface="Arial" charset="0"/>
+                <a:cs typeface="Arial" charset="0"/>
+              </a:defRPr>
+            </a:lvl9pPr>
+          </a:lstStyle>
+          <a:p>
+            <a:pPr eaLnBrk="1" hangingPunct="1"/>
+            <a:fld id="{50AF6D0D-53AC-2A4E-A66D-93CC072A0B7F}" type="datetime1">
+              <a:rPr lang="en-US">
+                <a:latin typeface="Garamond" charset="0"/>
+              </a:rPr>
+              <a:pPr eaLnBrk="1" hangingPunct="1"/>
+              <a:t>1/29/16</a:t>
+            </a:fld>
+            <a:endParaRPr lang="en-US">
+              <a:latin typeface="Garamond" charset="0"/>
+            </a:endParaRPr>
+          </a:p>
+        </p:txBody>
+      </p:sp>
+      <p:sp>
+        <p:nvSpPr>
+          <p:cNvPr id="3" name="Footer Placeholder 2"/>
+          <p:cNvSpPr>
+            <a:spLocks noGrp="1"/>
+          </p:cNvSpPr>
+          <p:nvPr>
+            <p:ph type="ftr" sz="quarter" idx="11"/>
+          </p:nvPr>
+        </p:nvSpPr>
+        <p:spPr/>
+        <p:txBody>
+          <a:bodyPr/>
+          <a:lstStyle/>
+          <a:p>
+            <a:pPr>
+              <a:defRPr/>
+            </a:pPr>
+            <a:r>
+              <a:rPr lang="en-US" altLang="en-US"/>
+              <a:t>ECE Application Programming: Lecture 4</a:t>
+            </a:r>
           </a:p>
         </p:txBody>
       </p:sp>
@@ -17050,12 +17554,176 @@
       </p:grpSpPr>
       <p:sp>
         <p:nvSpPr>
-          <p:cNvPr id="5" name="Slide Number Placeholder 5"/>
+          <p:cNvPr id="3" name="Content Placeholder 2"/>
           <p:cNvSpPr>
             <a:spLocks noGrp="1"/>
           </p:cNvSpPr>
           <p:nvPr>
-            <p:ph type="sldNum" sz="quarter" idx="12"/>
+            <p:ph idx="1"/>
+          </p:nvPr>
+        </p:nvSpPr>
+        <p:spPr/>
+        <p:txBody>
+          <a:bodyPr/>
+          <a:lstStyle/>
+          <a:p>
+            <a:r>
+              <a:rPr lang="en-US">
+                <a:latin typeface="Arial" charset="0"/>
+              </a:rPr>
+              <a:t>Visual Studio users will see an error message when using scanf()</a:t>
+            </a:r>
+          </a:p>
+          <a:p>
+            <a:pPr lvl="1"/>
+            <a:r>
+              <a:rPr lang="en-US">
+                <a:latin typeface="Arial" charset="0"/>
+              </a:rPr>
+              <a:t>Function is technically not secure (not that it matters for our purposes)</a:t>
+            </a:r>
+          </a:p>
+          <a:p>
+            <a:pPr lvl="1"/>
+            <a:r>
+              <a:rPr lang="en-US">
+                <a:latin typeface="Arial" charset="0"/>
+              </a:rPr>
+              <a:t>Suggests use of scanf_s()</a:t>
+            </a:r>
+          </a:p>
+          <a:p>
+            <a:pPr lvl="2"/>
+            <a:r>
+              <a:rPr lang="en-US">
+                <a:latin typeface="Arial" charset="0"/>
+              </a:rPr>
+              <a:t>Windows-specific </a:t>
+            </a:r>
+            <a:r>
+              <a:rPr lang="ja-JP" altLang="en-US">
+                <a:latin typeface="Arial" charset="0"/>
+              </a:rPr>
+              <a:t>“</a:t>
+            </a:r>
+            <a:r>
+              <a:rPr lang="en-US">
+                <a:latin typeface="Arial" charset="0"/>
+              </a:rPr>
+              <a:t>secure</a:t>
+            </a:r>
+            <a:r>
+              <a:rPr lang="ja-JP" altLang="en-US">
+                <a:latin typeface="Arial" charset="0"/>
+              </a:rPr>
+              <a:t>”</a:t>
+            </a:r>
+            <a:r>
+              <a:rPr lang="en-US">
+                <a:latin typeface="Arial" charset="0"/>
+              </a:rPr>
+              <a:t> scan function</a:t>
+            </a:r>
+          </a:p>
+          <a:p>
+            <a:r>
+              <a:rPr lang="en-US">
+                <a:latin typeface="Arial" charset="0"/>
+              </a:rPr>
+              <a:t>Preferred method of removing warnings:</a:t>
+            </a:r>
+          </a:p>
+          <a:p>
+            <a:pPr lvl="1">
+              <a:buFont typeface="Wingdings" charset="0"/>
+              <a:buNone/>
+            </a:pPr>
+            <a:r>
+              <a:rPr lang="en-US" b="1">
+                <a:solidFill>
+                  <a:srgbClr val="0000FF"/>
+                </a:solidFill>
+                <a:latin typeface="Courier New" charset="0"/>
+                <a:cs typeface="Courier New" charset="0"/>
+              </a:rPr>
+              <a:t>#define </a:t>
+            </a:r>
+            <a:r>
+              <a:rPr lang="en-US" b="1">
+                <a:latin typeface="Courier New" charset="0"/>
+                <a:cs typeface="Courier New" charset="0"/>
+              </a:rPr>
+              <a:t>_CRT_SECURE_NO_WARNINGS</a:t>
+            </a:r>
+          </a:p>
+          <a:p>
+            <a:r>
+              <a:rPr lang="en-US">
+                <a:latin typeface="Arial" charset="0"/>
+              </a:rPr>
+              <a:t>That line must come before</a:t>
+            </a:r>
+          </a:p>
+          <a:p>
+            <a:pPr lvl="1">
+              <a:buFont typeface="Wingdings" charset="0"/>
+              <a:buNone/>
+            </a:pPr>
+            <a:r>
+              <a:rPr lang="en-US" b="1">
+                <a:solidFill>
+                  <a:srgbClr val="0000FF"/>
+                </a:solidFill>
+                <a:latin typeface="Courier New" charset="0"/>
+                <a:cs typeface="Courier New" charset="0"/>
+              </a:rPr>
+              <a:t>#include </a:t>
+            </a:r>
+            <a:r>
+              <a:rPr lang="en-US" b="1">
+                <a:solidFill>
+                  <a:srgbClr val="FF0000"/>
+                </a:solidFill>
+                <a:latin typeface="Courier New" charset="0"/>
+                <a:cs typeface="Courier New" charset="0"/>
+              </a:rPr>
+              <a:t>&lt;stdio.h&gt;</a:t>
+            </a:r>
+          </a:p>
+        </p:txBody>
+      </p:sp>
+      <p:sp>
+        <p:nvSpPr>
+          <p:cNvPr id="18435" name="Title 1"/>
+          <p:cNvSpPr>
+            <a:spLocks noGrp="1"/>
+          </p:cNvSpPr>
+          <p:nvPr>
+            <p:ph type="title"/>
+          </p:nvPr>
+        </p:nvSpPr>
+        <p:spPr/>
+        <p:txBody>
+          <a:bodyPr/>
+          <a:lstStyle/>
+          <a:p>
+            <a:r>
+              <a:rPr lang="en-US">
+                <a:latin typeface="Garamond" charset="0"/>
+              </a:rPr>
+              <a:t>scanf() and scanf_s()</a:t>
+            </a:r>
+          </a:p>
+        </p:txBody>
+      </p:sp>
+      <p:sp>
+        <p:nvSpPr>
+          <p:cNvPr id="4" name="Date Placeholder 3"/>
+          <p:cNvSpPr>
+            <a:spLocks noGrp="1"/>
+          </p:cNvSpPr>
+          <p:nvPr>
+            <p:ph type="dt" sz="quarter" idx="10"/>
           </p:nvPr>
         </p:nvSpPr>
         <p:spPr/>
@@ -17179,7 +17847,177 @@
           </a:lstStyle>
           <a:p>
             <a:pPr eaLnBrk="1" hangingPunct="1"/>
-            <a:fld id="{7FF6215A-D46F-614D-9CAF-F9B1479A0DC4}" type="slidenum">
+            <a:fld id="{060E72A5-0DAA-FA44-9001-0F223BAA31D5}" type="datetime1">
+              <a:rPr lang="en-US">
+                <a:latin typeface="Garamond" charset="0"/>
+              </a:rPr>
+              <a:pPr eaLnBrk="1" hangingPunct="1"/>
+              <a:t>1/29/16</a:t>
+            </a:fld>
+            <a:endParaRPr lang="en-US">
+              <a:latin typeface="Garamond" charset="0"/>
+            </a:endParaRPr>
+          </a:p>
+        </p:txBody>
+      </p:sp>
+      <p:sp>
+        <p:nvSpPr>
+          <p:cNvPr id="5" name="Footer Placeholder 4"/>
+          <p:cNvSpPr>
+            <a:spLocks noGrp="1"/>
+          </p:cNvSpPr>
+          <p:nvPr>
+            <p:ph type="ftr" sz="quarter" idx="11"/>
+          </p:nvPr>
+        </p:nvSpPr>
+        <p:spPr/>
+        <p:txBody>
+          <a:bodyPr/>
+          <a:lstStyle/>
+          <a:p>
+            <a:pPr>
+              <a:defRPr/>
+            </a:pPr>
+            <a:r>
+              <a:rPr lang="en-US" altLang="en-US" smtClean="0"/>
+              <a:t>ECE Application Programming: Lecture 4</a:t>
+            </a:r>
+            <a:endParaRPr lang="en-US" altLang="en-US"/>
+          </a:p>
+        </p:txBody>
+      </p:sp>
+      <p:sp>
+        <p:nvSpPr>
+          <p:cNvPr id="6" name="Slide Number Placeholder 5"/>
+          <p:cNvSpPr>
+            <a:spLocks noGrp="1"/>
+          </p:cNvSpPr>
+          <p:nvPr>
+            <p:ph type="sldNum" sz="quarter" idx="12"/>
+          </p:nvPr>
+        </p:nvSpPr>
+        <p:spPr/>
+        <p:txBody>
+          <a:bodyPr/>
+          <a:lstStyle>
+            <a:lvl1pPr eaLnBrk="0" hangingPunct="0">
+              <a:defRPr>
+                <a:solidFill>
+                  <a:schemeClr val="tx1"/>
+                </a:solidFill>
+                <a:latin typeface="Arial" charset="0"/>
+                <a:ea typeface="ＭＳ Ｐゴシック" charset="0"/>
+                <a:cs typeface="Arial" charset="0"/>
+              </a:defRPr>
+            </a:lvl1pPr>
+            <a:lvl2pPr marL="742950" indent="-285750" eaLnBrk="0" hangingPunct="0">
+              <a:defRPr>
+                <a:solidFill>
+                  <a:schemeClr val="tx1"/>
+                </a:solidFill>
+                <a:latin typeface="Arial" charset="0"/>
+                <a:ea typeface="Arial" charset="0"/>
+                <a:cs typeface="Arial" charset="0"/>
+              </a:defRPr>
+            </a:lvl2pPr>
+            <a:lvl3pPr marL="1143000" indent="-228600" eaLnBrk="0" hangingPunct="0">
+              <a:defRPr>
+                <a:solidFill>
+                  <a:schemeClr val="tx1"/>
+                </a:solidFill>
+                <a:latin typeface="Arial" charset="0"/>
+                <a:ea typeface="Arial" charset="0"/>
+                <a:cs typeface="Arial" charset="0"/>
+              </a:defRPr>
+            </a:lvl3pPr>
+            <a:lvl4pPr marL="1600200" indent="-228600" eaLnBrk="0" hangingPunct="0">
+              <a:defRPr>
+                <a:solidFill>
+                  <a:schemeClr val="tx1"/>
+                </a:solidFill>
+                <a:latin typeface="Arial" charset="0"/>
+                <a:ea typeface="Arial" charset="0"/>
+                <a:cs typeface="Arial" charset="0"/>
+              </a:defRPr>
+            </a:lvl4pPr>
+            <a:lvl5pPr marL="2057400" indent="-228600" eaLnBrk="0" hangingPunct="0">
+              <a:defRPr>
+                <a:solidFill>
+                  <a:schemeClr val="tx1"/>
+                </a:solidFill>
+                <a:latin typeface="Arial" charset="0"/>
+                <a:ea typeface="Arial" charset="0"/>
+                <a:cs typeface="Arial" charset="0"/>
+              </a:defRPr>
+            </a:lvl5pPr>
+            <a:lvl6pPr marL="2514600" indent="-228600" eaLnBrk="0" fontAlgn="base" hangingPunct="0">
+              <a:spcBef>
+                <a:spcPct val="0"/>
+              </a:spcBef>
+              <a:spcAft>
+                <a:spcPct val="0"/>
+              </a:spcAft>
+              <a:defRPr>
+                <a:solidFill>
+                  <a:schemeClr val="tx1"/>
+                </a:solidFill>
+                <a:latin typeface="Arial" charset="0"/>
+                <a:ea typeface="Arial" charset="0"/>
+                <a:cs typeface="Arial" charset="0"/>
+              </a:defRPr>
+            </a:lvl6pPr>
+            <a:lvl7pPr marL="2971800" indent="-228600" eaLnBrk="0" fontAlgn="base" hangingPunct="0">
+              <a:spcBef>
+                <a:spcPct val="0"/>
+              </a:spcBef>
+              <a:spcAft>
+                <a:spcPct val="0"/>
+              </a:spcAft>
+              <a:defRPr>
+                <a:solidFill>
+                  <a:schemeClr val="tx1"/>
+                </a:solidFill>
+                <a:latin typeface="Arial" charset="0"/>
+                <a:ea typeface="Arial" charset="0"/>
+                <a:cs typeface="Arial" charset="0"/>
+              </a:defRPr>
+            </a:lvl7pPr>
+            <a:lvl8pPr marL="3429000" indent="-228600" eaLnBrk="0" fontAlgn="base" hangingPunct="0">
+              <a:spcBef>
+                <a:spcPct val="0"/>
+              </a:spcBef>
+              <a:spcAft>
+                <a:spcPct val="0"/>
+              </a:spcAft>
+              <a:defRPr>
+                <a:solidFill>
+                  <a:schemeClr val="tx1"/>
+                </a:solidFill>
+                <a:latin typeface="Arial" charset="0"/>
+                <a:ea typeface="Arial" charset="0"/>
+                <a:cs typeface="Arial" charset="0"/>
+              </a:defRPr>
+            </a:lvl8pPr>
+            <a:lvl9pPr marL="3886200" indent="-228600" eaLnBrk="0" fontAlgn="base" hangingPunct="0">
+              <a:spcBef>
+                <a:spcPct val="0"/>
+              </a:spcBef>
+              <a:spcAft>
+                <a:spcPct val="0"/>
+              </a:spcAft>
+              <a:defRPr>
+                <a:solidFill>
+                  <a:schemeClr val="tx1"/>
+                </a:solidFill>
+                <a:latin typeface="Arial" charset="0"/>
+                <a:ea typeface="Arial" charset="0"/>
+                <a:cs typeface="Arial" charset="0"/>
+              </a:defRPr>
+            </a:lvl9pPr>
+          </a:lstStyle>
+          <a:p>
+            <a:pPr eaLnBrk="1" hangingPunct="1"/>
+            <a:fld id="{6F7FFB39-6A75-984D-96DE-C2375AE4B24D}" type="slidenum">
               <a:rPr lang="en-US">
                 <a:latin typeface="Garamond" charset="0"/>
               </a:rPr>
@@ -17189,545 +18027,6 @@
             <a:endParaRPr lang="en-US">
               <a:latin typeface="Garamond" charset="0"/>
             </a:endParaRPr>
-          </a:p>
-        </p:txBody>
-      </p:sp>
-      <p:sp>
-        <p:nvSpPr>
-          <p:cNvPr id="19459" name="Rectangle 2"/>
-          <p:cNvSpPr>
-            <a:spLocks noGrp="1" noChangeArrowheads="1"/>
-          </p:cNvSpPr>
-          <p:nvPr>
-            <p:ph type="title"/>
-          </p:nvPr>
-        </p:nvSpPr>
-        <p:spPr>
-          <a:xfrm>
-            <a:off x="457200" y="304800"/>
-            <a:ext cx="7772400" cy="685800"/>
-          </a:xfrm>
-        </p:spPr>
-        <p:txBody>
-          <a:bodyPr/>
-          <a:lstStyle/>
-          <a:p>
-            <a:r>
-              <a:rPr lang="en-US">
-                <a:latin typeface="Garamond" charset="0"/>
-              </a:rPr>
-              <a:t>scanf() function</a:t>
-            </a:r>
-          </a:p>
-        </p:txBody>
-      </p:sp>
-      <p:sp>
-        <p:nvSpPr>
-          <p:cNvPr id="19460" name="Text Box 6"/>
-          <p:cNvSpPr txBox="1">
-            <a:spLocks noChangeArrowheads="1"/>
-          </p:cNvSpPr>
-          <p:nvPr/>
-        </p:nvSpPr>
-        <p:spPr bwMode="auto">
-          <a:xfrm>
-            <a:off x="609600" y="1371600"/>
-            <a:ext cx="8305800" cy="830263"/>
-          </a:xfrm>
-          <a:prstGeom prst="rect">
-            <a:avLst/>
-          </a:prstGeom>
-          <a:noFill/>
-          <a:ln>
-            <a:noFill/>
-          </a:ln>
-          <a:extLst>
-            <a:ext uri="{909E8E84-426E-40dd-AFC4-6F175D3DCCD1}">
-              <a14:hiddenFill xmlns:a14="http://schemas.microsoft.com/office/drawing/2010/main">
-                <a:solidFill>
-                  <a:srgbClr val="FFFFFF"/>
-                </a:solidFill>
-              </a14:hiddenFill>
-            </a:ext>
-            <a:ext uri="{91240B29-F687-4f45-9708-019B960494DF}">
-              <a14:hiddenLine xmlns:a14="http://schemas.microsoft.com/office/drawing/2010/main" w="9525">
-                <a:solidFill>
-                  <a:srgbClr val="000000"/>
-                </a:solidFill>
-                <a:miter lim="800000"/>
-                <a:headEnd/>
-                <a:tailEnd/>
-              </a14:hiddenLine>
-            </a:ext>
-          </a:extLst>
-        </p:spPr>
-        <p:txBody>
-          <a:bodyPr>
-            <a:spAutoFit/>
-          </a:bodyPr>
-          <a:lstStyle>
-            <a:lvl1pPr>
-              <a:defRPr sz="3000">
-                <a:solidFill>
-                  <a:schemeClr val="tx1"/>
-                </a:solidFill>
-                <a:latin typeface="Arial" charset="0"/>
-                <a:ea typeface="ＭＳ Ｐゴシック" charset="0"/>
-              </a:defRPr>
-            </a:lvl1pPr>
-            <a:lvl2pPr marL="742950" indent="-285750">
-              <a:defRPr sz="2600">
-                <a:solidFill>
-                  <a:schemeClr val="tx1"/>
-                </a:solidFill>
-                <a:latin typeface="Arial" charset="0"/>
-                <a:ea typeface="ＭＳ Ｐゴシック" charset="0"/>
-              </a:defRPr>
-            </a:lvl2pPr>
-            <a:lvl3pPr marL="1143000" indent="-228600">
-              <a:defRPr sz="2200">
-                <a:solidFill>
-                  <a:schemeClr val="tx1"/>
-                </a:solidFill>
-                <a:latin typeface="Arial" charset="0"/>
-                <a:ea typeface="ＭＳ Ｐゴシック" charset="0"/>
-              </a:defRPr>
-            </a:lvl3pPr>
-            <a:lvl4pPr marL="1600200" indent="-228600">
-              <a:defRPr sz="2000">
-                <a:solidFill>
-                  <a:schemeClr val="tx1"/>
-                </a:solidFill>
-                <a:latin typeface="Arial" charset="0"/>
-                <a:ea typeface="ＭＳ Ｐゴシック" charset="0"/>
-              </a:defRPr>
-            </a:lvl4pPr>
-            <a:lvl5pPr marL="2057400" indent="-228600">
-              <a:defRPr sz="2000">
-                <a:solidFill>
-                  <a:schemeClr val="tx1"/>
-                </a:solidFill>
-                <a:latin typeface="Arial" charset="0"/>
-                <a:ea typeface="ＭＳ Ｐゴシック" charset="0"/>
-              </a:defRPr>
-            </a:lvl5pPr>
-            <a:lvl6pPr marL="2514600" indent="-228600" eaLnBrk="0" hangingPunct="0">
-              <a:buFont typeface="Wingdings" charset="0"/>
-              <a:defRPr sz="2000">
-                <a:solidFill>
-                  <a:schemeClr val="tx1"/>
-                </a:solidFill>
-                <a:latin typeface="Arial" charset="0"/>
-                <a:ea typeface="ＭＳ Ｐゴシック" charset="0"/>
-              </a:defRPr>
-            </a:lvl6pPr>
-            <a:lvl7pPr marL="2971800" indent="-228600" eaLnBrk="0" hangingPunct="0">
-              <a:buFont typeface="Wingdings" charset="0"/>
-              <a:defRPr sz="2000">
-                <a:solidFill>
-                  <a:schemeClr val="tx1"/>
-                </a:solidFill>
-                <a:latin typeface="Arial" charset="0"/>
-                <a:ea typeface="ＭＳ Ｐゴシック" charset="0"/>
-              </a:defRPr>
-            </a:lvl7pPr>
-            <a:lvl8pPr marL="3429000" indent="-228600" eaLnBrk="0" hangingPunct="0">
-              <a:buFont typeface="Wingdings" charset="0"/>
-              <a:defRPr sz="2000">
-                <a:solidFill>
-                  <a:schemeClr val="tx1"/>
-                </a:solidFill>
-                <a:latin typeface="Arial" charset="0"/>
-                <a:ea typeface="ＭＳ Ｐゴシック" charset="0"/>
-              </a:defRPr>
-            </a:lvl8pPr>
-            <a:lvl9pPr marL="3886200" indent="-228600" eaLnBrk="0" hangingPunct="0">
-              <a:buFont typeface="Wingdings" charset="0"/>
-              <a:defRPr sz="2000">
-                <a:solidFill>
-                  <a:schemeClr val="tx1"/>
-                </a:solidFill>
-                <a:latin typeface="Arial" charset="0"/>
-                <a:ea typeface="ＭＳ Ｐゴシック" charset="0"/>
-              </a:defRPr>
-            </a:lvl9pPr>
-          </a:lstStyle>
-          <a:p>
-            <a:pPr>
-              <a:spcBef>
-                <a:spcPct val="50000"/>
-              </a:spcBef>
-            </a:pPr>
-            <a:r>
-              <a:rPr lang="en-US" sz="1800"/>
-              <a:t>Documentation info:</a:t>
-            </a:r>
-          </a:p>
-          <a:p>
-            <a:pPr>
-              <a:spcBef>
-                <a:spcPct val="50000"/>
-              </a:spcBef>
-            </a:pPr>
-            <a:r>
-              <a:rPr lang="en-US" sz="1800"/>
-              <a:t>	</a:t>
-            </a:r>
-            <a:r>
-              <a:rPr lang="en-US" sz="2000">
-                <a:solidFill>
-                  <a:srgbClr val="FF0000"/>
-                </a:solidFill>
-                <a:latin typeface="Courier New" charset="0"/>
-                <a:cs typeface="Courier New" charset="0"/>
-              </a:rPr>
-              <a:t>int</a:t>
-            </a:r>
-            <a:r>
-              <a:rPr lang="en-US" sz="2000">
-                <a:latin typeface="Courier New" charset="0"/>
-              </a:rPr>
-              <a:t> scanf(</a:t>
-            </a:r>
-            <a:r>
-              <a:rPr lang="en-US" sz="2000">
-                <a:solidFill>
-                  <a:srgbClr val="FF0000"/>
-                </a:solidFill>
-                <a:latin typeface="Courier New" charset="0"/>
-              </a:rPr>
-              <a:t>const char</a:t>
-            </a:r>
-            <a:r>
-              <a:rPr lang="en-US" sz="2000">
-                <a:latin typeface="Courier New" charset="0"/>
-              </a:rPr>
-              <a:t> *format [,argument] ...)</a:t>
-            </a:r>
-          </a:p>
-        </p:txBody>
-      </p:sp>
-      <p:sp>
-        <p:nvSpPr>
-          <p:cNvPr id="19461" name="Text Box 7"/>
-          <p:cNvSpPr txBox="1">
-            <a:spLocks noChangeArrowheads="1"/>
-          </p:cNvSpPr>
-          <p:nvPr/>
-        </p:nvSpPr>
-        <p:spPr bwMode="auto">
-          <a:xfrm>
-            <a:off x="381000" y="3048000"/>
-            <a:ext cx="8153400" cy="1370013"/>
-          </a:xfrm>
-          <a:prstGeom prst="rect">
-            <a:avLst/>
-          </a:prstGeom>
-          <a:noFill/>
-          <a:ln>
-            <a:noFill/>
-          </a:ln>
-          <a:extLst>
-            <a:ext uri="{909E8E84-426E-40dd-AFC4-6F175D3DCCD1}">
-              <a14:hiddenFill xmlns:a14="http://schemas.microsoft.com/office/drawing/2010/main">
-                <a:solidFill>
-                  <a:srgbClr val="FFFFFF"/>
-                </a:solidFill>
-              </a14:hiddenFill>
-            </a:ext>
-            <a:ext uri="{91240B29-F687-4f45-9708-019B960494DF}">
-              <a14:hiddenLine xmlns:a14="http://schemas.microsoft.com/office/drawing/2010/main" w="9525">
-                <a:solidFill>
-                  <a:srgbClr val="000000"/>
-                </a:solidFill>
-                <a:miter lim="800000"/>
-                <a:headEnd/>
-                <a:tailEnd/>
-              </a14:hiddenLine>
-            </a:ext>
-          </a:extLst>
-        </p:spPr>
-        <p:txBody>
-          <a:bodyPr>
-            <a:spAutoFit/>
-          </a:bodyPr>
-          <a:lstStyle>
-            <a:lvl1pPr>
-              <a:defRPr sz="3000">
-                <a:solidFill>
-                  <a:schemeClr val="tx1"/>
-                </a:solidFill>
-                <a:latin typeface="Arial" charset="0"/>
-                <a:ea typeface="ＭＳ Ｐゴシック" charset="0"/>
-              </a:defRPr>
-            </a:lvl1pPr>
-            <a:lvl2pPr marL="742950" indent="-285750">
-              <a:defRPr sz="2600">
-                <a:solidFill>
-                  <a:schemeClr val="tx1"/>
-                </a:solidFill>
-                <a:latin typeface="Arial" charset="0"/>
-                <a:ea typeface="ＭＳ Ｐゴシック" charset="0"/>
-              </a:defRPr>
-            </a:lvl2pPr>
-            <a:lvl3pPr marL="1143000" indent="-228600">
-              <a:defRPr sz="2200">
-                <a:solidFill>
-                  <a:schemeClr val="tx1"/>
-                </a:solidFill>
-                <a:latin typeface="Arial" charset="0"/>
-                <a:ea typeface="ＭＳ Ｐゴシック" charset="0"/>
-              </a:defRPr>
-            </a:lvl3pPr>
-            <a:lvl4pPr marL="1600200" indent="-228600">
-              <a:defRPr sz="2000">
-                <a:solidFill>
-                  <a:schemeClr val="tx1"/>
-                </a:solidFill>
-                <a:latin typeface="Arial" charset="0"/>
-                <a:ea typeface="ＭＳ Ｐゴシック" charset="0"/>
-              </a:defRPr>
-            </a:lvl4pPr>
-            <a:lvl5pPr marL="2057400" indent="-228600">
-              <a:defRPr sz="2000">
-                <a:solidFill>
-                  <a:schemeClr val="tx1"/>
-                </a:solidFill>
-                <a:latin typeface="Arial" charset="0"/>
-                <a:ea typeface="ＭＳ Ｐゴシック" charset="0"/>
-              </a:defRPr>
-            </a:lvl5pPr>
-            <a:lvl6pPr marL="2514600" indent="-228600" eaLnBrk="0" hangingPunct="0">
-              <a:buFont typeface="Wingdings" charset="0"/>
-              <a:defRPr sz="2000">
-                <a:solidFill>
-                  <a:schemeClr val="tx1"/>
-                </a:solidFill>
-                <a:latin typeface="Arial" charset="0"/>
-                <a:ea typeface="ＭＳ Ｐゴシック" charset="0"/>
-              </a:defRPr>
-            </a:lvl6pPr>
-            <a:lvl7pPr marL="2971800" indent="-228600" eaLnBrk="0" hangingPunct="0">
-              <a:buFont typeface="Wingdings" charset="0"/>
-              <a:defRPr sz="2000">
-                <a:solidFill>
-                  <a:schemeClr val="tx1"/>
-                </a:solidFill>
-                <a:latin typeface="Arial" charset="0"/>
-                <a:ea typeface="ＭＳ Ｐゴシック" charset="0"/>
-              </a:defRPr>
-            </a:lvl7pPr>
-            <a:lvl8pPr marL="3429000" indent="-228600" eaLnBrk="0" hangingPunct="0">
-              <a:buFont typeface="Wingdings" charset="0"/>
-              <a:defRPr sz="2000">
-                <a:solidFill>
-                  <a:schemeClr val="tx1"/>
-                </a:solidFill>
-                <a:latin typeface="Arial" charset="0"/>
-                <a:ea typeface="ＭＳ Ｐゴシック" charset="0"/>
-              </a:defRPr>
-            </a:lvl8pPr>
-            <a:lvl9pPr marL="3886200" indent="-228600" eaLnBrk="0" hangingPunct="0">
-              <a:buFont typeface="Wingdings" charset="0"/>
-              <a:defRPr sz="2000">
-                <a:solidFill>
-                  <a:schemeClr val="tx1"/>
-                </a:solidFill>
-                <a:latin typeface="Arial" charset="0"/>
-                <a:ea typeface="ＭＳ Ｐゴシック" charset="0"/>
-              </a:defRPr>
-            </a:lvl9pPr>
-          </a:lstStyle>
-          <a:p>
-            <a:pPr>
-              <a:spcBef>
-                <a:spcPct val="50000"/>
-              </a:spcBef>
-            </a:pPr>
-            <a:r>
-              <a:rPr lang="en-US" sz="1800"/>
-              <a:t>format - is format specifiers similar to printf() specifiers</a:t>
-            </a:r>
-          </a:p>
-          <a:p>
-            <a:pPr>
-              <a:spcBef>
-                <a:spcPct val="50000"/>
-              </a:spcBef>
-            </a:pPr>
-            <a:r>
-              <a:rPr lang="en-US" sz="1800"/>
-              <a:t>arguments - are ADDRESSES of where to store what the user enters</a:t>
-            </a:r>
-          </a:p>
-        </p:txBody>
-      </p:sp>
-      <p:sp>
-        <p:nvSpPr>
-          <p:cNvPr id="2" name="Date Placeholder 1"/>
-          <p:cNvSpPr>
-            <a:spLocks noGrp="1"/>
-          </p:cNvSpPr>
-          <p:nvPr>
-            <p:ph type="dt" sz="quarter" idx="10"/>
-          </p:nvPr>
-        </p:nvSpPr>
-        <p:spPr/>
-        <p:txBody>
-          <a:bodyPr/>
-          <a:lstStyle>
-            <a:lvl1pPr eaLnBrk="0" hangingPunct="0">
-              <a:defRPr>
-                <a:solidFill>
-                  <a:schemeClr val="tx1"/>
-                </a:solidFill>
-                <a:latin typeface="Arial" charset="0"/>
-                <a:ea typeface="ＭＳ Ｐゴシック" charset="0"/>
-                <a:cs typeface="Arial" charset="0"/>
-              </a:defRPr>
-            </a:lvl1pPr>
-            <a:lvl2pPr marL="742950" indent="-285750" eaLnBrk="0" hangingPunct="0">
-              <a:defRPr>
-                <a:solidFill>
-                  <a:schemeClr val="tx1"/>
-                </a:solidFill>
-                <a:latin typeface="Arial" charset="0"/>
-                <a:ea typeface="Arial" charset="0"/>
-                <a:cs typeface="Arial" charset="0"/>
-              </a:defRPr>
-            </a:lvl2pPr>
-            <a:lvl3pPr marL="1143000" indent="-228600" eaLnBrk="0" hangingPunct="0">
-              <a:defRPr>
-                <a:solidFill>
-                  <a:schemeClr val="tx1"/>
-                </a:solidFill>
-                <a:latin typeface="Arial" charset="0"/>
-                <a:ea typeface="Arial" charset="0"/>
-                <a:cs typeface="Arial" charset="0"/>
-              </a:defRPr>
-            </a:lvl3pPr>
-            <a:lvl4pPr marL="1600200" indent="-228600" eaLnBrk="0" hangingPunct="0">
-              <a:defRPr>
-                <a:solidFill>
-                  <a:schemeClr val="tx1"/>
-                </a:solidFill>
-                <a:latin typeface="Arial" charset="0"/>
-                <a:ea typeface="Arial" charset="0"/>
-                <a:cs typeface="Arial" charset="0"/>
-              </a:defRPr>
-            </a:lvl4pPr>
-            <a:lvl5pPr marL="2057400" indent="-228600" eaLnBrk="0" hangingPunct="0">
-              <a:defRPr>
-                <a:solidFill>
-                  <a:schemeClr val="tx1"/>
-                </a:solidFill>
-                <a:latin typeface="Arial" charset="0"/>
-                <a:ea typeface="Arial" charset="0"/>
-                <a:cs typeface="Arial" charset="0"/>
-              </a:defRPr>
-            </a:lvl5pPr>
-            <a:lvl6pPr marL="2514600" indent="-228600" eaLnBrk="0" fontAlgn="base" hangingPunct="0">
-              <a:spcBef>
-                <a:spcPct val="0"/>
-              </a:spcBef>
-              <a:spcAft>
-                <a:spcPct val="0"/>
-              </a:spcAft>
-              <a:defRPr>
-                <a:solidFill>
-                  <a:schemeClr val="tx1"/>
-                </a:solidFill>
-                <a:latin typeface="Arial" charset="0"/>
-                <a:ea typeface="Arial" charset="0"/>
-                <a:cs typeface="Arial" charset="0"/>
-              </a:defRPr>
-            </a:lvl6pPr>
-            <a:lvl7pPr marL="2971800" indent="-228600" eaLnBrk="0" fontAlgn="base" hangingPunct="0">
-              <a:spcBef>
-                <a:spcPct val="0"/>
-              </a:spcBef>
-              <a:spcAft>
-                <a:spcPct val="0"/>
-              </a:spcAft>
-              <a:defRPr>
-                <a:solidFill>
-                  <a:schemeClr val="tx1"/>
-                </a:solidFill>
-                <a:latin typeface="Arial" charset="0"/>
-                <a:ea typeface="Arial" charset="0"/>
-                <a:cs typeface="Arial" charset="0"/>
-              </a:defRPr>
-            </a:lvl7pPr>
-            <a:lvl8pPr marL="3429000" indent="-228600" eaLnBrk="0" fontAlgn="base" hangingPunct="0">
-              <a:spcBef>
-                <a:spcPct val="0"/>
-              </a:spcBef>
-              <a:spcAft>
-                <a:spcPct val="0"/>
-              </a:spcAft>
-              <a:defRPr>
-                <a:solidFill>
-                  <a:schemeClr val="tx1"/>
-                </a:solidFill>
-                <a:latin typeface="Arial" charset="0"/>
-                <a:ea typeface="Arial" charset="0"/>
-                <a:cs typeface="Arial" charset="0"/>
-              </a:defRPr>
-            </a:lvl8pPr>
-            <a:lvl9pPr marL="3886200" indent="-228600" eaLnBrk="0" fontAlgn="base" hangingPunct="0">
-              <a:spcBef>
-                <a:spcPct val="0"/>
-              </a:spcBef>
-              <a:spcAft>
-                <a:spcPct val="0"/>
-              </a:spcAft>
-              <a:defRPr>
-                <a:solidFill>
-                  <a:schemeClr val="tx1"/>
-                </a:solidFill>
-                <a:latin typeface="Arial" charset="0"/>
-                <a:ea typeface="Arial" charset="0"/>
-                <a:cs typeface="Arial" charset="0"/>
-              </a:defRPr>
-            </a:lvl9pPr>
-          </a:lstStyle>
-          <a:p>
-            <a:pPr eaLnBrk="1" hangingPunct="1"/>
-            <a:fld id="{C5D2BF08-2038-EF4D-A84B-41A6916BEE0C}" type="datetime1">
-              <a:rPr lang="en-US">
-                <a:latin typeface="Garamond" charset="0"/>
-              </a:rPr>
-              <a:pPr eaLnBrk="1" hangingPunct="1"/>
-              <a:t>1/27/16</a:t>
-            </a:fld>
-            <a:endParaRPr lang="en-US">
-              <a:latin typeface="Garamond" charset="0"/>
-            </a:endParaRPr>
-          </a:p>
-        </p:txBody>
-      </p:sp>
-      <p:sp>
-        <p:nvSpPr>
-          <p:cNvPr id="3" name="Footer Placeholder 2"/>
-          <p:cNvSpPr>
-            <a:spLocks noGrp="1"/>
-          </p:cNvSpPr>
-          <p:nvPr>
-            <p:ph type="ftr" sz="quarter" idx="11"/>
-          </p:nvPr>
-        </p:nvSpPr>
-        <p:spPr/>
-        <p:txBody>
-          <a:bodyPr/>
-          <a:lstStyle/>
-          <a:p>
-            <a:pPr>
-              <a:defRPr/>
-            </a:pPr>
-            <a:r>
-              <a:rPr lang="en-US" altLang="en-US"/>
-              <a:t>ECE Application Programming: Lecture 4</a:t>
-            </a:r>
           </a:p>
         </p:txBody>
       </p:sp>
@@ -17765,7 +18064,7 @@
       </p:grpSpPr>
       <p:sp>
         <p:nvSpPr>
-          <p:cNvPr id="20" name="Slide Number Placeholder 5"/>
+          <p:cNvPr id="5" name="Slide Number Placeholder 5"/>
           <p:cNvSpPr>
             <a:spLocks noGrp="1"/>
           </p:cNvSpPr>
@@ -17894,12 +18193,727 @@
           </a:lstStyle>
           <a:p>
             <a:pPr eaLnBrk="1" hangingPunct="1"/>
+            <a:fld id="{7FF6215A-D46F-614D-9CAF-F9B1479A0DC4}" type="slidenum">
+              <a:rPr lang="en-US">
+                <a:latin typeface="Garamond" charset="0"/>
+              </a:rPr>
+              <a:pPr eaLnBrk="1" hangingPunct="1"/>
+              <a:t>8</a:t>
+            </a:fld>
+            <a:endParaRPr lang="en-US">
+              <a:latin typeface="Garamond" charset="0"/>
+            </a:endParaRPr>
+          </a:p>
+        </p:txBody>
+      </p:sp>
+      <p:sp>
+        <p:nvSpPr>
+          <p:cNvPr id="19459" name="Rectangle 2"/>
+          <p:cNvSpPr>
+            <a:spLocks noGrp="1" noChangeArrowheads="1"/>
+          </p:cNvSpPr>
+          <p:nvPr>
+            <p:ph type="title"/>
+          </p:nvPr>
+        </p:nvSpPr>
+        <p:spPr>
+          <a:xfrm>
+            <a:off x="457200" y="304800"/>
+            <a:ext cx="7772400" cy="685800"/>
+          </a:xfrm>
+        </p:spPr>
+        <p:txBody>
+          <a:bodyPr/>
+          <a:lstStyle/>
+          <a:p>
+            <a:r>
+              <a:rPr lang="en-US">
+                <a:latin typeface="Garamond" charset="0"/>
+              </a:rPr>
+              <a:t>scanf() function</a:t>
+            </a:r>
+          </a:p>
+        </p:txBody>
+      </p:sp>
+      <p:sp>
+        <p:nvSpPr>
+          <p:cNvPr id="19460" name="Text Box 6"/>
+          <p:cNvSpPr txBox="1">
+            <a:spLocks noChangeArrowheads="1"/>
+          </p:cNvSpPr>
+          <p:nvPr/>
+        </p:nvSpPr>
+        <p:spPr bwMode="auto">
+          <a:xfrm>
+            <a:off x="609600" y="1371600"/>
+            <a:ext cx="8305800" cy="830263"/>
+          </a:xfrm>
+          <a:prstGeom prst="rect">
+            <a:avLst/>
+          </a:prstGeom>
+          <a:noFill/>
+          <a:ln>
+            <a:noFill/>
+          </a:ln>
+          <a:extLst>
+            <a:ext uri="{909E8E84-426E-40dd-AFC4-6F175D3DCCD1}">
+              <a14:hiddenFill xmlns:a14="http://schemas.microsoft.com/office/drawing/2010/main">
+                <a:solidFill>
+                  <a:srgbClr val="FFFFFF"/>
+                </a:solidFill>
+              </a14:hiddenFill>
+            </a:ext>
+            <a:ext uri="{91240B29-F687-4f45-9708-019B960494DF}">
+              <a14:hiddenLine xmlns:a14="http://schemas.microsoft.com/office/drawing/2010/main" w="9525">
+                <a:solidFill>
+                  <a:srgbClr val="000000"/>
+                </a:solidFill>
+                <a:miter lim="800000"/>
+                <a:headEnd/>
+                <a:tailEnd/>
+              </a14:hiddenLine>
+            </a:ext>
+          </a:extLst>
+        </p:spPr>
+        <p:txBody>
+          <a:bodyPr>
+            <a:spAutoFit/>
+          </a:bodyPr>
+          <a:lstStyle>
+            <a:lvl1pPr>
+              <a:defRPr sz="3000">
+                <a:solidFill>
+                  <a:schemeClr val="tx1"/>
+                </a:solidFill>
+                <a:latin typeface="Arial" charset="0"/>
+                <a:ea typeface="ＭＳ Ｐゴシック" charset="0"/>
+              </a:defRPr>
+            </a:lvl1pPr>
+            <a:lvl2pPr marL="742950" indent="-285750">
+              <a:defRPr sz="2600">
+                <a:solidFill>
+                  <a:schemeClr val="tx1"/>
+                </a:solidFill>
+                <a:latin typeface="Arial" charset="0"/>
+                <a:ea typeface="ＭＳ Ｐゴシック" charset="0"/>
+              </a:defRPr>
+            </a:lvl2pPr>
+            <a:lvl3pPr marL="1143000" indent="-228600">
+              <a:defRPr sz="2200">
+                <a:solidFill>
+                  <a:schemeClr val="tx1"/>
+                </a:solidFill>
+                <a:latin typeface="Arial" charset="0"/>
+                <a:ea typeface="ＭＳ Ｐゴシック" charset="0"/>
+              </a:defRPr>
+            </a:lvl3pPr>
+            <a:lvl4pPr marL="1600200" indent="-228600">
+              <a:defRPr sz="2000">
+                <a:solidFill>
+                  <a:schemeClr val="tx1"/>
+                </a:solidFill>
+                <a:latin typeface="Arial" charset="0"/>
+                <a:ea typeface="ＭＳ Ｐゴシック" charset="0"/>
+              </a:defRPr>
+            </a:lvl4pPr>
+            <a:lvl5pPr marL="2057400" indent="-228600">
+              <a:defRPr sz="2000">
+                <a:solidFill>
+                  <a:schemeClr val="tx1"/>
+                </a:solidFill>
+                <a:latin typeface="Arial" charset="0"/>
+                <a:ea typeface="ＭＳ Ｐゴシック" charset="0"/>
+              </a:defRPr>
+            </a:lvl5pPr>
+            <a:lvl6pPr marL="2514600" indent="-228600" eaLnBrk="0" hangingPunct="0">
+              <a:buFont typeface="Wingdings" charset="0"/>
+              <a:defRPr sz="2000">
+                <a:solidFill>
+                  <a:schemeClr val="tx1"/>
+                </a:solidFill>
+                <a:latin typeface="Arial" charset="0"/>
+                <a:ea typeface="ＭＳ Ｐゴシック" charset="0"/>
+              </a:defRPr>
+            </a:lvl6pPr>
+            <a:lvl7pPr marL="2971800" indent="-228600" eaLnBrk="0" hangingPunct="0">
+              <a:buFont typeface="Wingdings" charset="0"/>
+              <a:defRPr sz="2000">
+                <a:solidFill>
+                  <a:schemeClr val="tx1"/>
+                </a:solidFill>
+                <a:latin typeface="Arial" charset="0"/>
+                <a:ea typeface="ＭＳ Ｐゴシック" charset="0"/>
+              </a:defRPr>
+            </a:lvl7pPr>
+            <a:lvl8pPr marL="3429000" indent="-228600" eaLnBrk="0" hangingPunct="0">
+              <a:buFont typeface="Wingdings" charset="0"/>
+              <a:defRPr sz="2000">
+                <a:solidFill>
+                  <a:schemeClr val="tx1"/>
+                </a:solidFill>
+                <a:latin typeface="Arial" charset="0"/>
+                <a:ea typeface="ＭＳ Ｐゴシック" charset="0"/>
+              </a:defRPr>
+            </a:lvl8pPr>
+            <a:lvl9pPr marL="3886200" indent="-228600" eaLnBrk="0" hangingPunct="0">
+              <a:buFont typeface="Wingdings" charset="0"/>
+              <a:defRPr sz="2000">
+                <a:solidFill>
+                  <a:schemeClr val="tx1"/>
+                </a:solidFill>
+                <a:latin typeface="Arial" charset="0"/>
+                <a:ea typeface="ＭＳ Ｐゴシック" charset="0"/>
+              </a:defRPr>
+            </a:lvl9pPr>
+          </a:lstStyle>
+          <a:p>
+            <a:pPr>
+              <a:spcBef>
+                <a:spcPct val="50000"/>
+              </a:spcBef>
+            </a:pPr>
+            <a:r>
+              <a:rPr lang="en-US" sz="1800"/>
+              <a:t>Documentation info:</a:t>
+            </a:r>
+          </a:p>
+          <a:p>
+            <a:pPr>
+              <a:spcBef>
+                <a:spcPct val="50000"/>
+              </a:spcBef>
+            </a:pPr>
+            <a:r>
+              <a:rPr lang="en-US" sz="1800"/>
+              <a:t>	</a:t>
+            </a:r>
+            <a:r>
+              <a:rPr lang="en-US" sz="2000">
+                <a:solidFill>
+                  <a:srgbClr val="FF0000"/>
+                </a:solidFill>
+                <a:latin typeface="Courier New" charset="0"/>
+                <a:cs typeface="Courier New" charset="0"/>
+              </a:rPr>
+              <a:t>int</a:t>
+            </a:r>
+            <a:r>
+              <a:rPr lang="en-US" sz="2000">
+                <a:latin typeface="Courier New" charset="0"/>
+              </a:rPr>
+              <a:t> scanf(</a:t>
+            </a:r>
+            <a:r>
+              <a:rPr lang="en-US" sz="2000">
+                <a:solidFill>
+                  <a:srgbClr val="FF0000"/>
+                </a:solidFill>
+                <a:latin typeface="Courier New" charset="0"/>
+              </a:rPr>
+              <a:t>const char</a:t>
+            </a:r>
+            <a:r>
+              <a:rPr lang="en-US" sz="2000">
+                <a:latin typeface="Courier New" charset="0"/>
+              </a:rPr>
+              <a:t> *format [,argument] ...)</a:t>
+            </a:r>
+          </a:p>
+        </p:txBody>
+      </p:sp>
+      <p:sp>
+        <p:nvSpPr>
+          <p:cNvPr id="19461" name="Text Box 7"/>
+          <p:cNvSpPr txBox="1">
+            <a:spLocks noChangeArrowheads="1"/>
+          </p:cNvSpPr>
+          <p:nvPr/>
+        </p:nvSpPr>
+        <p:spPr bwMode="auto">
+          <a:xfrm>
+            <a:off x="381000" y="3048000"/>
+            <a:ext cx="8153400" cy="1370013"/>
+          </a:xfrm>
+          <a:prstGeom prst="rect">
+            <a:avLst/>
+          </a:prstGeom>
+          <a:noFill/>
+          <a:ln>
+            <a:noFill/>
+          </a:ln>
+          <a:extLst>
+            <a:ext uri="{909E8E84-426E-40dd-AFC4-6F175D3DCCD1}">
+              <a14:hiddenFill xmlns:a14="http://schemas.microsoft.com/office/drawing/2010/main">
+                <a:solidFill>
+                  <a:srgbClr val="FFFFFF"/>
+                </a:solidFill>
+              </a14:hiddenFill>
+            </a:ext>
+            <a:ext uri="{91240B29-F687-4f45-9708-019B960494DF}">
+              <a14:hiddenLine xmlns:a14="http://schemas.microsoft.com/office/drawing/2010/main" w="9525">
+                <a:solidFill>
+                  <a:srgbClr val="000000"/>
+                </a:solidFill>
+                <a:miter lim="800000"/>
+                <a:headEnd/>
+                <a:tailEnd/>
+              </a14:hiddenLine>
+            </a:ext>
+          </a:extLst>
+        </p:spPr>
+        <p:txBody>
+          <a:bodyPr>
+            <a:spAutoFit/>
+          </a:bodyPr>
+          <a:lstStyle>
+            <a:lvl1pPr>
+              <a:defRPr sz="3000">
+                <a:solidFill>
+                  <a:schemeClr val="tx1"/>
+                </a:solidFill>
+                <a:latin typeface="Arial" charset="0"/>
+                <a:ea typeface="ＭＳ Ｐゴシック" charset="0"/>
+              </a:defRPr>
+            </a:lvl1pPr>
+            <a:lvl2pPr marL="742950" indent="-285750">
+              <a:defRPr sz="2600">
+                <a:solidFill>
+                  <a:schemeClr val="tx1"/>
+                </a:solidFill>
+                <a:latin typeface="Arial" charset="0"/>
+                <a:ea typeface="ＭＳ Ｐゴシック" charset="0"/>
+              </a:defRPr>
+            </a:lvl2pPr>
+            <a:lvl3pPr marL="1143000" indent="-228600">
+              <a:defRPr sz="2200">
+                <a:solidFill>
+                  <a:schemeClr val="tx1"/>
+                </a:solidFill>
+                <a:latin typeface="Arial" charset="0"/>
+                <a:ea typeface="ＭＳ Ｐゴシック" charset="0"/>
+              </a:defRPr>
+            </a:lvl3pPr>
+            <a:lvl4pPr marL="1600200" indent="-228600">
+              <a:defRPr sz="2000">
+                <a:solidFill>
+                  <a:schemeClr val="tx1"/>
+                </a:solidFill>
+                <a:latin typeface="Arial" charset="0"/>
+                <a:ea typeface="ＭＳ Ｐゴシック" charset="0"/>
+              </a:defRPr>
+            </a:lvl4pPr>
+            <a:lvl5pPr marL="2057400" indent="-228600">
+              <a:defRPr sz="2000">
+                <a:solidFill>
+                  <a:schemeClr val="tx1"/>
+                </a:solidFill>
+                <a:latin typeface="Arial" charset="0"/>
+                <a:ea typeface="ＭＳ Ｐゴシック" charset="0"/>
+              </a:defRPr>
+            </a:lvl5pPr>
+            <a:lvl6pPr marL="2514600" indent="-228600" eaLnBrk="0" hangingPunct="0">
+              <a:buFont typeface="Wingdings" charset="0"/>
+              <a:defRPr sz="2000">
+                <a:solidFill>
+                  <a:schemeClr val="tx1"/>
+                </a:solidFill>
+                <a:latin typeface="Arial" charset="0"/>
+                <a:ea typeface="ＭＳ Ｐゴシック" charset="0"/>
+              </a:defRPr>
+            </a:lvl6pPr>
+            <a:lvl7pPr marL="2971800" indent="-228600" eaLnBrk="0" hangingPunct="0">
+              <a:buFont typeface="Wingdings" charset="0"/>
+              <a:defRPr sz="2000">
+                <a:solidFill>
+                  <a:schemeClr val="tx1"/>
+                </a:solidFill>
+                <a:latin typeface="Arial" charset="0"/>
+                <a:ea typeface="ＭＳ Ｐゴシック" charset="0"/>
+              </a:defRPr>
+            </a:lvl7pPr>
+            <a:lvl8pPr marL="3429000" indent="-228600" eaLnBrk="0" hangingPunct="0">
+              <a:buFont typeface="Wingdings" charset="0"/>
+              <a:defRPr sz="2000">
+                <a:solidFill>
+                  <a:schemeClr val="tx1"/>
+                </a:solidFill>
+                <a:latin typeface="Arial" charset="0"/>
+                <a:ea typeface="ＭＳ Ｐゴシック" charset="0"/>
+              </a:defRPr>
+            </a:lvl8pPr>
+            <a:lvl9pPr marL="3886200" indent="-228600" eaLnBrk="0" hangingPunct="0">
+              <a:buFont typeface="Wingdings" charset="0"/>
+              <a:defRPr sz="2000">
+                <a:solidFill>
+                  <a:schemeClr val="tx1"/>
+                </a:solidFill>
+                <a:latin typeface="Arial" charset="0"/>
+                <a:ea typeface="ＭＳ Ｐゴシック" charset="0"/>
+              </a:defRPr>
+            </a:lvl9pPr>
+          </a:lstStyle>
+          <a:p>
+            <a:pPr>
+              <a:spcBef>
+                <a:spcPct val="50000"/>
+              </a:spcBef>
+            </a:pPr>
+            <a:r>
+              <a:rPr lang="en-US" sz="1800"/>
+              <a:t>format - is format specifiers similar to printf() specifiers</a:t>
+            </a:r>
+          </a:p>
+          <a:p>
+            <a:pPr>
+              <a:spcBef>
+                <a:spcPct val="50000"/>
+              </a:spcBef>
+            </a:pPr>
+            <a:r>
+              <a:rPr lang="en-US" sz="1800"/>
+              <a:t>arguments - are ADDRESSES of where to store what the user enters</a:t>
+            </a:r>
+          </a:p>
+        </p:txBody>
+      </p:sp>
+      <p:sp>
+        <p:nvSpPr>
+          <p:cNvPr id="2" name="Date Placeholder 1"/>
+          <p:cNvSpPr>
+            <a:spLocks noGrp="1"/>
+          </p:cNvSpPr>
+          <p:nvPr>
+            <p:ph type="dt" sz="quarter" idx="10"/>
+          </p:nvPr>
+        </p:nvSpPr>
+        <p:spPr/>
+        <p:txBody>
+          <a:bodyPr/>
+          <a:lstStyle>
+            <a:lvl1pPr eaLnBrk="0" hangingPunct="0">
+              <a:defRPr>
+                <a:solidFill>
+                  <a:schemeClr val="tx1"/>
+                </a:solidFill>
+                <a:latin typeface="Arial" charset="0"/>
+                <a:ea typeface="ＭＳ Ｐゴシック" charset="0"/>
+                <a:cs typeface="Arial" charset="0"/>
+              </a:defRPr>
+            </a:lvl1pPr>
+            <a:lvl2pPr marL="742950" indent="-285750" eaLnBrk="0" hangingPunct="0">
+              <a:defRPr>
+                <a:solidFill>
+                  <a:schemeClr val="tx1"/>
+                </a:solidFill>
+                <a:latin typeface="Arial" charset="0"/>
+                <a:ea typeface="Arial" charset="0"/>
+                <a:cs typeface="Arial" charset="0"/>
+              </a:defRPr>
+            </a:lvl2pPr>
+            <a:lvl3pPr marL="1143000" indent="-228600" eaLnBrk="0" hangingPunct="0">
+              <a:defRPr>
+                <a:solidFill>
+                  <a:schemeClr val="tx1"/>
+                </a:solidFill>
+                <a:latin typeface="Arial" charset="0"/>
+                <a:ea typeface="Arial" charset="0"/>
+                <a:cs typeface="Arial" charset="0"/>
+              </a:defRPr>
+            </a:lvl3pPr>
+            <a:lvl4pPr marL="1600200" indent="-228600" eaLnBrk="0" hangingPunct="0">
+              <a:defRPr>
+                <a:solidFill>
+                  <a:schemeClr val="tx1"/>
+                </a:solidFill>
+                <a:latin typeface="Arial" charset="0"/>
+                <a:ea typeface="Arial" charset="0"/>
+                <a:cs typeface="Arial" charset="0"/>
+              </a:defRPr>
+            </a:lvl4pPr>
+            <a:lvl5pPr marL="2057400" indent="-228600" eaLnBrk="0" hangingPunct="0">
+              <a:defRPr>
+                <a:solidFill>
+                  <a:schemeClr val="tx1"/>
+                </a:solidFill>
+                <a:latin typeface="Arial" charset="0"/>
+                <a:ea typeface="Arial" charset="0"/>
+                <a:cs typeface="Arial" charset="0"/>
+              </a:defRPr>
+            </a:lvl5pPr>
+            <a:lvl6pPr marL="2514600" indent="-228600" eaLnBrk="0" fontAlgn="base" hangingPunct="0">
+              <a:spcBef>
+                <a:spcPct val="0"/>
+              </a:spcBef>
+              <a:spcAft>
+                <a:spcPct val="0"/>
+              </a:spcAft>
+              <a:defRPr>
+                <a:solidFill>
+                  <a:schemeClr val="tx1"/>
+                </a:solidFill>
+                <a:latin typeface="Arial" charset="0"/>
+                <a:ea typeface="Arial" charset="0"/>
+                <a:cs typeface="Arial" charset="0"/>
+              </a:defRPr>
+            </a:lvl6pPr>
+            <a:lvl7pPr marL="2971800" indent="-228600" eaLnBrk="0" fontAlgn="base" hangingPunct="0">
+              <a:spcBef>
+                <a:spcPct val="0"/>
+              </a:spcBef>
+              <a:spcAft>
+                <a:spcPct val="0"/>
+              </a:spcAft>
+              <a:defRPr>
+                <a:solidFill>
+                  <a:schemeClr val="tx1"/>
+                </a:solidFill>
+                <a:latin typeface="Arial" charset="0"/>
+                <a:ea typeface="Arial" charset="0"/>
+                <a:cs typeface="Arial" charset="0"/>
+              </a:defRPr>
+            </a:lvl7pPr>
+            <a:lvl8pPr marL="3429000" indent="-228600" eaLnBrk="0" fontAlgn="base" hangingPunct="0">
+              <a:spcBef>
+                <a:spcPct val="0"/>
+              </a:spcBef>
+              <a:spcAft>
+                <a:spcPct val="0"/>
+              </a:spcAft>
+              <a:defRPr>
+                <a:solidFill>
+                  <a:schemeClr val="tx1"/>
+                </a:solidFill>
+                <a:latin typeface="Arial" charset="0"/>
+                <a:ea typeface="Arial" charset="0"/>
+                <a:cs typeface="Arial" charset="0"/>
+              </a:defRPr>
+            </a:lvl8pPr>
+            <a:lvl9pPr marL="3886200" indent="-228600" eaLnBrk="0" fontAlgn="base" hangingPunct="0">
+              <a:spcBef>
+                <a:spcPct val="0"/>
+              </a:spcBef>
+              <a:spcAft>
+                <a:spcPct val="0"/>
+              </a:spcAft>
+              <a:defRPr>
+                <a:solidFill>
+                  <a:schemeClr val="tx1"/>
+                </a:solidFill>
+                <a:latin typeface="Arial" charset="0"/>
+                <a:ea typeface="Arial" charset="0"/>
+                <a:cs typeface="Arial" charset="0"/>
+              </a:defRPr>
+            </a:lvl9pPr>
+          </a:lstStyle>
+          <a:p>
+            <a:pPr eaLnBrk="1" hangingPunct="1"/>
+            <a:fld id="{C5D2BF08-2038-EF4D-A84B-41A6916BEE0C}" type="datetime1">
+              <a:rPr lang="en-US">
+                <a:latin typeface="Garamond" charset="0"/>
+              </a:rPr>
+              <a:pPr eaLnBrk="1" hangingPunct="1"/>
+              <a:t>1/29/16</a:t>
+            </a:fld>
+            <a:endParaRPr lang="en-US">
+              <a:latin typeface="Garamond" charset="0"/>
+            </a:endParaRPr>
+          </a:p>
+        </p:txBody>
+      </p:sp>
+      <p:sp>
+        <p:nvSpPr>
+          <p:cNvPr id="3" name="Footer Placeholder 2"/>
+          <p:cNvSpPr>
+            <a:spLocks noGrp="1"/>
+          </p:cNvSpPr>
+          <p:nvPr>
+            <p:ph type="ftr" sz="quarter" idx="11"/>
+          </p:nvPr>
+        </p:nvSpPr>
+        <p:spPr/>
+        <p:txBody>
+          <a:bodyPr/>
+          <a:lstStyle/>
+          <a:p>
+            <a:pPr>
+              <a:defRPr/>
+            </a:pPr>
+            <a:r>
+              <a:rPr lang="en-US" altLang="en-US"/>
+              <a:t>ECE Application Programming: Lecture 4</a:t>
+            </a:r>
+          </a:p>
+        </p:txBody>
+      </p:sp>
+    </p:spTree>
+  </p:cSld>
+  <p:clrMapOvr>
+    <a:masterClrMapping/>
+  </p:clrMapOvr>
+  <p:timing>
+    <p:tnLst>
+      <p:par>
+        <p:cTn xmlns:p14="http://schemas.microsoft.com/office/powerpoint/2010/main" id="1" dur="indefinite" restart="never" nodeType="tmRoot"/>
+      </p:par>
+    </p:tnLst>
+  </p:timing>
+</p:sld>
+</file>
+
+<file path=ppt/slides/slide9.xml><?xml version="1.0" encoding="utf-8"?>
+<p:sld xmlns:a="http://schemas.openxmlformats.org/drawingml/2006/main" xmlns:r="http://schemas.openxmlformats.org/officeDocument/2006/relationships" xmlns:p="http://schemas.openxmlformats.org/presentationml/2006/main">
+  <p:cSld>
+    <p:spTree>
+      <p:nvGrpSpPr>
+        <p:cNvPr id="1" name=""/>
+        <p:cNvGrpSpPr/>
+        <p:nvPr/>
+      </p:nvGrpSpPr>
+      <p:grpSpPr>
+        <a:xfrm>
+          <a:off x="0" y="0"/>
+          <a:ext cx="0" cy="0"/>
+          <a:chOff x="0" y="0"/>
+          <a:chExt cx="0" cy="0"/>
+        </a:xfrm>
+      </p:grpSpPr>
+      <p:sp>
+        <p:nvSpPr>
+          <p:cNvPr id="20" name="Slide Number Placeholder 5"/>
+          <p:cNvSpPr>
+            <a:spLocks noGrp="1"/>
+          </p:cNvSpPr>
+          <p:nvPr>
+            <p:ph type="sldNum" sz="quarter" idx="12"/>
+          </p:nvPr>
+        </p:nvSpPr>
+        <p:spPr/>
+        <p:txBody>
+          <a:bodyPr/>
+          <a:lstStyle>
+            <a:lvl1pPr eaLnBrk="0" hangingPunct="0">
+              <a:defRPr>
+                <a:solidFill>
+                  <a:schemeClr val="tx1"/>
+                </a:solidFill>
+                <a:latin typeface="Arial" charset="0"/>
+                <a:ea typeface="ＭＳ Ｐゴシック" charset="0"/>
+                <a:cs typeface="Arial" charset="0"/>
+              </a:defRPr>
+            </a:lvl1pPr>
+            <a:lvl2pPr marL="742950" indent="-285750" eaLnBrk="0" hangingPunct="0">
+              <a:defRPr>
+                <a:solidFill>
+                  <a:schemeClr val="tx1"/>
+                </a:solidFill>
+                <a:latin typeface="Arial" charset="0"/>
+                <a:ea typeface="Arial" charset="0"/>
+                <a:cs typeface="Arial" charset="0"/>
+              </a:defRPr>
+            </a:lvl2pPr>
+            <a:lvl3pPr marL="1143000" indent="-228600" eaLnBrk="0" hangingPunct="0">
+              <a:defRPr>
+                <a:solidFill>
+                  <a:schemeClr val="tx1"/>
+                </a:solidFill>
+                <a:latin typeface="Arial" charset="0"/>
+                <a:ea typeface="Arial" charset="0"/>
+                <a:cs typeface="Arial" charset="0"/>
+              </a:defRPr>
+            </a:lvl3pPr>
+            <a:lvl4pPr marL="1600200" indent="-228600" eaLnBrk="0" hangingPunct="0">
+              <a:defRPr>
+                <a:solidFill>
+                  <a:schemeClr val="tx1"/>
+                </a:solidFill>
+                <a:latin typeface="Arial" charset="0"/>
+                <a:ea typeface="Arial" charset="0"/>
+                <a:cs typeface="Arial" charset="0"/>
+              </a:defRPr>
+            </a:lvl4pPr>
+            <a:lvl5pPr marL="2057400" indent="-228600" eaLnBrk="0" hangingPunct="0">
+              <a:defRPr>
+                <a:solidFill>
+                  <a:schemeClr val="tx1"/>
+                </a:solidFill>
+                <a:latin typeface="Arial" charset="0"/>
+                <a:ea typeface="Arial" charset="0"/>
+                <a:cs typeface="Arial" charset="0"/>
+              </a:defRPr>
+            </a:lvl5pPr>
+            <a:lvl6pPr marL="2514600" indent="-228600" eaLnBrk="0" fontAlgn="base" hangingPunct="0">
+              <a:spcBef>
+                <a:spcPct val="0"/>
+              </a:spcBef>
+              <a:spcAft>
+                <a:spcPct val="0"/>
+              </a:spcAft>
+              <a:defRPr>
+                <a:solidFill>
+                  <a:schemeClr val="tx1"/>
+                </a:solidFill>
+                <a:latin typeface="Arial" charset="0"/>
+                <a:ea typeface="Arial" charset="0"/>
+                <a:cs typeface="Arial" charset="0"/>
+              </a:defRPr>
+            </a:lvl6pPr>
+            <a:lvl7pPr marL="2971800" indent="-228600" eaLnBrk="0" fontAlgn="base" hangingPunct="0">
+              <a:spcBef>
+                <a:spcPct val="0"/>
+              </a:spcBef>
+              <a:spcAft>
+                <a:spcPct val="0"/>
+              </a:spcAft>
+              <a:defRPr>
+                <a:solidFill>
+                  <a:schemeClr val="tx1"/>
+                </a:solidFill>
+                <a:latin typeface="Arial" charset="0"/>
+                <a:ea typeface="Arial" charset="0"/>
+                <a:cs typeface="Arial" charset="0"/>
+              </a:defRPr>
+            </a:lvl7pPr>
+            <a:lvl8pPr marL="3429000" indent="-228600" eaLnBrk="0" fontAlgn="base" hangingPunct="0">
+              <a:spcBef>
+                <a:spcPct val="0"/>
+              </a:spcBef>
+              <a:spcAft>
+                <a:spcPct val="0"/>
+              </a:spcAft>
+              <a:defRPr>
+                <a:solidFill>
+                  <a:schemeClr val="tx1"/>
+                </a:solidFill>
+                <a:latin typeface="Arial" charset="0"/>
+                <a:ea typeface="Arial" charset="0"/>
+                <a:cs typeface="Arial" charset="0"/>
+              </a:defRPr>
+            </a:lvl8pPr>
+            <a:lvl9pPr marL="3886200" indent="-228600" eaLnBrk="0" fontAlgn="base" hangingPunct="0">
+              <a:spcBef>
+                <a:spcPct val="0"/>
+              </a:spcBef>
+              <a:spcAft>
+                <a:spcPct val="0"/>
+              </a:spcAft>
+              <a:defRPr>
+                <a:solidFill>
+                  <a:schemeClr val="tx1"/>
+                </a:solidFill>
+                <a:latin typeface="Arial" charset="0"/>
+                <a:ea typeface="Arial" charset="0"/>
+                <a:cs typeface="Arial" charset="0"/>
+              </a:defRPr>
+            </a:lvl9pPr>
+          </a:lstStyle>
+          <a:p>
+            <a:pPr eaLnBrk="1" hangingPunct="1"/>
             <a:fld id="{B11365C6-BF3E-BA44-90F9-B73517E9B20E}" type="slidenum">
               <a:rPr lang="en-US">
                 <a:latin typeface="Garamond" charset="0"/>
               </a:rPr>
               <a:pPr eaLnBrk="1" hangingPunct="1"/>
-              <a:t>8</a:t>
+              <a:t>9</a:t>
             </a:fld>
             <a:endParaRPr lang="en-US">
               <a:latin typeface="Garamond" charset="0"/>
@@ -19102,7 +20116,7 @@
                 <a:latin typeface="Garamond" charset="0"/>
               </a:rPr>
               <a:pPr eaLnBrk="1" hangingPunct="1"/>
-              <a:t>1/27/16</a:t>
+              <a:t>1/29/16</a:t>
             </a:fld>
             <a:endParaRPr lang="en-US">
               <a:latin typeface="Garamond" charset="0"/>
@@ -19132,738 +20146,6 @@
               <a:rPr lang="en-US" altLang="en-US"/>
               <a:t>ECE Application Programming: Lecture 4</a:t>
             </a:r>
-          </a:p>
-        </p:txBody>
-      </p:sp>
-    </p:spTree>
-  </p:cSld>
-  <p:clrMapOvr>
-    <a:masterClrMapping/>
-  </p:clrMapOvr>
-  <p:timing>
-    <p:tnLst>
-      <p:par>
-        <p:cTn xmlns:p14="http://schemas.microsoft.com/office/powerpoint/2010/main" id="1" dur="indefinite" restart="never" nodeType="tmRoot"/>
-      </p:par>
-    </p:tnLst>
-  </p:timing>
-</p:sld>
-</file>
-
-<file path=ppt/slides/slide9.xml><?xml version="1.0" encoding="utf-8"?>
-<p:sld xmlns:a="http://schemas.openxmlformats.org/drawingml/2006/main" xmlns:r="http://schemas.openxmlformats.org/officeDocument/2006/relationships" xmlns:p="http://schemas.openxmlformats.org/presentationml/2006/main">
-  <p:cSld>
-    <p:spTree>
-      <p:nvGrpSpPr>
-        <p:cNvPr id="1" name=""/>
-        <p:cNvGrpSpPr/>
-        <p:nvPr/>
-      </p:nvGrpSpPr>
-      <p:grpSpPr>
-        <a:xfrm>
-          <a:off x="0" y="0"/>
-          <a:ext cx="0" cy="0"/>
-          <a:chOff x="0" y="0"/>
-          <a:chExt cx="0" cy="0"/>
-        </a:xfrm>
-      </p:grpSpPr>
-      <p:sp>
-        <p:nvSpPr>
-          <p:cNvPr id="21506" name="Title 1"/>
-          <p:cNvSpPr>
-            <a:spLocks noGrp="1"/>
-          </p:cNvSpPr>
-          <p:nvPr>
-            <p:ph type="title"/>
-          </p:nvPr>
-        </p:nvSpPr>
-        <p:spPr/>
-        <p:txBody>
-          <a:bodyPr/>
-          <a:lstStyle/>
-          <a:p>
-            <a:r>
-              <a:rPr lang="en-US">
-                <a:latin typeface="Garamond" charset="0"/>
-              </a:rPr>
-              <a:t>scanf() format strings</a:t>
-            </a:r>
-          </a:p>
-        </p:txBody>
-      </p:sp>
-      <p:sp>
-        <p:nvSpPr>
-          <p:cNvPr id="3" name="Content Placeholder 2"/>
-          <p:cNvSpPr>
-            <a:spLocks noGrp="1"/>
-          </p:cNvSpPr>
-          <p:nvPr>
-            <p:ph idx="1"/>
-          </p:nvPr>
-        </p:nvSpPr>
-        <p:spPr/>
-        <p:txBody>
-          <a:bodyPr>
-            <a:normAutofit/>
-          </a:bodyPr>
-          <a:lstStyle/>
-          <a:p>
-            <a:pPr>
-              <a:lnSpc>
-                <a:spcPct val="80000"/>
-              </a:lnSpc>
-            </a:pPr>
-            <a:r>
-              <a:rPr lang="en-US" sz="2600">
-                <a:latin typeface="Courier New" charset="0"/>
-                <a:cs typeface="Courier New" charset="0"/>
-              </a:rPr>
-              <a:t>scanf()</a:t>
-            </a:r>
-            <a:r>
-              <a:rPr lang="en-US" sz="2600">
-                <a:latin typeface="Arial" charset="0"/>
-              </a:rPr>
-              <a:t> will skip space characters for all types but </a:t>
-            </a:r>
-            <a:r>
-              <a:rPr lang="en-US" sz="2600">
-                <a:latin typeface="Courier New" charset="0"/>
-                <a:cs typeface="Courier New" charset="0"/>
-              </a:rPr>
-              <a:t>%c</a:t>
-            </a:r>
-          </a:p>
-          <a:p>
-            <a:pPr lvl="1">
-              <a:lnSpc>
-                <a:spcPct val="80000"/>
-              </a:lnSpc>
-            </a:pPr>
-            <a:r>
-              <a:rPr lang="en-US" sz="2200">
-                <a:latin typeface="Arial" charset="0"/>
-              </a:rPr>
-              <a:t>Read input until it finds something that</a:t>
-            </a:r>
-            <a:r>
-              <a:rPr lang="ja-JP" altLang="en-US" sz="2200">
-                <a:latin typeface="Arial" charset="0"/>
-              </a:rPr>
-              <a:t>’</a:t>
-            </a:r>
-            <a:r>
-              <a:rPr lang="en-US" sz="2200">
-                <a:latin typeface="Arial" charset="0"/>
-              </a:rPr>
-              <a:t>s not a space, then see if it matches the desired type</a:t>
-            </a:r>
-          </a:p>
-          <a:p>
-            <a:pPr lvl="2">
-              <a:lnSpc>
-                <a:spcPct val="80000"/>
-              </a:lnSpc>
-            </a:pPr>
-            <a:r>
-              <a:rPr lang="en-US" sz="1900">
-                <a:latin typeface="Arial" charset="0"/>
-              </a:rPr>
-              <a:t>If type matches, value will be stored in specified variable</a:t>
-            </a:r>
-          </a:p>
-          <a:p>
-            <a:pPr lvl="2">
-              <a:lnSpc>
-                <a:spcPct val="80000"/>
-              </a:lnSpc>
-            </a:pPr>
-            <a:r>
-              <a:rPr lang="en-US" sz="1900">
-                <a:latin typeface="Arial" charset="0"/>
-              </a:rPr>
-              <a:t>If type doesn</a:t>
-            </a:r>
-            <a:r>
-              <a:rPr lang="ja-JP" altLang="en-US" sz="1900">
-                <a:latin typeface="Arial" charset="0"/>
-              </a:rPr>
-              <a:t>’</a:t>
-            </a:r>
-            <a:r>
-              <a:rPr lang="en-US" sz="1900">
-                <a:latin typeface="Arial" charset="0"/>
-              </a:rPr>
-              <a:t>t match, nothing stored; function stops</a:t>
-            </a:r>
-          </a:p>
-          <a:p>
-            <a:pPr lvl="1">
-              <a:lnSpc>
-                <a:spcPct val="80000"/>
-              </a:lnSpc>
-            </a:pPr>
-            <a:r>
-              <a:rPr lang="en-US" sz="2200">
-                <a:latin typeface="Arial" charset="0"/>
-              </a:rPr>
-              <a:t>Space in string only matters if using </a:t>
-            </a:r>
-            <a:r>
-              <a:rPr lang="en-US" sz="2200">
-                <a:latin typeface="Courier New" charset="0"/>
-                <a:cs typeface="Courier New" charset="0"/>
-              </a:rPr>
-              <a:t>%c</a:t>
-            </a:r>
-          </a:p>
-          <a:p>
-            <a:pPr>
-              <a:lnSpc>
-                <a:spcPct val="80000"/>
-              </a:lnSpc>
-            </a:pPr>
-            <a:r>
-              <a:rPr lang="en-US" sz="2600">
-                <a:latin typeface="Courier New" charset="0"/>
-                <a:cs typeface="Courier New" charset="0"/>
-              </a:rPr>
-              <a:t>%c</a:t>
-            </a:r>
-            <a:r>
-              <a:rPr lang="en-US" sz="2600">
-                <a:latin typeface="Arial" charset="0"/>
-              </a:rPr>
-              <a:t> will read </a:t>
-            </a:r>
-            <a:r>
-              <a:rPr lang="en-US" sz="2600" u="sng">
-                <a:latin typeface="Arial" charset="0"/>
-              </a:rPr>
-              <a:t>any</a:t>
-            </a:r>
-            <a:r>
-              <a:rPr lang="en-US" sz="2600">
-                <a:latin typeface="Arial" charset="0"/>
-              </a:rPr>
-              <a:t> character</a:t>
-            </a:r>
-          </a:p>
-          <a:p>
-            <a:pPr lvl="1">
-              <a:lnSpc>
-                <a:spcPct val="80000"/>
-              </a:lnSpc>
-            </a:pPr>
-            <a:r>
-              <a:rPr lang="en-US" sz="2200">
-                <a:latin typeface="Arial" charset="0"/>
-              </a:rPr>
-              <a:t>Includes spaces, newlines, etc.</a:t>
-            </a:r>
-          </a:p>
-          <a:p>
-            <a:pPr lvl="1">
-              <a:lnSpc>
-                <a:spcPct val="80000"/>
-              </a:lnSpc>
-            </a:pPr>
-            <a:r>
-              <a:rPr lang="en-US" sz="2200">
-                <a:latin typeface="Arial" charset="0"/>
-              </a:rPr>
-              <a:t>Example: given </a:t>
-            </a:r>
-            <a:r>
-              <a:rPr lang="en-US" sz="2200">
-                <a:latin typeface="Courier New" charset="0"/>
-                <a:cs typeface="Courier New" charset="0"/>
-              </a:rPr>
-              <a:t>scanf("%d%c", &amp;i, &amp;c);</a:t>
-            </a:r>
-          </a:p>
-          <a:p>
-            <a:pPr lvl="2">
-              <a:lnSpc>
-                <a:spcPct val="80000"/>
-              </a:lnSpc>
-            </a:pPr>
-            <a:r>
-              <a:rPr lang="en-US" sz="1900">
-                <a:latin typeface="Arial" charset="0"/>
-              </a:rPr>
-              <a:t>Input: 	</a:t>
-            </a:r>
-            <a:r>
-              <a:rPr lang="en-US" sz="1900">
-                <a:latin typeface="Courier New" charset="0"/>
-                <a:cs typeface="Courier New" charset="0"/>
-              </a:rPr>
-              <a:t>3a</a:t>
-            </a:r>
-            <a:r>
-              <a:rPr lang="en-US" sz="1900">
-                <a:latin typeface="Arial" charset="0"/>
-              </a:rPr>
-              <a:t> 	</a:t>
-            </a:r>
-            <a:r>
-              <a:rPr lang="en-US" sz="1900">
-                <a:latin typeface="Arial" charset="0"/>
-                <a:sym typeface="Wingdings" charset="0"/>
-              </a:rPr>
-              <a:t> </a:t>
-            </a:r>
-            <a:r>
-              <a:rPr lang="en-US" sz="1900">
-                <a:latin typeface="Courier New" charset="0"/>
-                <a:cs typeface="Courier New" charset="0"/>
-                <a:sym typeface="Wingdings" charset="0"/>
-              </a:rPr>
-              <a:t>i = 3, c = 'a'</a:t>
-            </a:r>
-            <a:endParaRPr lang="en-US" sz="1900">
-              <a:latin typeface="Courier New" charset="0"/>
-              <a:cs typeface="Courier New" charset="0"/>
-            </a:endParaRPr>
-          </a:p>
-          <a:p>
-            <a:pPr lvl="2">
-              <a:lnSpc>
-                <a:spcPct val="80000"/>
-              </a:lnSpc>
-            </a:pPr>
-            <a:r>
-              <a:rPr lang="en-US" sz="1900">
-                <a:latin typeface="Arial" charset="0"/>
-              </a:rPr>
-              <a:t>Input: 	</a:t>
-            </a:r>
-            <a:r>
-              <a:rPr lang="en-US" sz="1900">
-                <a:latin typeface="Courier New" charset="0"/>
-                <a:cs typeface="Courier New" charset="0"/>
-              </a:rPr>
-              <a:t>3 a</a:t>
-            </a:r>
-            <a:r>
-              <a:rPr lang="en-US" sz="1900">
-                <a:latin typeface="Arial" charset="0"/>
-              </a:rPr>
-              <a:t> 	</a:t>
-            </a:r>
-            <a:r>
-              <a:rPr lang="en-US" sz="1900">
-                <a:latin typeface="Arial" charset="0"/>
-                <a:sym typeface="Wingdings" charset="0"/>
-              </a:rPr>
-              <a:t> </a:t>
-            </a:r>
-            <a:r>
-              <a:rPr lang="en-US" sz="1900">
-                <a:latin typeface="Courier New" charset="0"/>
-                <a:cs typeface="Courier New" charset="0"/>
-                <a:sym typeface="Wingdings" charset="0"/>
-              </a:rPr>
-              <a:t>i = 3, c = ' '</a:t>
-            </a:r>
-            <a:endParaRPr lang="en-US" sz="1900">
-              <a:latin typeface="Courier New" charset="0"/>
-              <a:cs typeface="Courier New" charset="0"/>
-            </a:endParaRPr>
-          </a:p>
-          <a:p>
-            <a:pPr lvl="2">
-              <a:lnSpc>
-                <a:spcPct val="80000"/>
-              </a:lnSpc>
-            </a:pPr>
-            <a:r>
-              <a:rPr lang="en-US" sz="1900">
-                <a:latin typeface="Arial" charset="0"/>
-              </a:rPr>
-              <a:t>Input:  	</a:t>
-            </a:r>
-            <a:r>
-              <a:rPr lang="en-US" sz="1900">
-                <a:latin typeface="Courier New" charset="0"/>
-                <a:cs typeface="Courier New" charset="0"/>
-              </a:rPr>
-              <a:t>3</a:t>
-            </a:r>
-          </a:p>
-          <a:p>
-            <a:pPr lvl="2">
-              <a:lnSpc>
-                <a:spcPct val="80000"/>
-              </a:lnSpc>
-              <a:buFont typeface="Wingdings" charset="0"/>
-              <a:buNone/>
-            </a:pPr>
-            <a:r>
-              <a:rPr lang="en-US" sz="1900">
-                <a:latin typeface="Courier New" charset="0"/>
-                <a:cs typeface="Courier New" charset="0"/>
-              </a:rPr>
-              <a:t>	      	a</a:t>
-            </a:r>
-            <a:r>
-              <a:rPr lang="en-US" sz="1900">
-                <a:latin typeface="Arial" charset="0"/>
-              </a:rPr>
-              <a:t> 	</a:t>
-            </a:r>
-            <a:r>
-              <a:rPr lang="en-US" sz="1900">
-                <a:latin typeface="Arial" charset="0"/>
-                <a:sym typeface="Wingdings" charset="0"/>
-              </a:rPr>
-              <a:t> </a:t>
-            </a:r>
-            <a:r>
-              <a:rPr lang="en-US" sz="1900">
-                <a:latin typeface="Courier New" charset="0"/>
-                <a:cs typeface="Courier New" charset="0"/>
-                <a:sym typeface="Wingdings" charset="0"/>
-              </a:rPr>
-              <a:t>i = 3, c = '\n' </a:t>
-            </a:r>
-            <a:r>
-              <a:rPr lang="en-US" sz="1900">
-                <a:latin typeface="Arial" charset="0"/>
-                <a:cs typeface="Courier New" charset="0"/>
-                <a:sym typeface="Wingdings" charset="0"/>
-              </a:rPr>
-              <a:t>(assuming newline 						 directly after 3)</a:t>
-            </a:r>
-            <a:endParaRPr lang="en-US" sz="1900">
-              <a:latin typeface="Arial" charset="0"/>
-            </a:endParaRPr>
-          </a:p>
-          <a:p>
-            <a:pPr lvl="1">
-              <a:lnSpc>
-                <a:spcPct val="80000"/>
-              </a:lnSpc>
-            </a:pPr>
-            <a:endParaRPr lang="en-US" sz="2200">
-              <a:latin typeface="Courier New" charset="0"/>
-              <a:cs typeface="Courier New" charset="0"/>
-              <a:sym typeface="Wingdings" charset="0"/>
-            </a:endParaRPr>
-          </a:p>
-        </p:txBody>
-      </p:sp>
-      <p:sp>
-        <p:nvSpPr>
-          <p:cNvPr id="4" name="Date Placeholder 3"/>
-          <p:cNvSpPr>
-            <a:spLocks noGrp="1"/>
-          </p:cNvSpPr>
-          <p:nvPr>
-            <p:ph type="dt" sz="quarter" idx="10"/>
-          </p:nvPr>
-        </p:nvSpPr>
-        <p:spPr/>
-        <p:txBody>
-          <a:bodyPr/>
-          <a:lstStyle>
-            <a:lvl1pPr eaLnBrk="0" hangingPunct="0">
-              <a:defRPr>
-                <a:solidFill>
-                  <a:schemeClr val="tx1"/>
-                </a:solidFill>
-                <a:latin typeface="Arial" charset="0"/>
-                <a:ea typeface="ＭＳ Ｐゴシック" charset="0"/>
-                <a:cs typeface="Arial" charset="0"/>
-              </a:defRPr>
-            </a:lvl1pPr>
-            <a:lvl2pPr marL="742950" indent="-285750" eaLnBrk="0" hangingPunct="0">
-              <a:defRPr>
-                <a:solidFill>
-                  <a:schemeClr val="tx1"/>
-                </a:solidFill>
-                <a:latin typeface="Arial" charset="0"/>
-                <a:ea typeface="Arial" charset="0"/>
-                <a:cs typeface="Arial" charset="0"/>
-              </a:defRPr>
-            </a:lvl2pPr>
-            <a:lvl3pPr marL="1143000" indent="-228600" eaLnBrk="0" hangingPunct="0">
-              <a:defRPr>
-                <a:solidFill>
-                  <a:schemeClr val="tx1"/>
-                </a:solidFill>
-                <a:latin typeface="Arial" charset="0"/>
-                <a:ea typeface="Arial" charset="0"/>
-                <a:cs typeface="Arial" charset="0"/>
-              </a:defRPr>
-            </a:lvl3pPr>
-            <a:lvl4pPr marL="1600200" indent="-228600" eaLnBrk="0" hangingPunct="0">
-              <a:defRPr>
-                <a:solidFill>
-                  <a:schemeClr val="tx1"/>
-                </a:solidFill>
-                <a:latin typeface="Arial" charset="0"/>
-                <a:ea typeface="Arial" charset="0"/>
-                <a:cs typeface="Arial" charset="0"/>
-              </a:defRPr>
-            </a:lvl4pPr>
-            <a:lvl5pPr marL="2057400" indent="-228600" eaLnBrk="0" hangingPunct="0">
-              <a:defRPr>
-                <a:solidFill>
-                  <a:schemeClr val="tx1"/>
-                </a:solidFill>
-                <a:latin typeface="Arial" charset="0"/>
-                <a:ea typeface="Arial" charset="0"/>
-                <a:cs typeface="Arial" charset="0"/>
-              </a:defRPr>
-            </a:lvl5pPr>
-            <a:lvl6pPr marL="2514600" indent="-228600" eaLnBrk="0" fontAlgn="base" hangingPunct="0">
-              <a:spcBef>
-                <a:spcPct val="0"/>
-              </a:spcBef>
-              <a:spcAft>
-                <a:spcPct val="0"/>
-              </a:spcAft>
-              <a:defRPr>
-                <a:solidFill>
-                  <a:schemeClr val="tx1"/>
-                </a:solidFill>
-                <a:latin typeface="Arial" charset="0"/>
-                <a:ea typeface="Arial" charset="0"/>
-                <a:cs typeface="Arial" charset="0"/>
-              </a:defRPr>
-            </a:lvl6pPr>
-            <a:lvl7pPr marL="2971800" indent="-228600" eaLnBrk="0" fontAlgn="base" hangingPunct="0">
-              <a:spcBef>
-                <a:spcPct val="0"/>
-              </a:spcBef>
-              <a:spcAft>
-                <a:spcPct val="0"/>
-              </a:spcAft>
-              <a:defRPr>
-                <a:solidFill>
-                  <a:schemeClr val="tx1"/>
-                </a:solidFill>
-                <a:latin typeface="Arial" charset="0"/>
-                <a:ea typeface="Arial" charset="0"/>
-                <a:cs typeface="Arial" charset="0"/>
-              </a:defRPr>
-            </a:lvl7pPr>
-            <a:lvl8pPr marL="3429000" indent="-228600" eaLnBrk="0" fontAlgn="base" hangingPunct="0">
-              <a:spcBef>
-                <a:spcPct val="0"/>
-              </a:spcBef>
-              <a:spcAft>
-                <a:spcPct val="0"/>
-              </a:spcAft>
-              <a:defRPr>
-                <a:solidFill>
-                  <a:schemeClr val="tx1"/>
-                </a:solidFill>
-                <a:latin typeface="Arial" charset="0"/>
-                <a:ea typeface="Arial" charset="0"/>
-                <a:cs typeface="Arial" charset="0"/>
-              </a:defRPr>
-            </a:lvl8pPr>
-            <a:lvl9pPr marL="3886200" indent="-228600" eaLnBrk="0" fontAlgn="base" hangingPunct="0">
-              <a:spcBef>
-                <a:spcPct val="0"/>
-              </a:spcBef>
-              <a:spcAft>
-                <a:spcPct val="0"/>
-              </a:spcAft>
-              <a:defRPr>
-                <a:solidFill>
-                  <a:schemeClr val="tx1"/>
-                </a:solidFill>
-                <a:latin typeface="Arial" charset="0"/>
-                <a:ea typeface="Arial" charset="0"/>
-                <a:cs typeface="Arial" charset="0"/>
-              </a:defRPr>
-            </a:lvl9pPr>
-          </a:lstStyle>
-          <a:p>
-            <a:pPr eaLnBrk="1" hangingPunct="1"/>
-            <a:fld id="{2DDFC823-4FA7-0B4F-93C6-19C627A1A32C}" type="datetime1">
-              <a:rPr lang="en-US">
-                <a:latin typeface="Garamond" charset="0"/>
-              </a:rPr>
-              <a:pPr eaLnBrk="1" hangingPunct="1"/>
-              <a:t>1/27/16</a:t>
-            </a:fld>
-            <a:endParaRPr lang="en-US">
-              <a:latin typeface="Garamond" charset="0"/>
-            </a:endParaRPr>
-          </a:p>
-        </p:txBody>
-      </p:sp>
-      <p:sp>
-        <p:nvSpPr>
-          <p:cNvPr id="5" name="Footer Placeholder 4"/>
-          <p:cNvSpPr>
-            <a:spLocks noGrp="1"/>
-          </p:cNvSpPr>
-          <p:nvPr>
-            <p:ph type="ftr" sz="quarter" idx="11"/>
-          </p:nvPr>
-        </p:nvSpPr>
-        <p:spPr/>
-        <p:txBody>
-          <a:bodyPr/>
-          <a:lstStyle/>
-          <a:p>
-            <a:pPr>
-              <a:defRPr/>
-            </a:pPr>
-            <a:r>
-              <a:rPr lang="en-US" altLang="en-US"/>
-              <a:t>ECE Application Programming: Lecture 4</a:t>
-            </a:r>
-          </a:p>
-        </p:txBody>
-      </p:sp>
-      <p:sp>
-        <p:nvSpPr>
-          <p:cNvPr id="6" name="Slide Number Placeholder 5"/>
-          <p:cNvSpPr>
-            <a:spLocks noGrp="1"/>
-          </p:cNvSpPr>
-          <p:nvPr>
-            <p:ph type="sldNum" sz="quarter" idx="12"/>
-          </p:nvPr>
-        </p:nvSpPr>
-        <p:spPr/>
-        <p:txBody>
-          <a:bodyPr/>
-          <a:lstStyle>
-            <a:lvl1pPr eaLnBrk="0" hangingPunct="0">
-              <a:defRPr>
-                <a:solidFill>
-                  <a:schemeClr val="tx1"/>
-                </a:solidFill>
-                <a:latin typeface="Arial" charset="0"/>
-                <a:ea typeface="ＭＳ Ｐゴシック" charset="0"/>
-                <a:cs typeface="Arial" charset="0"/>
-              </a:defRPr>
-            </a:lvl1pPr>
-            <a:lvl2pPr marL="742950" indent="-285750" eaLnBrk="0" hangingPunct="0">
-              <a:defRPr>
-                <a:solidFill>
-                  <a:schemeClr val="tx1"/>
-                </a:solidFill>
-                <a:latin typeface="Arial" charset="0"/>
-                <a:ea typeface="Arial" charset="0"/>
-                <a:cs typeface="Arial" charset="0"/>
-              </a:defRPr>
-            </a:lvl2pPr>
-            <a:lvl3pPr marL="1143000" indent="-228600" eaLnBrk="0" hangingPunct="0">
-              <a:defRPr>
-                <a:solidFill>
-                  <a:schemeClr val="tx1"/>
-                </a:solidFill>
-                <a:latin typeface="Arial" charset="0"/>
-                <a:ea typeface="Arial" charset="0"/>
-                <a:cs typeface="Arial" charset="0"/>
-              </a:defRPr>
-            </a:lvl3pPr>
-            <a:lvl4pPr marL="1600200" indent="-228600" eaLnBrk="0" hangingPunct="0">
-              <a:defRPr>
-                <a:solidFill>
-                  <a:schemeClr val="tx1"/>
-                </a:solidFill>
-                <a:latin typeface="Arial" charset="0"/>
-                <a:ea typeface="Arial" charset="0"/>
-                <a:cs typeface="Arial" charset="0"/>
-              </a:defRPr>
-            </a:lvl4pPr>
-            <a:lvl5pPr marL="2057400" indent="-228600" eaLnBrk="0" hangingPunct="0">
-              <a:defRPr>
-                <a:solidFill>
-                  <a:schemeClr val="tx1"/>
-                </a:solidFill>
-                <a:latin typeface="Arial" charset="0"/>
-                <a:ea typeface="Arial" charset="0"/>
-                <a:cs typeface="Arial" charset="0"/>
-              </a:defRPr>
-            </a:lvl5pPr>
-            <a:lvl6pPr marL="2514600" indent="-228600" eaLnBrk="0" fontAlgn="base" hangingPunct="0">
-              <a:spcBef>
-                <a:spcPct val="0"/>
-              </a:spcBef>
-              <a:spcAft>
-                <a:spcPct val="0"/>
-              </a:spcAft>
-              <a:defRPr>
-                <a:solidFill>
-                  <a:schemeClr val="tx1"/>
-                </a:solidFill>
-                <a:latin typeface="Arial" charset="0"/>
-                <a:ea typeface="Arial" charset="0"/>
-                <a:cs typeface="Arial" charset="0"/>
-              </a:defRPr>
-            </a:lvl6pPr>
-            <a:lvl7pPr marL="2971800" indent="-228600" eaLnBrk="0" fontAlgn="base" hangingPunct="0">
-              <a:spcBef>
-                <a:spcPct val="0"/>
-              </a:spcBef>
-              <a:spcAft>
-                <a:spcPct val="0"/>
-              </a:spcAft>
-              <a:defRPr>
-                <a:solidFill>
-                  <a:schemeClr val="tx1"/>
-                </a:solidFill>
-                <a:latin typeface="Arial" charset="0"/>
-                <a:ea typeface="Arial" charset="0"/>
-                <a:cs typeface="Arial" charset="0"/>
-              </a:defRPr>
-            </a:lvl7pPr>
-            <a:lvl8pPr marL="3429000" indent="-228600" eaLnBrk="0" fontAlgn="base" hangingPunct="0">
-              <a:spcBef>
-                <a:spcPct val="0"/>
-              </a:spcBef>
-              <a:spcAft>
-                <a:spcPct val="0"/>
-              </a:spcAft>
-              <a:defRPr>
-                <a:solidFill>
-                  <a:schemeClr val="tx1"/>
-                </a:solidFill>
-                <a:latin typeface="Arial" charset="0"/>
-                <a:ea typeface="Arial" charset="0"/>
-                <a:cs typeface="Arial" charset="0"/>
-              </a:defRPr>
-            </a:lvl8pPr>
-            <a:lvl9pPr marL="3886200" indent="-228600" eaLnBrk="0" fontAlgn="base" hangingPunct="0">
-              <a:spcBef>
-                <a:spcPct val="0"/>
-              </a:spcBef>
-              <a:spcAft>
-                <a:spcPct val="0"/>
-              </a:spcAft>
-              <a:defRPr>
-                <a:solidFill>
-                  <a:schemeClr val="tx1"/>
-                </a:solidFill>
-                <a:latin typeface="Arial" charset="0"/>
-                <a:ea typeface="Arial" charset="0"/>
-                <a:cs typeface="Arial" charset="0"/>
-              </a:defRPr>
-            </a:lvl9pPr>
-          </a:lstStyle>
-          <a:p>
-            <a:pPr eaLnBrk="1" hangingPunct="1"/>
-            <a:fld id="{261CE7B6-4980-4F4B-9C95-904F246E2D71}" type="slidenum">
-              <a:rPr lang="en-US">
-                <a:latin typeface="Garamond" charset="0"/>
-              </a:rPr>
-              <a:pPr eaLnBrk="1" hangingPunct="1"/>
-              <a:t>9</a:t>
-            </a:fld>
-            <a:endParaRPr lang="en-US">
-              <a:latin typeface="Garamond" charset="0"/>
-            </a:endParaRPr>
           </a:p>
         </p:txBody>
       </p:sp>
